--- a/gRPC.pptx
+++ b/gRPC.pptx
@@ -9,7 +9,7 @@
   <p:sldIdLst>
     <p:sldId id="314" r:id="rId5"/>
     <p:sldId id="272" r:id="rId6"/>
-    <p:sldId id="268" r:id="rId7"/>
+    <p:sldId id="325" r:id="rId7"/>
     <p:sldId id="265" r:id="rId8"/>
     <p:sldId id="270" r:id="rId9"/>
     <p:sldId id="275" r:id="rId10"/>
@@ -7694,7 +7694,7 @@
         </p:blipFill>
         <p:spPr>
           <a:xfrm>
-            <a:off x="3582035" y="791210"/>
+            <a:off x="3320415" y="815340"/>
             <a:ext cx="3404870" cy="1740535"/>
           </a:xfrm>
           <a:prstGeom prst="rect">
@@ -11034,18 +11034,6 @@
           </a:p>
         </p:txBody>
       </p:sp>
-      <p:sp>
-        <p:nvSpPr>
-          <p:cNvPr id="3" name="그림 개체 틀 2"/>
-          <p:cNvSpPr>
-            <a:spLocks noGrp="1"/>
-          </p:cNvSpPr>
-          <p:nvPr>
-            <p:ph type="pic" idx="1"/>
-          </p:nvPr>
-        </p:nvSpPr>
-        <p:spPr/>
-      </p:sp>
     </p:spTree>
   </p:cSld>
   <p:clrMapOvr>
@@ -11326,16 +11314,50 @@
             <p:ph type="body" sz="quarter" idx="10"/>
           </p:nvPr>
         </p:nvSpPr>
-        <p:spPr/>
+        <p:spPr>
+          <a:xfrm>
+            <a:off x="4695825" y="2180590"/>
+            <a:ext cx="3799840" cy="575945"/>
+          </a:xfrm>
+        </p:spPr>
         <p:txBody>
           <a:bodyPr/>
           <a:lstStyle/>
           <a:p>
+            <a:pPr algn="l"/>
             <a:r>
-              <a:rPr lang="en-US" altLang="ko-KR" dirty="0"/>
-              <a:t>Infographic Style</a:t>
+              <a:rPr lang="en-GB" altLang="en-US" sz="2800" b="1" dirty="0">
+                <a:ln/>
+                <a:solidFill>
+                  <a:schemeClr val="accent1"/>
+                </a:solidFill>
+                <a:effectLst>
+                  <a:outerShdw blurRad="38100" dist="25400" dir="5400000" algn="ctr" rotWithShape="0">
+                    <a:srgbClr val="6E747A">
+                      <a:alpha val="43000"/>
+                    </a:srgbClr>
+                  </a:outerShdw>
+                </a:effectLst>
+                <a:latin typeface="Fira Code Medium" panose="020B0809050000020004" charset="0"/>
+                <a:cs typeface="Fira Code Medium" panose="020B0809050000020004" charset="0"/>
+              </a:rPr>
+              <a:t>What do we need</a:t>
             </a:r>
-            <a:endParaRPr lang="ko-KR" altLang="en-US" dirty="0"/>
+            <a:endParaRPr lang="en-GB" altLang="en-US" sz="2800" b="1" dirty="0">
+              <a:ln/>
+              <a:solidFill>
+                <a:schemeClr val="accent1"/>
+              </a:solidFill>
+              <a:effectLst>
+                <a:outerShdw blurRad="38100" dist="25400" dir="5400000" algn="ctr" rotWithShape="0">
+                  <a:srgbClr val="6E747A">
+                    <a:alpha val="43000"/>
+                  </a:srgbClr>
+                </a:outerShdw>
+              </a:effectLst>
+              <a:latin typeface="Fira Code Medium" panose="020B0809050000020004" charset="0"/>
+              <a:cs typeface="Fira Code Medium" panose="020B0809050000020004" charset="0"/>
+            </a:endParaRPr>
           </a:p>
         </p:txBody>
       </p:sp>
@@ -11349,507 +11371,115 @@
             <p:ph type="body" sz="quarter" idx="11"/>
           </p:nvPr>
         </p:nvSpPr>
-        <p:spPr/>
+        <p:spPr>
+          <a:xfrm>
+            <a:off x="225425" y="788670"/>
+            <a:ext cx="4902200" cy="600710"/>
+          </a:xfrm>
+        </p:spPr>
         <p:txBody>
           <a:bodyPr/>
           <a:lstStyle/>
           <a:p>
-            <a:pPr lvl="0"/>
+            <a:pPr lvl="0" algn="l"/>
             <a:r>
-              <a:rPr lang="en-US" altLang="ko-KR" dirty="0"/>
-              <a:t>Insert the title of your subtitle Here</a:t>
+              <a:rPr lang="en-US" altLang="ko-KR" sz="2800" b="1" dirty="0">
+                <a:ln/>
+                <a:solidFill>
+                  <a:schemeClr val="accent1"/>
+                </a:solidFill>
+                <a:effectLst>
+                  <a:outerShdw blurRad="38100" dist="25400" dir="5400000" algn="ctr" rotWithShape="0">
+                    <a:srgbClr val="6E747A">
+                      <a:alpha val="43000"/>
+                    </a:srgbClr>
+                  </a:outerShdw>
+                </a:effectLst>
+                <a:latin typeface="Fira Code Medium" panose="020B0809050000020004" charset="0"/>
+                <a:cs typeface="Fira Code Medium" panose="020B0809050000020004" charset="0"/>
+              </a:rPr>
+              <a:t>What are you learning</a:t>
             </a:r>
-            <a:endParaRPr lang="en-US" altLang="ko-KR" dirty="0"/>
-          </a:p>
-        </p:txBody>
-      </p:sp>
-      <p:sp>
-        <p:nvSpPr>
-          <p:cNvPr id="50" name="Oval 49"/>
-          <p:cNvSpPr/>
-          <p:nvPr/>
-        </p:nvSpPr>
-        <p:spPr>
-          <a:xfrm>
-            <a:off x="4164238" y="1403944"/>
-            <a:ext cx="576064" cy="576064"/>
-          </a:xfrm>
-          <a:prstGeom prst="ellipse">
-            <a:avLst/>
-          </a:prstGeom>
-          <a:solidFill>
-            <a:schemeClr val="accent1"/>
-          </a:solidFill>
-          <a:ln>
-            <a:noFill/>
-          </a:ln>
-        </p:spPr>
-        <p:style>
-          <a:lnRef idx="2">
-            <a:schemeClr val="accent1">
-              <a:shade val="50000"/>
-            </a:schemeClr>
-          </a:lnRef>
-          <a:fillRef idx="1">
-            <a:schemeClr val="accent1"/>
-          </a:fillRef>
-          <a:effectRef idx="0">
-            <a:schemeClr val="accent1"/>
-          </a:effectRef>
-          <a:fontRef idx="minor">
-            <a:schemeClr val="lt1"/>
-          </a:fontRef>
-        </p:style>
-        <p:txBody>
-          <a:bodyPr rot="0" spcFirstLastPara="0" vertOverflow="overflow" horzOverflow="overflow" vert="horz" wrap="square" lIns="91440" tIns="45720" rIns="91440" bIns="45720" numCol="1" spcCol="0" rtlCol="0" fromWordArt="0" anchor="ctr" anchorCtr="0" forceAA="0" compatLnSpc="1">
-            <a:noAutofit/>
-          </a:bodyPr>
-          <a:lstStyle/>
-          <a:p>
-            <a:pPr algn="ctr"/>
-            <a:endParaRPr lang="ko-KR" altLang="en-US">
+            <a:endParaRPr lang="en-GB" altLang="en-US" sz="2800" b="1" dirty="0">
+              <a:ln/>
               <a:solidFill>
-                <a:srgbClr val="32AEB8"/>
+                <a:schemeClr val="accent1"/>
               </a:solidFill>
+              <a:effectLst>
+                <a:outerShdw blurRad="38100" dist="25400" dir="5400000" algn="ctr" rotWithShape="0">
+                  <a:srgbClr val="6E747A">
+                    <a:alpha val="43000"/>
+                  </a:srgbClr>
+                </a:outerShdw>
+              </a:effectLst>
+              <a:latin typeface="Fira Code Medium" panose="020B0809050000020004" charset="0"/>
+              <a:cs typeface="Fira Code Medium" panose="020B0809050000020004" charset="0"/>
             </a:endParaRPr>
           </a:p>
         </p:txBody>
       </p:sp>
       <p:sp>
         <p:nvSpPr>
-          <p:cNvPr id="51" name="Oval 50"/>
-          <p:cNvSpPr/>
+          <p:cNvPr id="4" name="TextBox 59"/>
+          <p:cNvSpPr txBox="1"/>
           <p:nvPr/>
         </p:nvSpPr>
         <p:spPr>
           <a:xfrm>
-            <a:off x="4164238" y="2262705"/>
-            <a:ext cx="576064" cy="576064"/>
+            <a:off x="225425" y="3463290"/>
+            <a:ext cx="3377565" cy="361950"/>
           </a:xfrm>
-          <a:prstGeom prst="ellipse">
+          <a:prstGeom prst="rect">
             <a:avLst/>
           </a:prstGeom>
-          <a:solidFill>
-            <a:schemeClr val="accent3"/>
-          </a:solidFill>
-          <a:ln>
-            <a:noFill/>
-          </a:ln>
+          <a:noFill/>
         </p:spPr>
-        <p:style>
-          <a:lnRef idx="2">
-            <a:schemeClr val="accent1">
-              <a:shade val="50000"/>
-            </a:schemeClr>
-          </a:lnRef>
-          <a:fillRef idx="1">
-            <a:schemeClr val="accent1"/>
-          </a:fillRef>
-          <a:effectRef idx="0">
-            <a:schemeClr val="accent1"/>
-          </a:effectRef>
-          <a:fontRef idx="minor">
-            <a:schemeClr val="lt1"/>
-          </a:fontRef>
-        </p:style>
         <p:txBody>
-          <a:bodyPr rot="0" spcFirstLastPara="0" vertOverflow="overflow" horzOverflow="overflow" vert="horz" wrap="square" lIns="91440" tIns="45720" rIns="91440" bIns="45720" numCol="1" spcCol="0" rtlCol="0" fromWordArt="0" anchor="ctr" anchorCtr="0" forceAA="0" compatLnSpc="1">
-            <a:noAutofit/>
+          <a:bodyPr wrap="square" rtlCol="0">
+            <a:spAutoFit/>
           </a:bodyPr>
-          <a:lstStyle/>
           <a:p>
-            <a:pPr algn="ctr"/>
-            <a:endParaRPr lang="ko-KR" altLang="en-US">
+            <a:pPr algn="l">
+              <a:lnSpc>
+                <a:spcPct val="110000"/>
+              </a:lnSpc>
+            </a:pPr>
+            <a:r>
+              <a:rPr lang="en-GB" sz="1600" b="1" dirty="0">
+                <a:solidFill>
+                  <a:schemeClr val="tx1">
+                    <a:lumMod val="75000"/>
+                    <a:lumOff val="25000"/>
+                  </a:schemeClr>
+                </a:solidFill>
+                <a:latin typeface="Fira Code Medium" panose="020B0809050000020004" charset="0"/>
+                <a:cs typeface="Fira Code Medium" panose="020B0809050000020004" charset="0"/>
+              </a:rPr>
+              <a:t>gRPC client using Node.js</a:t>
+            </a:r>
+            <a:endParaRPr lang="en-GB" sz="1600" b="1" dirty="0">
               <a:solidFill>
-                <a:srgbClr val="32AEB8"/>
+                <a:schemeClr val="tx1">
+                  <a:lumMod val="75000"/>
+                  <a:lumOff val="25000"/>
+                </a:schemeClr>
               </a:solidFill>
+              <a:latin typeface="Fira Code Medium" panose="020B0809050000020004" charset="0"/>
+              <a:cs typeface="Fira Code Medium" panose="020B0809050000020004" charset="0"/>
             </a:endParaRPr>
           </a:p>
         </p:txBody>
       </p:sp>
       <p:sp>
         <p:nvSpPr>
-          <p:cNvPr id="52" name="Oval 51"/>
-          <p:cNvSpPr/>
-          <p:nvPr/>
-        </p:nvSpPr>
-        <p:spPr>
-          <a:xfrm>
-            <a:off x="4164238" y="3104324"/>
-            <a:ext cx="576064" cy="576064"/>
-          </a:xfrm>
-          <a:prstGeom prst="ellipse">
-            <a:avLst/>
-          </a:prstGeom>
-          <a:solidFill>
-            <a:schemeClr val="accent1"/>
-          </a:solidFill>
-          <a:ln>
-            <a:noFill/>
-          </a:ln>
-        </p:spPr>
-        <p:style>
-          <a:lnRef idx="2">
-            <a:schemeClr val="accent1">
-              <a:shade val="50000"/>
-            </a:schemeClr>
-          </a:lnRef>
-          <a:fillRef idx="1">
-            <a:schemeClr val="accent1"/>
-          </a:fillRef>
-          <a:effectRef idx="0">
-            <a:schemeClr val="accent1"/>
-          </a:effectRef>
-          <a:fontRef idx="minor">
-            <a:schemeClr val="lt1"/>
-          </a:fontRef>
-        </p:style>
-        <p:txBody>
-          <a:bodyPr rot="0" spcFirstLastPara="0" vertOverflow="overflow" horzOverflow="overflow" vert="horz" wrap="square" lIns="91440" tIns="45720" rIns="91440" bIns="45720" numCol="1" spcCol="0" rtlCol="0" fromWordArt="0" anchor="ctr" anchorCtr="0" forceAA="0" compatLnSpc="1">
-            <a:noAutofit/>
-          </a:bodyPr>
-          <a:lstStyle/>
-          <a:p>
-            <a:pPr algn="ctr"/>
-            <a:endParaRPr lang="ko-KR" altLang="en-US">
-              <a:solidFill>
-                <a:srgbClr val="32AEB8"/>
-              </a:solidFill>
-            </a:endParaRPr>
-          </a:p>
-        </p:txBody>
-      </p:sp>
-      <p:grpSp>
-        <p:nvGrpSpPr>
-          <p:cNvPr id="53" name="Group 52"/>
-          <p:cNvGrpSpPr/>
-          <p:nvPr/>
-        </p:nvGrpSpPr>
-        <p:grpSpPr>
-          <a:xfrm>
-            <a:off x="4841189" y="1319495"/>
-            <a:ext cx="3672408" cy="744962"/>
-            <a:chOff x="803640" y="3362835"/>
-            <a:chExt cx="2059657" cy="744962"/>
-          </a:xfrm>
-        </p:grpSpPr>
-        <p:sp>
-          <p:nvSpPr>
-            <p:cNvPr id="54" name="TextBox 53"/>
-            <p:cNvSpPr txBox="1"/>
-            <p:nvPr/>
-          </p:nvSpPr>
-          <p:spPr>
-            <a:xfrm>
-              <a:off x="803640" y="3646132"/>
-              <a:ext cx="2059657" cy="461665"/>
-            </a:xfrm>
-            <a:prstGeom prst="rect">
-              <a:avLst/>
-            </a:prstGeom>
-            <a:noFill/>
-          </p:spPr>
-          <p:txBody>
-            <a:bodyPr wrap="square" rtlCol="0">
-              <a:spAutoFit/>
-            </a:bodyPr>
-            <a:lstStyle/>
-            <a:p>
-              <a:r>
-                <a:rPr lang="en-US" altLang="ko-KR" sz="1200" dirty="0">
-                  <a:solidFill>
-                    <a:schemeClr val="tx1">
-                      <a:lumMod val="75000"/>
-                      <a:lumOff val="25000"/>
-                    </a:schemeClr>
-                  </a:solidFill>
-                  <a:cs typeface="Arial" panose="020B0604020202020204" pitchFamily="34" charset="0"/>
-                </a:rPr>
-                <a:t>You can simply impress your audience and add a unique zing and appeal to your Presentations.   </a:t>
-              </a:r>
-              <a:endParaRPr lang="ko-KR" altLang="en-US" sz="1200" dirty="0">
-                <a:solidFill>
-                  <a:schemeClr val="tx1">
-                    <a:lumMod val="75000"/>
-                    <a:lumOff val="25000"/>
-                  </a:schemeClr>
-                </a:solidFill>
-                <a:cs typeface="Arial" panose="020B0604020202020204" pitchFamily="34" charset="0"/>
-              </a:endParaRPr>
-            </a:p>
-          </p:txBody>
-        </p:sp>
-        <p:sp>
-          <p:nvSpPr>
-            <p:cNvPr id="55" name="TextBox 54"/>
-            <p:cNvSpPr txBox="1"/>
-            <p:nvPr/>
-          </p:nvSpPr>
-          <p:spPr>
-            <a:xfrm>
-              <a:off x="803640" y="3362835"/>
-              <a:ext cx="2059657" cy="307777"/>
-            </a:xfrm>
-            <a:prstGeom prst="rect">
-              <a:avLst/>
-            </a:prstGeom>
-            <a:noFill/>
-          </p:spPr>
-          <p:txBody>
-            <a:bodyPr wrap="square" rtlCol="0">
-              <a:spAutoFit/>
-            </a:bodyPr>
-            <a:lstStyle/>
-            <a:p>
-              <a:r>
-                <a:rPr lang="en-US" altLang="ko-KR" sz="1400" b="1" dirty="0">
-                  <a:solidFill>
-                    <a:schemeClr val="tx1">
-                      <a:lumMod val="75000"/>
-                      <a:lumOff val="25000"/>
-                    </a:schemeClr>
-                  </a:solidFill>
-                  <a:cs typeface="Arial" panose="020B0604020202020204" pitchFamily="34" charset="0"/>
-                </a:rPr>
-                <a:t>Your Text  Here</a:t>
-              </a:r>
-              <a:endParaRPr lang="ko-KR" altLang="en-US" sz="1400" b="1" dirty="0">
-                <a:solidFill>
-                  <a:schemeClr val="tx1">
-                    <a:lumMod val="75000"/>
-                    <a:lumOff val="25000"/>
-                  </a:schemeClr>
-                </a:solidFill>
-                <a:cs typeface="Arial" panose="020B0604020202020204" pitchFamily="34" charset="0"/>
-              </a:endParaRPr>
-            </a:p>
-          </p:txBody>
-        </p:sp>
-      </p:grpSp>
-      <p:grpSp>
-        <p:nvGrpSpPr>
-          <p:cNvPr id="56" name="Group 55"/>
-          <p:cNvGrpSpPr/>
-          <p:nvPr/>
-        </p:nvGrpSpPr>
-        <p:grpSpPr>
-          <a:xfrm>
-            <a:off x="4841189" y="2178256"/>
-            <a:ext cx="3672408" cy="744962"/>
-            <a:chOff x="803640" y="3362835"/>
-            <a:chExt cx="2059657" cy="744962"/>
-          </a:xfrm>
-        </p:grpSpPr>
-        <p:sp>
-          <p:nvSpPr>
-            <p:cNvPr id="57" name="TextBox 56"/>
-            <p:cNvSpPr txBox="1"/>
-            <p:nvPr/>
-          </p:nvSpPr>
-          <p:spPr>
-            <a:xfrm>
-              <a:off x="803640" y="3646132"/>
-              <a:ext cx="2059657" cy="461665"/>
-            </a:xfrm>
-            <a:prstGeom prst="rect">
-              <a:avLst/>
-            </a:prstGeom>
-            <a:noFill/>
-          </p:spPr>
-          <p:txBody>
-            <a:bodyPr wrap="square" rtlCol="0">
-              <a:spAutoFit/>
-            </a:bodyPr>
-            <a:lstStyle/>
-            <a:p>
-              <a:r>
-                <a:rPr lang="en-US" altLang="ko-KR" sz="1200" dirty="0">
-                  <a:solidFill>
-                    <a:schemeClr val="tx1">
-                      <a:lumMod val="75000"/>
-                      <a:lumOff val="25000"/>
-                    </a:schemeClr>
-                  </a:solidFill>
-                  <a:cs typeface="Arial" panose="020B0604020202020204" pitchFamily="34" charset="0"/>
-                </a:rPr>
-                <a:t>You can simply impress your audience and add a unique zing and appeal to your Presentations.   </a:t>
-              </a:r>
-              <a:endParaRPr lang="ko-KR" altLang="en-US" sz="1200" dirty="0">
-                <a:solidFill>
-                  <a:schemeClr val="tx1">
-                    <a:lumMod val="75000"/>
-                    <a:lumOff val="25000"/>
-                  </a:schemeClr>
-                </a:solidFill>
-                <a:cs typeface="Arial" panose="020B0604020202020204" pitchFamily="34" charset="0"/>
-              </a:endParaRPr>
-            </a:p>
-          </p:txBody>
-        </p:sp>
-        <p:sp>
-          <p:nvSpPr>
-            <p:cNvPr id="58" name="TextBox 57"/>
-            <p:cNvSpPr txBox="1"/>
-            <p:nvPr/>
-          </p:nvSpPr>
-          <p:spPr>
-            <a:xfrm>
-              <a:off x="803640" y="3362835"/>
-              <a:ext cx="2059657" cy="307777"/>
-            </a:xfrm>
-            <a:prstGeom prst="rect">
-              <a:avLst/>
-            </a:prstGeom>
-            <a:noFill/>
-          </p:spPr>
-          <p:txBody>
-            <a:bodyPr wrap="square" rtlCol="0">
-              <a:spAutoFit/>
-            </a:bodyPr>
-            <a:lstStyle/>
-            <a:p>
-              <a:r>
-                <a:rPr lang="en-US" altLang="ko-KR" sz="1400" b="1" dirty="0">
-                  <a:solidFill>
-                    <a:schemeClr val="tx1">
-                      <a:lumMod val="75000"/>
-                      <a:lumOff val="25000"/>
-                    </a:schemeClr>
-                  </a:solidFill>
-                  <a:cs typeface="Arial" panose="020B0604020202020204" pitchFamily="34" charset="0"/>
-                </a:rPr>
-                <a:t>Your Text  Here</a:t>
-              </a:r>
-              <a:endParaRPr lang="ko-KR" altLang="en-US" sz="1400" b="1" dirty="0">
-                <a:solidFill>
-                  <a:schemeClr val="tx1">
-                    <a:lumMod val="75000"/>
-                    <a:lumOff val="25000"/>
-                  </a:schemeClr>
-                </a:solidFill>
-                <a:cs typeface="Arial" panose="020B0604020202020204" pitchFamily="34" charset="0"/>
-              </a:endParaRPr>
-            </a:p>
-          </p:txBody>
-        </p:sp>
-      </p:grpSp>
-      <p:grpSp>
-        <p:nvGrpSpPr>
-          <p:cNvPr id="59" name="Group 58"/>
-          <p:cNvGrpSpPr/>
-          <p:nvPr/>
-        </p:nvGrpSpPr>
-        <p:grpSpPr>
-          <a:xfrm>
-            <a:off x="4841189" y="3019875"/>
-            <a:ext cx="3672408" cy="744962"/>
-            <a:chOff x="803640" y="3362835"/>
-            <a:chExt cx="2059657" cy="744962"/>
-          </a:xfrm>
-        </p:grpSpPr>
-        <p:sp>
-          <p:nvSpPr>
-            <p:cNvPr id="60" name="TextBox 59"/>
-            <p:cNvSpPr txBox="1"/>
-            <p:nvPr/>
-          </p:nvSpPr>
-          <p:spPr>
-            <a:xfrm>
-              <a:off x="803640" y="3646132"/>
-              <a:ext cx="2059657" cy="461665"/>
-            </a:xfrm>
-            <a:prstGeom prst="rect">
-              <a:avLst/>
-            </a:prstGeom>
-            <a:noFill/>
-          </p:spPr>
-          <p:txBody>
-            <a:bodyPr wrap="square" rtlCol="0">
-              <a:spAutoFit/>
-            </a:bodyPr>
-            <a:lstStyle/>
-            <a:p>
-              <a:r>
-                <a:rPr lang="en-US" altLang="ko-KR" sz="1200" dirty="0">
-                  <a:solidFill>
-                    <a:schemeClr val="tx1">
-                      <a:lumMod val="75000"/>
-                      <a:lumOff val="25000"/>
-                    </a:schemeClr>
-                  </a:solidFill>
-                  <a:cs typeface="Arial" panose="020B0604020202020204" pitchFamily="34" charset="0"/>
-                </a:rPr>
-                <a:t>You can simply impress your audience and add a unique zing and appeal to your Presentations.   </a:t>
-              </a:r>
-              <a:endParaRPr lang="ko-KR" altLang="en-US" sz="1200" dirty="0">
-                <a:solidFill>
-                  <a:schemeClr val="tx1">
-                    <a:lumMod val="75000"/>
-                    <a:lumOff val="25000"/>
-                  </a:schemeClr>
-                </a:solidFill>
-                <a:cs typeface="Arial" panose="020B0604020202020204" pitchFamily="34" charset="0"/>
-              </a:endParaRPr>
-            </a:p>
-          </p:txBody>
-        </p:sp>
-        <p:sp>
-          <p:nvSpPr>
-            <p:cNvPr id="61" name="TextBox 60"/>
-            <p:cNvSpPr txBox="1"/>
-            <p:nvPr/>
-          </p:nvSpPr>
-          <p:spPr>
-            <a:xfrm>
-              <a:off x="803640" y="3362835"/>
-              <a:ext cx="2059657" cy="307777"/>
-            </a:xfrm>
-            <a:prstGeom prst="rect">
-              <a:avLst/>
-            </a:prstGeom>
-            <a:noFill/>
-          </p:spPr>
-          <p:txBody>
-            <a:bodyPr wrap="square" rtlCol="0">
-              <a:spAutoFit/>
-            </a:bodyPr>
-            <a:lstStyle/>
-            <a:p>
-              <a:r>
-                <a:rPr lang="en-US" altLang="ko-KR" sz="1400" b="1" dirty="0">
-                  <a:solidFill>
-                    <a:schemeClr val="tx1">
-                      <a:lumMod val="75000"/>
-                      <a:lumOff val="25000"/>
-                    </a:schemeClr>
-                  </a:solidFill>
-                  <a:cs typeface="Arial" panose="020B0604020202020204" pitchFamily="34" charset="0"/>
-                </a:rPr>
-                <a:t>Your Text  Here</a:t>
-              </a:r>
-              <a:endParaRPr lang="ko-KR" altLang="en-US" sz="1400" b="1" dirty="0">
-                <a:solidFill>
-                  <a:schemeClr val="tx1">
-                    <a:lumMod val="75000"/>
-                    <a:lumOff val="25000"/>
-                  </a:schemeClr>
-                </a:solidFill>
-                <a:cs typeface="Arial" panose="020B0604020202020204" pitchFamily="34" charset="0"/>
-              </a:endParaRPr>
-            </a:p>
-          </p:txBody>
-        </p:sp>
-      </p:grpSp>
-      <p:sp>
-        <p:nvSpPr>
-          <p:cNvPr id="62" name="TextBox 61"/>
+          <p:cNvPr id="6" name="TextBox 59"/>
           <p:cNvSpPr txBox="1"/>
           <p:nvPr/>
         </p:nvSpPr>
         <p:spPr>
           <a:xfrm>
-            <a:off x="4130834" y="1461144"/>
-            <a:ext cx="642872" cy="461665"/>
+            <a:off x="166370" y="2517775"/>
+            <a:ext cx="3145155" cy="361950"/>
           </a:xfrm>
           <a:prstGeom prst="rect">
             <a:avLst/>
@@ -11862,35 +11492,47 @@
           </a:bodyPr>
           <a:lstStyle/>
           <a:p>
-            <a:pPr algn="ctr"/>
+            <a:pPr algn="l">
+              <a:lnSpc>
+                <a:spcPct val="110000"/>
+              </a:lnSpc>
+            </a:pPr>
             <a:r>
-              <a:rPr lang="en-US" altLang="ko-KR" sz="2400" b="1" dirty="0">
+              <a:rPr lang="en-GB" sz="1600" b="1" dirty="0">
                 <a:solidFill>
-                  <a:schemeClr val="bg1"/>
+                  <a:schemeClr val="tx1">
+                    <a:lumMod val="75000"/>
+                    <a:lumOff val="25000"/>
+                  </a:schemeClr>
                 </a:solidFill>
-                <a:cs typeface="Arial" panose="020B0604020202020204" pitchFamily="34" charset="0"/>
+                <a:latin typeface="Fira Code Medium" panose="020B0809050000020004" charset="0"/>
+                <a:cs typeface="Fira Code Medium" panose="020B0809050000020004" charset="0"/>
               </a:rPr>
-              <a:t>01</a:t>
+              <a:t>Protocol Buffer</a:t>
             </a:r>
-            <a:endParaRPr lang="ko-KR" altLang="en-US" sz="2400" b="1" dirty="0">
+            <a:endParaRPr lang="en-GB" sz="1600" b="1" dirty="0">
               <a:solidFill>
-                <a:schemeClr val="bg1"/>
+                <a:schemeClr val="tx1">
+                  <a:lumMod val="75000"/>
+                  <a:lumOff val="25000"/>
+                </a:schemeClr>
               </a:solidFill>
-              <a:cs typeface="Arial" panose="020B0604020202020204" pitchFamily="34" charset="0"/>
+              <a:latin typeface="Fira Code Medium" panose="020B0809050000020004" charset="0"/>
+              <a:cs typeface="Fira Code Medium" panose="020B0809050000020004" charset="0"/>
             </a:endParaRPr>
           </a:p>
         </p:txBody>
       </p:sp>
       <p:sp>
         <p:nvSpPr>
-          <p:cNvPr id="63" name="TextBox 62"/>
+          <p:cNvPr id="7" name="TextBox 59"/>
           <p:cNvSpPr txBox="1"/>
           <p:nvPr/>
         </p:nvSpPr>
         <p:spPr>
           <a:xfrm>
-            <a:off x="4130834" y="2319905"/>
-            <a:ext cx="642872" cy="461665"/>
+            <a:off x="166370" y="2992120"/>
+            <a:ext cx="3556000" cy="337185"/>
           </a:xfrm>
           <a:prstGeom prst="rect">
             <a:avLst/>
@@ -11901,37 +11543,45 @@
           <a:bodyPr wrap="square" rtlCol="0">
             <a:spAutoFit/>
           </a:bodyPr>
-          <a:lstStyle/>
           <a:p>
-            <a:pPr algn="ctr"/>
+            <a:pPr algn="l"/>
             <a:r>
-              <a:rPr lang="en-US" altLang="ko-KR" sz="2400" b="1" dirty="0">
+              <a:rPr lang="en-GB" sz="1600" b="1" dirty="0">
                 <a:solidFill>
-                  <a:schemeClr val="bg1"/>
+                  <a:schemeClr val="tx1">
+                    <a:lumMod val="75000"/>
+                    <a:lumOff val="25000"/>
+                  </a:schemeClr>
                 </a:solidFill>
-                <a:cs typeface="Arial" panose="020B0604020202020204" pitchFamily="34" charset="0"/>
+                <a:latin typeface="Fira Code Medium" panose="020B0809050000020004" charset="0"/>
+                <a:cs typeface="Fira Code Medium" panose="020B0809050000020004" charset="0"/>
+                <a:sym typeface="+mn-ea"/>
               </a:rPr>
-              <a:t>02</a:t>
+              <a:t>gRPC service using Node.js</a:t>
             </a:r>
-            <a:endParaRPr lang="ko-KR" altLang="en-US" sz="2400" b="1" dirty="0">
+            <a:endParaRPr lang="en-GB" sz="1600" b="1" dirty="0">
               <a:solidFill>
-                <a:schemeClr val="bg1"/>
+                <a:schemeClr val="tx1">
+                  <a:lumMod val="75000"/>
+                  <a:lumOff val="25000"/>
+                </a:schemeClr>
               </a:solidFill>
-              <a:cs typeface="Arial" panose="020B0604020202020204" pitchFamily="34" charset="0"/>
+              <a:latin typeface="Fira Code Medium" panose="020B0809050000020004" charset="0"/>
+              <a:cs typeface="Fira Code Medium" panose="020B0809050000020004" charset="0"/>
             </a:endParaRPr>
           </a:p>
         </p:txBody>
       </p:sp>
       <p:sp>
         <p:nvSpPr>
-          <p:cNvPr id="64" name="TextBox 63"/>
+          <p:cNvPr id="8" name="TextBox 59"/>
           <p:cNvSpPr txBox="1"/>
           <p:nvPr/>
         </p:nvSpPr>
         <p:spPr>
           <a:xfrm>
-            <a:off x="4130834" y="3161524"/>
-            <a:ext cx="642872" cy="461665"/>
+            <a:off x="196215" y="2043430"/>
+            <a:ext cx="3496310" cy="337185"/>
           </a:xfrm>
           <a:prstGeom prst="rect">
             <a:avLst/>
@@ -11942,196 +11592,44 @@
           <a:bodyPr wrap="square" rtlCol="0">
             <a:spAutoFit/>
           </a:bodyPr>
-          <a:lstStyle/>
           <a:p>
-            <a:pPr algn="ctr"/>
+            <a:pPr algn="l"/>
             <a:r>
-              <a:rPr lang="en-US" altLang="ko-KR" sz="2400" b="1" dirty="0">
-                <a:solidFill>
-                  <a:schemeClr val="bg1"/>
-                </a:solidFill>
-                <a:cs typeface="Arial" panose="020B0604020202020204" pitchFamily="34" charset="0"/>
-              </a:rPr>
-              <a:t>03</a:t>
-            </a:r>
-            <a:endParaRPr lang="ko-KR" altLang="en-US" sz="2400" b="1" dirty="0">
-              <a:solidFill>
-                <a:schemeClr val="bg1"/>
-              </a:solidFill>
-              <a:cs typeface="Arial" panose="020B0604020202020204" pitchFamily="34" charset="0"/>
-            </a:endParaRPr>
-          </a:p>
-        </p:txBody>
-      </p:sp>
-      <p:grpSp>
-        <p:nvGrpSpPr>
-          <p:cNvPr id="65" name="Group 64"/>
-          <p:cNvGrpSpPr/>
-          <p:nvPr/>
-        </p:nvGrpSpPr>
-        <p:grpSpPr>
-          <a:xfrm>
-            <a:off x="4841189" y="3870065"/>
-            <a:ext cx="3672408" cy="744962"/>
-            <a:chOff x="803640" y="3362835"/>
-            <a:chExt cx="2059657" cy="744962"/>
-          </a:xfrm>
-        </p:grpSpPr>
-        <p:sp>
-          <p:nvSpPr>
-            <p:cNvPr id="66" name="TextBox 65"/>
-            <p:cNvSpPr txBox="1"/>
-            <p:nvPr/>
-          </p:nvSpPr>
-          <p:spPr>
-            <a:xfrm>
-              <a:off x="803640" y="3646132"/>
-              <a:ext cx="2059657" cy="461665"/>
-            </a:xfrm>
-            <a:prstGeom prst="rect">
-              <a:avLst/>
-            </a:prstGeom>
-            <a:noFill/>
-          </p:spPr>
-          <p:txBody>
-            <a:bodyPr wrap="square" rtlCol="0">
-              <a:spAutoFit/>
-            </a:bodyPr>
-            <a:lstStyle/>
-            <a:p>
-              <a:r>
-                <a:rPr lang="en-US" altLang="ko-KR" sz="1200" dirty="0">
-                  <a:solidFill>
-                    <a:schemeClr val="tx1">
-                      <a:lumMod val="75000"/>
-                      <a:lumOff val="25000"/>
-                    </a:schemeClr>
-                  </a:solidFill>
-                  <a:cs typeface="Arial" panose="020B0604020202020204" pitchFamily="34" charset="0"/>
-                </a:rPr>
-                <a:t>You can simply impress your audience and add a unique zing and appeal to your Presentations.   </a:t>
-              </a:r>
-              <a:endParaRPr lang="ko-KR" altLang="en-US" sz="1200" dirty="0">
+              <a:rPr lang="en-GB" sz="1600" b="1" dirty="0">
                 <a:solidFill>
                   <a:schemeClr val="tx1">
                     <a:lumMod val="75000"/>
                     <a:lumOff val="25000"/>
                   </a:schemeClr>
                 </a:solidFill>
-                <a:cs typeface="Arial" panose="020B0604020202020204" pitchFamily="34" charset="0"/>
-              </a:endParaRPr>
-            </a:p>
-          </p:txBody>
-        </p:sp>
-        <p:sp>
-          <p:nvSpPr>
-            <p:cNvPr id="67" name="TextBox 66"/>
-            <p:cNvSpPr txBox="1"/>
-            <p:nvPr/>
-          </p:nvSpPr>
-          <p:spPr>
-            <a:xfrm>
-              <a:off x="803640" y="3362835"/>
-              <a:ext cx="2059657" cy="307777"/>
-            </a:xfrm>
-            <a:prstGeom prst="rect">
-              <a:avLst/>
-            </a:prstGeom>
-            <a:noFill/>
-          </p:spPr>
-          <p:txBody>
-            <a:bodyPr wrap="square" rtlCol="0">
-              <a:spAutoFit/>
-            </a:bodyPr>
-            <a:lstStyle/>
-            <a:p>
-              <a:r>
-                <a:rPr lang="en-US" altLang="ko-KR" sz="1400" b="1" dirty="0">
-                  <a:solidFill>
-                    <a:schemeClr val="tx1">
-                      <a:lumMod val="75000"/>
-                      <a:lumOff val="25000"/>
-                    </a:schemeClr>
-                  </a:solidFill>
-                  <a:cs typeface="Arial" panose="020B0604020202020204" pitchFamily="34" charset="0"/>
-                </a:rPr>
-                <a:t>Your Text  Here</a:t>
-              </a:r>
-              <a:endParaRPr lang="ko-KR" altLang="en-US" sz="1400" b="1" dirty="0">
-                <a:solidFill>
-                  <a:schemeClr val="tx1">
-                    <a:lumMod val="75000"/>
-                    <a:lumOff val="25000"/>
-                  </a:schemeClr>
-                </a:solidFill>
-                <a:cs typeface="Arial" panose="020B0604020202020204" pitchFamily="34" charset="0"/>
-              </a:endParaRPr>
-            </a:p>
-          </p:txBody>
-        </p:sp>
-      </p:grpSp>
-      <p:sp>
-        <p:nvSpPr>
-          <p:cNvPr id="68" name="Oval 67"/>
-          <p:cNvSpPr/>
-          <p:nvPr/>
-        </p:nvSpPr>
-        <p:spPr>
-          <a:xfrm>
-            <a:off x="4164238" y="3954514"/>
-            <a:ext cx="576064" cy="576064"/>
-          </a:xfrm>
-          <a:prstGeom prst="ellipse">
-            <a:avLst/>
-          </a:prstGeom>
-          <a:solidFill>
-            <a:schemeClr val="accent3"/>
-          </a:solidFill>
-          <a:ln>
-            <a:noFill/>
-          </a:ln>
-        </p:spPr>
-        <p:style>
-          <a:lnRef idx="2">
-            <a:schemeClr val="accent1">
-              <a:shade val="50000"/>
-            </a:schemeClr>
-          </a:lnRef>
-          <a:fillRef idx="1">
-            <a:schemeClr val="accent1"/>
-          </a:fillRef>
-          <a:effectRef idx="0">
-            <a:schemeClr val="accent1"/>
-          </a:effectRef>
-          <a:fontRef idx="minor">
-            <a:schemeClr val="lt1"/>
-          </a:fontRef>
-        </p:style>
-        <p:txBody>
-          <a:bodyPr rot="0" spcFirstLastPara="0" vertOverflow="overflow" horzOverflow="overflow" vert="horz" wrap="square" lIns="91440" tIns="45720" rIns="91440" bIns="45720" numCol="1" spcCol="0" rtlCol="0" fromWordArt="0" anchor="ctr" anchorCtr="0" forceAA="0" compatLnSpc="1">
-            <a:noAutofit/>
-          </a:bodyPr>
-          <a:lstStyle/>
-          <a:p>
-            <a:pPr algn="ctr"/>
-            <a:endParaRPr lang="ko-KR" altLang="en-US">
+                <a:latin typeface="Fira Code Medium" panose="020B0809050000020004" charset="0"/>
+                <a:cs typeface="Fira Code Medium" panose="020B0809050000020004" charset="0"/>
+              </a:rPr>
+              <a:t>Who’s using gRPC and why</a:t>
+            </a:r>
+            <a:endParaRPr lang="en-GB" sz="1600" b="1" dirty="0">
               <a:solidFill>
-                <a:srgbClr val="32AEB8"/>
+                <a:schemeClr val="tx1">
+                  <a:lumMod val="75000"/>
+                  <a:lumOff val="25000"/>
+                </a:schemeClr>
               </a:solidFill>
+              <a:latin typeface="Fira Code Medium" panose="020B0809050000020004" charset="0"/>
+              <a:cs typeface="Fira Code Medium" panose="020B0809050000020004" charset="0"/>
             </a:endParaRPr>
           </a:p>
         </p:txBody>
       </p:sp>
       <p:sp>
         <p:nvSpPr>
-          <p:cNvPr id="69" name="TextBox 68"/>
+          <p:cNvPr id="9" name="TextBox 59"/>
           <p:cNvSpPr txBox="1"/>
           <p:nvPr/>
         </p:nvSpPr>
         <p:spPr>
           <a:xfrm>
-            <a:off x="4130834" y="4011714"/>
-            <a:ext cx="642872" cy="461665"/>
+            <a:off x="4695825" y="3329305"/>
+            <a:ext cx="3145155" cy="361950"/>
           </a:xfrm>
           <a:prstGeom prst="rect">
             <a:avLst/>
@@ -12142,23 +11640,505 @@
           <a:bodyPr wrap="square" rtlCol="0">
             <a:spAutoFit/>
           </a:bodyPr>
-          <a:lstStyle/>
           <a:p>
-            <a:pPr algn="ctr"/>
+            <a:pPr algn="l">
+              <a:lnSpc>
+                <a:spcPct val="110000"/>
+              </a:lnSpc>
+            </a:pPr>
             <a:r>
-              <a:rPr lang="en-US" altLang="ko-KR" sz="2400" b="1" dirty="0">
+              <a:rPr lang="en-GB" sz="1600" b="1" dirty="0">
                 <a:solidFill>
-                  <a:schemeClr val="bg1"/>
+                  <a:schemeClr val="tx1">
+                    <a:lumMod val="75000"/>
+                    <a:lumOff val="25000"/>
+                  </a:schemeClr>
                 </a:solidFill>
+                <a:latin typeface="Fira Code Medium" panose="020B0809050000020004" charset="0"/>
+                <a:cs typeface="Fira Code Medium" panose="020B0809050000020004" charset="0"/>
+              </a:rPr>
+              <a:t>Golang</a:t>
+            </a:r>
+            <a:endParaRPr lang="en-GB" sz="1600" b="1" dirty="0">
+              <a:solidFill>
+                <a:schemeClr val="tx1">
+                  <a:lumMod val="75000"/>
+                  <a:lumOff val="25000"/>
+                </a:schemeClr>
+              </a:solidFill>
+              <a:latin typeface="Fira Code Medium" panose="020B0809050000020004" charset="0"/>
+              <a:cs typeface="Fira Code Medium" panose="020B0809050000020004" charset="0"/>
+            </a:endParaRPr>
+          </a:p>
+        </p:txBody>
+      </p:sp>
+      <p:sp>
+        <p:nvSpPr>
+          <p:cNvPr id="10" name="Text Placeholder 1"/>
+          <p:cNvSpPr>
+            <a:spLocks noGrp="1"/>
+          </p:cNvSpPr>
+          <p:nvPr/>
+        </p:nvSpPr>
+        <p:spPr>
+          <a:xfrm>
+            <a:off x="166370" y="114935"/>
+            <a:ext cx="3735070" cy="575945"/>
+          </a:xfrm>
+          <a:prstGeom prst="rect">
+            <a:avLst/>
+          </a:prstGeom>
+        </p:spPr>
+        <p:txBody>
+          <a:bodyPr anchor="ctr"/>
+          <a:lstStyle>
+            <a:lvl1pPr marL="0" indent="0" algn="ctr" defTabSz="914400" rtl="0" eaLnBrk="1" latinLnBrk="1" hangingPunct="1">
+              <a:spcBef>
+                <a:spcPct val="20000"/>
+              </a:spcBef>
+              <a:buFont typeface="Arial" panose="020B0604020202020204" pitchFamily="34" charset="0"/>
+              <a:buNone/>
+              <a:defRPr sz="3600" b="0" kern="1200" baseline="0">
+                <a:solidFill>
+                  <a:schemeClr val="tx1">
+                    <a:lumMod val="75000"/>
+                    <a:lumOff val="25000"/>
+                  </a:schemeClr>
+                </a:solidFill>
+                <a:latin typeface="+mj-lt"/>
+                <a:ea typeface="+mn-ea"/>
                 <a:cs typeface="Arial" panose="020B0604020202020204" pitchFamily="34" charset="0"/>
+              </a:defRPr>
+            </a:lvl1pPr>
+            <a:lvl2pPr marL="742950" indent="-285750" algn="l" defTabSz="914400" rtl="0" eaLnBrk="1" latinLnBrk="1" hangingPunct="1">
+              <a:spcBef>
+                <a:spcPct val="20000"/>
+              </a:spcBef>
+              <a:buFont typeface="Arial" panose="020B0604020202020204" pitchFamily="34" charset="0"/>
+              <a:buChar char="–"/>
+              <a:defRPr sz="2800" kern="1200">
+                <a:solidFill>
+                  <a:schemeClr val="tx1"/>
+                </a:solidFill>
+                <a:latin typeface="+mn-lt"/>
+                <a:ea typeface="+mn-ea"/>
+                <a:cs typeface="+mn-cs"/>
+              </a:defRPr>
+            </a:lvl2pPr>
+            <a:lvl3pPr marL="1143000" indent="-228600" algn="l" defTabSz="914400" rtl="0" eaLnBrk="1" latinLnBrk="1" hangingPunct="1">
+              <a:spcBef>
+                <a:spcPct val="20000"/>
+              </a:spcBef>
+              <a:buFont typeface="Arial" panose="020B0604020202020204" pitchFamily="34" charset="0"/>
+              <a:buChar char="•"/>
+              <a:defRPr sz="2400" kern="1200">
+                <a:solidFill>
+                  <a:schemeClr val="tx1"/>
+                </a:solidFill>
+                <a:latin typeface="+mn-lt"/>
+                <a:ea typeface="+mn-ea"/>
+                <a:cs typeface="+mn-cs"/>
+              </a:defRPr>
+            </a:lvl3pPr>
+            <a:lvl4pPr marL="1600200" indent="-228600" algn="l" defTabSz="914400" rtl="0" eaLnBrk="1" latinLnBrk="1" hangingPunct="1">
+              <a:spcBef>
+                <a:spcPct val="20000"/>
+              </a:spcBef>
+              <a:buFont typeface="Arial" panose="020B0604020202020204" pitchFamily="34" charset="0"/>
+              <a:buChar char="–"/>
+              <a:defRPr sz="2000" kern="1200">
+                <a:solidFill>
+                  <a:schemeClr val="tx1"/>
+                </a:solidFill>
+                <a:latin typeface="+mn-lt"/>
+                <a:ea typeface="+mn-ea"/>
+                <a:cs typeface="+mn-cs"/>
+              </a:defRPr>
+            </a:lvl4pPr>
+            <a:lvl5pPr marL="2057400" indent="-228600" algn="l" defTabSz="914400" rtl="0" eaLnBrk="1" latinLnBrk="1" hangingPunct="1">
+              <a:spcBef>
+                <a:spcPct val="20000"/>
+              </a:spcBef>
+              <a:buFont typeface="Arial" panose="020B0604020202020204" pitchFamily="34" charset="0"/>
+              <a:buChar char="»"/>
+              <a:defRPr sz="2000" kern="1200">
+                <a:solidFill>
+                  <a:schemeClr val="tx1"/>
+                </a:solidFill>
+                <a:latin typeface="+mn-lt"/>
+                <a:ea typeface="+mn-ea"/>
+                <a:cs typeface="+mn-cs"/>
+              </a:defRPr>
+            </a:lvl5pPr>
+            <a:lvl6pPr marL="2514600" indent="-228600" algn="l" defTabSz="914400" rtl="0" eaLnBrk="1" latinLnBrk="1" hangingPunct="1">
+              <a:spcBef>
+                <a:spcPct val="20000"/>
+              </a:spcBef>
+              <a:buFont typeface="Arial" panose="020B0604020202020204" pitchFamily="34" charset="0"/>
+              <a:buChar char="•"/>
+              <a:defRPr sz="2000" kern="1200">
+                <a:solidFill>
+                  <a:schemeClr val="tx1"/>
+                </a:solidFill>
+                <a:latin typeface="+mn-lt"/>
+                <a:ea typeface="+mn-ea"/>
+                <a:cs typeface="+mn-cs"/>
+              </a:defRPr>
+            </a:lvl6pPr>
+            <a:lvl7pPr marL="2971800" indent="-228600" algn="l" defTabSz="914400" rtl="0" eaLnBrk="1" latinLnBrk="1" hangingPunct="1">
+              <a:spcBef>
+                <a:spcPct val="20000"/>
+              </a:spcBef>
+              <a:buFont typeface="Arial" panose="020B0604020202020204" pitchFamily="34" charset="0"/>
+              <a:buChar char="•"/>
+              <a:defRPr sz="2000" kern="1200">
+                <a:solidFill>
+                  <a:schemeClr val="tx1"/>
+                </a:solidFill>
+                <a:latin typeface="+mn-lt"/>
+                <a:ea typeface="+mn-ea"/>
+                <a:cs typeface="+mn-cs"/>
+              </a:defRPr>
+            </a:lvl7pPr>
+            <a:lvl8pPr marL="3429000" indent="-228600" algn="l" defTabSz="914400" rtl="0" eaLnBrk="1" latinLnBrk="1" hangingPunct="1">
+              <a:spcBef>
+                <a:spcPct val="20000"/>
+              </a:spcBef>
+              <a:buFont typeface="Arial" panose="020B0604020202020204" pitchFamily="34" charset="0"/>
+              <a:buChar char="•"/>
+              <a:defRPr sz="2000" kern="1200">
+                <a:solidFill>
+                  <a:schemeClr val="tx1"/>
+                </a:solidFill>
+                <a:latin typeface="+mn-lt"/>
+                <a:ea typeface="+mn-ea"/>
+                <a:cs typeface="+mn-cs"/>
+              </a:defRPr>
+            </a:lvl8pPr>
+            <a:lvl9pPr marL="3886200" indent="-228600" algn="l" defTabSz="914400" rtl="0" eaLnBrk="1" latinLnBrk="1" hangingPunct="1">
+              <a:spcBef>
+                <a:spcPct val="20000"/>
+              </a:spcBef>
+              <a:buFont typeface="Arial" panose="020B0604020202020204" pitchFamily="34" charset="0"/>
+              <a:buChar char="•"/>
+              <a:defRPr sz="2000" kern="1200">
+                <a:solidFill>
+                  <a:schemeClr val="tx1"/>
+                </a:solidFill>
+                <a:latin typeface="+mn-lt"/>
+                <a:ea typeface="+mn-ea"/>
+                <a:cs typeface="+mn-cs"/>
+              </a:defRPr>
+            </a:lvl9pPr>
+          </a:lstStyle>
+          <a:p>
+            <a:pPr algn="l"/>
+            <a:r>
+              <a:rPr lang="en-GB" altLang="en-US" b="1" dirty="0">
+                <a:solidFill>
+                  <a:srgbClr val="FF0000"/>
+                </a:solidFill>
+                <a:effectLst>
+                  <a:outerShdw blurRad="38100" dist="19050" dir="2700000" algn="tl" rotWithShape="0">
+                    <a:schemeClr val="dk1">
+                      <a:alpha val="40000"/>
+                    </a:schemeClr>
+                  </a:outerShdw>
+                </a:effectLst>
+                <a:latin typeface="Fira Code Medium" panose="020B0809050000020004" charset="0"/>
+                <a:cs typeface="Fira Code Medium" panose="020B0809050000020004" charset="0"/>
               </a:rPr>
-              <a:t>04</a:t>
+              <a:t>Int</a:t>
             </a:r>
-            <a:endParaRPr lang="ko-KR" altLang="en-US" sz="2400" b="1" dirty="0">
+            <a:r>
+              <a:rPr lang="en-GB" altLang="en-US" b="1" dirty="0">
+                <a:solidFill>
+                  <a:schemeClr val="accent6"/>
+                </a:solidFill>
+                <a:effectLst>
+                  <a:outerShdw blurRad="38100" dist="19050" dir="2700000" algn="tl" rotWithShape="0">
+                    <a:schemeClr val="dk1">
+                      <a:alpha val="40000"/>
+                    </a:schemeClr>
+                  </a:outerShdw>
+                </a:effectLst>
+                <a:latin typeface="Fira Code Medium" panose="020B0809050000020004" charset="0"/>
+                <a:cs typeface="Fira Code Medium" panose="020B0809050000020004" charset="0"/>
+              </a:rPr>
+              <a:t>rod</a:t>
+            </a:r>
+            <a:r>
+              <a:rPr lang="en-GB" altLang="en-US" b="1" dirty="0">
+                <a:solidFill>
+                  <a:srgbClr val="00B050"/>
+                </a:solidFill>
+                <a:effectLst>
+                  <a:outerShdw blurRad="38100" dist="19050" dir="2700000" algn="tl" rotWithShape="0">
+                    <a:schemeClr val="dk1">
+                      <a:alpha val="40000"/>
+                    </a:schemeClr>
+                  </a:outerShdw>
+                </a:effectLst>
+                <a:latin typeface="Fira Code Medium" panose="020B0809050000020004" charset="0"/>
+                <a:cs typeface="Fira Code Medium" panose="020B0809050000020004" charset="0"/>
+              </a:rPr>
+              <a:t>uct</a:t>
+            </a:r>
+            <a:r>
+              <a:rPr lang="en-GB" altLang="en-US" b="1" dirty="0">
+                <a:solidFill>
+                  <a:srgbClr val="00B0F0"/>
+                </a:solidFill>
+                <a:effectLst>
+                  <a:outerShdw blurRad="38100" dist="19050" dir="2700000" algn="tl" rotWithShape="0">
+                    <a:schemeClr val="dk1">
+                      <a:alpha val="40000"/>
+                    </a:schemeClr>
+                  </a:outerShdw>
+                </a:effectLst>
+                <a:latin typeface="Fira Code Medium" panose="020B0809050000020004" charset="0"/>
+                <a:cs typeface="Fira Code Medium" panose="020B0809050000020004" charset="0"/>
+              </a:rPr>
+              <a:t>ion</a:t>
+            </a:r>
+            <a:endParaRPr lang="en-GB" altLang="en-US" b="1" dirty="0">
               <a:solidFill>
-                <a:schemeClr val="bg1"/>
+                <a:srgbClr val="00B0F0"/>
               </a:solidFill>
-              <a:cs typeface="Arial" panose="020B0604020202020204" pitchFamily="34" charset="0"/>
+              <a:effectLst>
+                <a:outerShdw blurRad="38100" dist="19050" dir="2700000" algn="tl" rotWithShape="0">
+                  <a:schemeClr val="dk1">
+                    <a:alpha val="40000"/>
+                  </a:schemeClr>
+                </a:outerShdw>
+              </a:effectLst>
+              <a:latin typeface="Fira Code Medium" panose="020B0809050000020004" charset="0"/>
+              <a:cs typeface="Fira Code Medium" panose="020B0809050000020004" charset="0"/>
+            </a:endParaRPr>
+          </a:p>
+        </p:txBody>
+      </p:sp>
+      <p:sp>
+        <p:nvSpPr>
+          <p:cNvPr id="11" name="TextBox 59"/>
+          <p:cNvSpPr txBox="1"/>
+          <p:nvPr/>
+        </p:nvSpPr>
+        <p:spPr>
+          <a:xfrm>
+            <a:off x="166370" y="1570355"/>
+            <a:ext cx="3145155" cy="361950"/>
+          </a:xfrm>
+          <a:prstGeom prst="rect">
+            <a:avLst/>
+          </a:prstGeom>
+          <a:noFill/>
+        </p:spPr>
+        <p:txBody>
+          <a:bodyPr wrap="square" rtlCol="0">
+            <a:spAutoFit/>
+          </a:bodyPr>
+          <a:p>
+            <a:pPr algn="l">
+              <a:lnSpc>
+                <a:spcPct val="110000"/>
+              </a:lnSpc>
+            </a:pPr>
+            <a:r>
+              <a:rPr lang="en-GB" sz="1600" b="1" dirty="0">
+                <a:solidFill>
+                  <a:schemeClr val="tx1">
+                    <a:lumMod val="75000"/>
+                    <a:lumOff val="25000"/>
+                  </a:schemeClr>
+                </a:solidFill>
+                <a:latin typeface="Fira Code Medium" panose="020B0809050000020004" charset="0"/>
+                <a:cs typeface="Fira Code Medium" panose="020B0809050000020004" charset="0"/>
+              </a:rPr>
+              <a:t>What is gRPC</a:t>
+            </a:r>
+            <a:endParaRPr lang="en-GB" sz="1600" b="1" dirty="0">
+              <a:solidFill>
+                <a:schemeClr val="tx1">
+                  <a:lumMod val="75000"/>
+                  <a:lumOff val="25000"/>
+                </a:schemeClr>
+              </a:solidFill>
+              <a:latin typeface="Fira Code Medium" panose="020B0809050000020004" charset="0"/>
+              <a:cs typeface="Fira Code Medium" panose="020B0809050000020004" charset="0"/>
+            </a:endParaRPr>
+          </a:p>
+        </p:txBody>
+      </p:sp>
+      <p:sp>
+        <p:nvSpPr>
+          <p:cNvPr id="12" name="TextBox 59"/>
+          <p:cNvSpPr txBox="1"/>
+          <p:nvPr/>
+        </p:nvSpPr>
+        <p:spPr>
+          <a:xfrm>
+            <a:off x="4695825" y="3800475"/>
+            <a:ext cx="3145155" cy="361950"/>
+          </a:xfrm>
+          <a:prstGeom prst="rect">
+            <a:avLst/>
+          </a:prstGeom>
+          <a:noFill/>
+        </p:spPr>
+        <p:txBody>
+          <a:bodyPr wrap="square" rtlCol="0">
+            <a:spAutoFit/>
+          </a:bodyPr>
+          <a:p>
+            <a:pPr algn="l">
+              <a:lnSpc>
+                <a:spcPct val="110000"/>
+              </a:lnSpc>
+            </a:pPr>
+            <a:r>
+              <a:rPr lang="en-GB" sz="1600" b="1" dirty="0">
+                <a:solidFill>
+                  <a:schemeClr val="tx1">
+                    <a:lumMod val="75000"/>
+                    <a:lumOff val="25000"/>
+                  </a:schemeClr>
+                </a:solidFill>
+                <a:latin typeface="Fira Code Medium" panose="020B0809050000020004" charset="0"/>
+                <a:cs typeface="Fira Code Medium" panose="020B0809050000020004" charset="0"/>
+              </a:rPr>
+              <a:t>gRPC C++ , Protobuf C++</a:t>
+            </a:r>
+            <a:endParaRPr lang="en-GB" sz="1600" b="1" dirty="0">
+              <a:solidFill>
+                <a:schemeClr val="tx1">
+                  <a:lumMod val="75000"/>
+                  <a:lumOff val="25000"/>
+                </a:schemeClr>
+              </a:solidFill>
+              <a:latin typeface="Fira Code Medium" panose="020B0809050000020004" charset="0"/>
+              <a:cs typeface="Fira Code Medium" panose="020B0809050000020004" charset="0"/>
+            </a:endParaRPr>
+          </a:p>
+        </p:txBody>
+      </p:sp>
+      <p:sp>
+        <p:nvSpPr>
+          <p:cNvPr id="13" name="TextBox 59"/>
+          <p:cNvSpPr txBox="1"/>
+          <p:nvPr/>
+        </p:nvSpPr>
+        <p:spPr>
+          <a:xfrm>
+            <a:off x="4695825" y="4058285"/>
+            <a:ext cx="3831590" cy="632460"/>
+          </a:xfrm>
+          <a:prstGeom prst="rect">
+            <a:avLst/>
+          </a:prstGeom>
+          <a:noFill/>
+        </p:spPr>
+        <p:txBody>
+          <a:bodyPr wrap="square" rtlCol="0">
+            <a:spAutoFit/>
+          </a:bodyPr>
+          <a:p>
+            <a:pPr algn="l">
+              <a:lnSpc>
+                <a:spcPct val="110000"/>
+              </a:lnSpc>
+            </a:pPr>
+            <a:endParaRPr lang="en-GB" sz="1600" b="1" dirty="0">
+              <a:solidFill>
+                <a:schemeClr val="tx1">
+                  <a:lumMod val="75000"/>
+                  <a:lumOff val="25000"/>
+                </a:schemeClr>
+              </a:solidFill>
+              <a:latin typeface="Fira Code Medium" panose="020B0809050000020004" charset="0"/>
+              <a:cs typeface="Fira Code Medium" panose="020B0809050000020004" charset="0"/>
+            </a:endParaRPr>
+          </a:p>
+          <a:p>
+            <a:pPr algn="l">
+              <a:lnSpc>
+                <a:spcPct val="110000"/>
+              </a:lnSpc>
+            </a:pPr>
+            <a:r>
+              <a:rPr lang="en-GB" sz="1600" b="1" dirty="0">
+                <a:solidFill>
+                  <a:schemeClr val="tx1">
+                    <a:lumMod val="75000"/>
+                    <a:lumOff val="25000"/>
+                  </a:schemeClr>
+                </a:solidFill>
+                <a:latin typeface="Fira Code Medium" panose="020B0809050000020004" charset="0"/>
+                <a:cs typeface="Fira Code Medium" panose="020B0809050000020004" charset="0"/>
+              </a:rPr>
+              <a:t>Protobuf bindings for Go</a:t>
+            </a:r>
+            <a:endParaRPr lang="en-GB" sz="1600" b="1" dirty="0">
+              <a:solidFill>
+                <a:schemeClr val="tx1">
+                  <a:lumMod val="75000"/>
+                  <a:lumOff val="25000"/>
+                </a:schemeClr>
+              </a:solidFill>
+              <a:latin typeface="Fira Code Medium" panose="020B0809050000020004" charset="0"/>
+              <a:cs typeface="Fira Code Medium" panose="020B0809050000020004" charset="0"/>
+            </a:endParaRPr>
+          </a:p>
+        </p:txBody>
+      </p:sp>
+      <p:sp>
+        <p:nvSpPr>
+          <p:cNvPr id="14" name="TextBox 59"/>
+          <p:cNvSpPr txBox="1"/>
+          <p:nvPr/>
+        </p:nvSpPr>
+        <p:spPr>
+          <a:xfrm>
+            <a:off x="4695825" y="2854960"/>
+            <a:ext cx="3145155" cy="361950"/>
+          </a:xfrm>
+          <a:prstGeom prst="rect">
+            <a:avLst/>
+          </a:prstGeom>
+          <a:noFill/>
+        </p:spPr>
+        <p:txBody>
+          <a:bodyPr wrap="square" rtlCol="0">
+            <a:spAutoFit/>
+          </a:bodyPr>
+          <a:p>
+            <a:pPr algn="l">
+              <a:lnSpc>
+                <a:spcPct val="110000"/>
+              </a:lnSpc>
+            </a:pPr>
+            <a:r>
+              <a:rPr lang="en-GB" sz="1600" b="1" dirty="0">
+                <a:solidFill>
+                  <a:schemeClr val="tx1">
+                    <a:lumMod val="75000"/>
+                    <a:lumOff val="25000"/>
+                  </a:schemeClr>
+                </a:solidFill>
+                <a:latin typeface="Fira Code Medium" panose="020B0809050000020004" charset="0"/>
+                <a:cs typeface="Fira Code Medium" panose="020B0809050000020004" charset="0"/>
+              </a:rPr>
+              <a:t>Node.js</a:t>
+            </a:r>
+            <a:endParaRPr lang="en-GB" sz="1600" b="1" dirty="0">
+              <a:solidFill>
+                <a:schemeClr val="tx1">
+                  <a:lumMod val="75000"/>
+                  <a:lumOff val="25000"/>
+                </a:schemeClr>
+              </a:solidFill>
+              <a:latin typeface="Fira Code Medium" panose="020B0809050000020004" charset="0"/>
+              <a:cs typeface="Fira Code Medium" panose="020B0809050000020004" charset="0"/>
             </a:endParaRPr>
           </a:p>
         </p:txBody>
@@ -12190,71 +12170,2479 @@
       </p:grpSpPr>
       <p:sp>
         <p:nvSpPr>
-          <p:cNvPr id="2" name="Text Placeholder 1"/>
-          <p:cNvSpPr>
-            <a:spLocks noGrp="1"/>
-          </p:cNvSpPr>
-          <p:nvPr>
-            <p:ph type="body" sz="quarter" idx="10"/>
-          </p:nvPr>
+          <p:cNvPr id="6" name="Rectangle 9"/>
+          <p:cNvSpPr/>
+          <p:nvPr/>
         </p:nvSpPr>
         <p:spPr>
           <a:xfrm>
-            <a:off x="0" y="123478"/>
-            <a:ext cx="9144000" cy="576064"/>
+            <a:off x="3850130" y="555526"/>
+            <a:ext cx="284243" cy="266077"/>
           </a:xfrm>
+          <a:custGeom>
+            <a:avLst/>
+            <a:gdLst>
+              <a:gd name="connsiteX0" fmla="*/ 833935 w 3239999"/>
+              <a:gd name="connsiteY0" fmla="*/ 22 h 3032924"/>
+              <a:gd name="connsiteX1" fmla="*/ 1576606 w 3239999"/>
+              <a:gd name="connsiteY1" fmla="*/ 402054 h 3032924"/>
+              <a:gd name="connsiteX2" fmla="*/ 1576606 w 3239999"/>
+              <a:gd name="connsiteY2" fmla="*/ 430441 h 3032924"/>
+              <a:gd name="connsiteX3" fmla="*/ 1576606 w 3239999"/>
+              <a:gd name="connsiteY3" fmla="*/ 526981 h 3032924"/>
+              <a:gd name="connsiteX4" fmla="*/ 1576606 w 3239999"/>
+              <a:gd name="connsiteY4" fmla="*/ 2765302 h 3032924"/>
+              <a:gd name="connsiteX5" fmla="*/ 378630 w 3239999"/>
+              <a:gd name="connsiteY5" fmla="*/ 2472117 h 3032924"/>
+              <a:gd name="connsiteX6" fmla="*/ 384918 w 3239999"/>
+              <a:gd name="connsiteY6" fmla="*/ 526981 h 3032924"/>
+              <a:gd name="connsiteX7" fmla="*/ 239143 w 3239999"/>
+              <a:gd name="connsiteY7" fmla="*/ 526981 h 3032924"/>
+              <a:gd name="connsiteX8" fmla="*/ 239143 w 3239999"/>
+              <a:gd name="connsiteY8" fmla="*/ 2776423 h 3032924"/>
+              <a:gd name="connsiteX9" fmla="*/ 1576606 w 3239999"/>
+              <a:gd name="connsiteY9" fmla="*/ 2776423 h 3032924"/>
+              <a:gd name="connsiteX10" fmla="*/ 1576606 w 3239999"/>
+              <a:gd name="connsiteY10" fmla="*/ 2778202 h 3032924"/>
+              <a:gd name="connsiteX11" fmla="*/ 1663394 w 3239999"/>
+              <a:gd name="connsiteY11" fmla="*/ 2778202 h 3032924"/>
+              <a:gd name="connsiteX12" fmla="*/ 1663394 w 3239999"/>
+              <a:gd name="connsiteY12" fmla="*/ 2776423 h 3032924"/>
+              <a:gd name="connsiteX13" fmla="*/ 3000856 w 3239999"/>
+              <a:gd name="connsiteY13" fmla="*/ 2776423 h 3032924"/>
+              <a:gd name="connsiteX14" fmla="*/ 3000856 w 3239999"/>
+              <a:gd name="connsiteY14" fmla="*/ 526981 h 3032924"/>
+              <a:gd name="connsiteX15" fmla="*/ 2855082 w 3239999"/>
+              <a:gd name="connsiteY15" fmla="*/ 526981 h 3032924"/>
+              <a:gd name="connsiteX16" fmla="*/ 2861369 w 3239999"/>
+              <a:gd name="connsiteY16" fmla="*/ 2472117 h 3032924"/>
+              <a:gd name="connsiteX17" fmla="*/ 1663394 w 3239999"/>
+              <a:gd name="connsiteY17" fmla="*/ 2765302 h 3032924"/>
+              <a:gd name="connsiteX18" fmla="*/ 1663394 w 3239999"/>
+              <a:gd name="connsiteY18" fmla="*/ 526981 h 3032924"/>
+              <a:gd name="connsiteX19" fmla="*/ 1663394 w 3239999"/>
+              <a:gd name="connsiteY19" fmla="*/ 430441 h 3032924"/>
+              <a:gd name="connsiteX20" fmla="*/ 1663394 w 3239999"/>
+              <a:gd name="connsiteY20" fmla="*/ 402054 h 3032924"/>
+              <a:gd name="connsiteX21" fmla="*/ 2406065 w 3239999"/>
+              <a:gd name="connsiteY21" fmla="*/ 22 h 3032924"/>
+              <a:gd name="connsiteX22" fmla="*/ 2853673 w 3239999"/>
+              <a:gd name="connsiteY22" fmla="*/ 91100 h 3032924"/>
+              <a:gd name="connsiteX23" fmla="*/ 2854770 w 3239999"/>
+              <a:gd name="connsiteY23" fmla="*/ 430441 h 3032924"/>
+              <a:gd name="connsiteX24" fmla="*/ 3120669 w 3239999"/>
+              <a:gd name="connsiteY24" fmla="*/ 428517 h 3032924"/>
+              <a:gd name="connsiteX25" fmla="*/ 3120669 w 3239999"/>
+              <a:gd name="connsiteY25" fmla="*/ 738345 h 3032924"/>
+              <a:gd name="connsiteX26" fmla="*/ 3239999 w 3239999"/>
+              <a:gd name="connsiteY26" fmla="*/ 738345 h 3032924"/>
+              <a:gd name="connsiteX27" fmla="*/ 3239999 w 3239999"/>
+              <a:gd name="connsiteY27" fmla="*/ 3032924 h 3032924"/>
+              <a:gd name="connsiteX28" fmla="*/ 0 w 3239999"/>
+              <a:gd name="connsiteY28" fmla="*/ 3032924 h 3032924"/>
+              <a:gd name="connsiteX29" fmla="*/ 0 w 3239999"/>
+              <a:gd name="connsiteY29" fmla="*/ 738345 h 3032924"/>
+              <a:gd name="connsiteX30" fmla="*/ 102477 w 3239999"/>
+              <a:gd name="connsiteY30" fmla="*/ 738345 h 3032924"/>
+              <a:gd name="connsiteX31" fmla="*/ 102477 w 3239999"/>
+              <a:gd name="connsiteY31" fmla="*/ 428517 h 3032924"/>
+              <a:gd name="connsiteX32" fmla="*/ 385229 w 3239999"/>
+              <a:gd name="connsiteY32" fmla="*/ 430441 h 3032924"/>
+              <a:gd name="connsiteX33" fmla="*/ 386326 w 3239999"/>
+              <a:gd name="connsiteY33" fmla="*/ 91100 h 3032924"/>
+              <a:gd name="connsiteX34" fmla="*/ 833935 w 3239999"/>
+              <a:gd name="connsiteY34" fmla="*/ 22 h 3032924"/>
+              <a:gd name="connsiteX0-1" fmla="*/ 833935 w 3239999"/>
+              <a:gd name="connsiteY0-2" fmla="*/ 22 h 3032924"/>
+              <a:gd name="connsiteX1-3" fmla="*/ 1576606 w 3239999"/>
+              <a:gd name="connsiteY1-4" fmla="*/ 402054 h 3032924"/>
+              <a:gd name="connsiteX2-5" fmla="*/ 1576606 w 3239999"/>
+              <a:gd name="connsiteY2-6" fmla="*/ 430441 h 3032924"/>
+              <a:gd name="connsiteX3-7" fmla="*/ 1576606 w 3239999"/>
+              <a:gd name="connsiteY3-8" fmla="*/ 526981 h 3032924"/>
+              <a:gd name="connsiteX4-9" fmla="*/ 1576606 w 3239999"/>
+              <a:gd name="connsiteY4-10" fmla="*/ 2765302 h 3032924"/>
+              <a:gd name="connsiteX5-11" fmla="*/ 378630 w 3239999"/>
+              <a:gd name="connsiteY5-12" fmla="*/ 2472117 h 3032924"/>
+              <a:gd name="connsiteX6-13" fmla="*/ 384918 w 3239999"/>
+              <a:gd name="connsiteY6-14" fmla="*/ 526981 h 3032924"/>
+              <a:gd name="connsiteX7-15" fmla="*/ 239143 w 3239999"/>
+              <a:gd name="connsiteY7-16" fmla="*/ 526981 h 3032924"/>
+              <a:gd name="connsiteX8-17" fmla="*/ 239143 w 3239999"/>
+              <a:gd name="connsiteY8-18" fmla="*/ 2776423 h 3032924"/>
+              <a:gd name="connsiteX9-19" fmla="*/ 1576606 w 3239999"/>
+              <a:gd name="connsiteY9-20" fmla="*/ 2776423 h 3032924"/>
+              <a:gd name="connsiteX10-21" fmla="*/ 1576606 w 3239999"/>
+              <a:gd name="connsiteY10-22" fmla="*/ 2778202 h 3032924"/>
+              <a:gd name="connsiteX11-23" fmla="*/ 1663394 w 3239999"/>
+              <a:gd name="connsiteY11-24" fmla="*/ 2778202 h 3032924"/>
+              <a:gd name="connsiteX12-25" fmla="*/ 1663394 w 3239999"/>
+              <a:gd name="connsiteY12-26" fmla="*/ 2776423 h 3032924"/>
+              <a:gd name="connsiteX13-27" fmla="*/ 3000856 w 3239999"/>
+              <a:gd name="connsiteY13-28" fmla="*/ 2776423 h 3032924"/>
+              <a:gd name="connsiteX14-29" fmla="*/ 3000856 w 3239999"/>
+              <a:gd name="connsiteY14-30" fmla="*/ 526981 h 3032924"/>
+              <a:gd name="connsiteX15-31" fmla="*/ 2855082 w 3239999"/>
+              <a:gd name="connsiteY15-32" fmla="*/ 526981 h 3032924"/>
+              <a:gd name="connsiteX16-33" fmla="*/ 2861369 w 3239999"/>
+              <a:gd name="connsiteY16-34" fmla="*/ 2472117 h 3032924"/>
+              <a:gd name="connsiteX17-35" fmla="*/ 1663394 w 3239999"/>
+              <a:gd name="connsiteY17-36" fmla="*/ 2765302 h 3032924"/>
+              <a:gd name="connsiteX18-37" fmla="*/ 1663394 w 3239999"/>
+              <a:gd name="connsiteY18-38" fmla="*/ 526981 h 3032924"/>
+              <a:gd name="connsiteX19-39" fmla="*/ 1663394 w 3239999"/>
+              <a:gd name="connsiteY19-40" fmla="*/ 430441 h 3032924"/>
+              <a:gd name="connsiteX20-41" fmla="*/ 1663394 w 3239999"/>
+              <a:gd name="connsiteY20-42" fmla="*/ 402054 h 3032924"/>
+              <a:gd name="connsiteX21-43" fmla="*/ 2406065 w 3239999"/>
+              <a:gd name="connsiteY21-44" fmla="*/ 22 h 3032924"/>
+              <a:gd name="connsiteX22-45" fmla="*/ 2853673 w 3239999"/>
+              <a:gd name="connsiteY22-46" fmla="*/ 91100 h 3032924"/>
+              <a:gd name="connsiteX23-47" fmla="*/ 2854770 w 3239999"/>
+              <a:gd name="connsiteY23-48" fmla="*/ 430441 h 3032924"/>
+              <a:gd name="connsiteX24-49" fmla="*/ 3120669 w 3239999"/>
+              <a:gd name="connsiteY24-50" fmla="*/ 428517 h 3032924"/>
+              <a:gd name="connsiteX25-51" fmla="*/ 3120669 w 3239999"/>
+              <a:gd name="connsiteY25-52" fmla="*/ 738345 h 3032924"/>
+              <a:gd name="connsiteX26-53" fmla="*/ 3239999 w 3239999"/>
+              <a:gd name="connsiteY26-54" fmla="*/ 738345 h 3032924"/>
+              <a:gd name="connsiteX27-55" fmla="*/ 3239999 w 3239999"/>
+              <a:gd name="connsiteY27-56" fmla="*/ 3032924 h 3032924"/>
+              <a:gd name="connsiteX28-57" fmla="*/ 0 w 3239999"/>
+              <a:gd name="connsiteY28-58" fmla="*/ 3032924 h 3032924"/>
+              <a:gd name="connsiteX29-59" fmla="*/ 0 w 3239999"/>
+              <a:gd name="connsiteY29-60" fmla="*/ 738345 h 3032924"/>
+              <a:gd name="connsiteX30-61" fmla="*/ 102477 w 3239999"/>
+              <a:gd name="connsiteY30-62" fmla="*/ 738345 h 3032924"/>
+              <a:gd name="connsiteX31-63" fmla="*/ 102477 w 3239999"/>
+              <a:gd name="connsiteY31-64" fmla="*/ 428517 h 3032924"/>
+              <a:gd name="connsiteX32-65" fmla="*/ 385229 w 3239999"/>
+              <a:gd name="connsiteY32-66" fmla="*/ 430441 h 3032924"/>
+              <a:gd name="connsiteX33-67" fmla="*/ 386326 w 3239999"/>
+              <a:gd name="connsiteY33-68" fmla="*/ 91100 h 3032924"/>
+              <a:gd name="connsiteX34-69" fmla="*/ 833935 w 3239999"/>
+              <a:gd name="connsiteY34-70" fmla="*/ 22 h 3032924"/>
+              <a:gd name="connsiteX0-71" fmla="*/ 833935 w 3239999"/>
+              <a:gd name="connsiteY0-72" fmla="*/ 22 h 3032924"/>
+              <a:gd name="connsiteX1-73" fmla="*/ 1576606 w 3239999"/>
+              <a:gd name="connsiteY1-74" fmla="*/ 402054 h 3032924"/>
+              <a:gd name="connsiteX2-75" fmla="*/ 1576606 w 3239999"/>
+              <a:gd name="connsiteY2-76" fmla="*/ 430441 h 3032924"/>
+              <a:gd name="connsiteX3-77" fmla="*/ 1576606 w 3239999"/>
+              <a:gd name="connsiteY3-78" fmla="*/ 526981 h 3032924"/>
+              <a:gd name="connsiteX4-79" fmla="*/ 1576606 w 3239999"/>
+              <a:gd name="connsiteY4-80" fmla="*/ 2765302 h 3032924"/>
+              <a:gd name="connsiteX5-81" fmla="*/ 378630 w 3239999"/>
+              <a:gd name="connsiteY5-82" fmla="*/ 2472117 h 3032924"/>
+              <a:gd name="connsiteX6-83" fmla="*/ 384918 w 3239999"/>
+              <a:gd name="connsiteY6-84" fmla="*/ 526981 h 3032924"/>
+              <a:gd name="connsiteX7-85" fmla="*/ 239143 w 3239999"/>
+              <a:gd name="connsiteY7-86" fmla="*/ 526981 h 3032924"/>
+              <a:gd name="connsiteX8-87" fmla="*/ 239143 w 3239999"/>
+              <a:gd name="connsiteY8-88" fmla="*/ 2776423 h 3032924"/>
+              <a:gd name="connsiteX9-89" fmla="*/ 1576606 w 3239999"/>
+              <a:gd name="connsiteY9-90" fmla="*/ 2776423 h 3032924"/>
+              <a:gd name="connsiteX10-91" fmla="*/ 1576606 w 3239999"/>
+              <a:gd name="connsiteY10-92" fmla="*/ 2778202 h 3032924"/>
+              <a:gd name="connsiteX11-93" fmla="*/ 1663394 w 3239999"/>
+              <a:gd name="connsiteY11-94" fmla="*/ 2778202 h 3032924"/>
+              <a:gd name="connsiteX12-95" fmla="*/ 1663394 w 3239999"/>
+              <a:gd name="connsiteY12-96" fmla="*/ 2776423 h 3032924"/>
+              <a:gd name="connsiteX13-97" fmla="*/ 3000856 w 3239999"/>
+              <a:gd name="connsiteY13-98" fmla="*/ 2776423 h 3032924"/>
+              <a:gd name="connsiteX14-99" fmla="*/ 3000856 w 3239999"/>
+              <a:gd name="connsiteY14-100" fmla="*/ 526981 h 3032924"/>
+              <a:gd name="connsiteX15-101" fmla="*/ 2855082 w 3239999"/>
+              <a:gd name="connsiteY15-102" fmla="*/ 526981 h 3032924"/>
+              <a:gd name="connsiteX16-103" fmla="*/ 2861369 w 3239999"/>
+              <a:gd name="connsiteY16-104" fmla="*/ 2472117 h 3032924"/>
+              <a:gd name="connsiteX17-105" fmla="*/ 1663394 w 3239999"/>
+              <a:gd name="connsiteY17-106" fmla="*/ 2765302 h 3032924"/>
+              <a:gd name="connsiteX18-107" fmla="*/ 1663394 w 3239999"/>
+              <a:gd name="connsiteY18-108" fmla="*/ 526981 h 3032924"/>
+              <a:gd name="connsiteX19-109" fmla="*/ 1663394 w 3239999"/>
+              <a:gd name="connsiteY19-110" fmla="*/ 430441 h 3032924"/>
+              <a:gd name="connsiteX20-111" fmla="*/ 1663394 w 3239999"/>
+              <a:gd name="connsiteY20-112" fmla="*/ 402054 h 3032924"/>
+              <a:gd name="connsiteX21-113" fmla="*/ 2406065 w 3239999"/>
+              <a:gd name="connsiteY21-114" fmla="*/ 22 h 3032924"/>
+              <a:gd name="connsiteX22-115" fmla="*/ 2853673 w 3239999"/>
+              <a:gd name="connsiteY22-116" fmla="*/ 91100 h 3032924"/>
+              <a:gd name="connsiteX23-117" fmla="*/ 2854770 w 3239999"/>
+              <a:gd name="connsiteY23-118" fmla="*/ 430441 h 3032924"/>
+              <a:gd name="connsiteX24-119" fmla="*/ 3120669 w 3239999"/>
+              <a:gd name="connsiteY24-120" fmla="*/ 428517 h 3032924"/>
+              <a:gd name="connsiteX25-121" fmla="*/ 3120669 w 3239999"/>
+              <a:gd name="connsiteY25-122" fmla="*/ 738345 h 3032924"/>
+              <a:gd name="connsiteX26-123" fmla="*/ 3239999 w 3239999"/>
+              <a:gd name="connsiteY26-124" fmla="*/ 738345 h 3032924"/>
+              <a:gd name="connsiteX27-125" fmla="*/ 3239999 w 3239999"/>
+              <a:gd name="connsiteY27-126" fmla="*/ 3032924 h 3032924"/>
+              <a:gd name="connsiteX28-127" fmla="*/ 0 w 3239999"/>
+              <a:gd name="connsiteY28-128" fmla="*/ 3032924 h 3032924"/>
+              <a:gd name="connsiteX29-129" fmla="*/ 0 w 3239999"/>
+              <a:gd name="connsiteY29-130" fmla="*/ 738345 h 3032924"/>
+              <a:gd name="connsiteX30-131" fmla="*/ 102477 w 3239999"/>
+              <a:gd name="connsiteY30-132" fmla="*/ 738345 h 3032924"/>
+              <a:gd name="connsiteX31-133" fmla="*/ 102477 w 3239999"/>
+              <a:gd name="connsiteY31-134" fmla="*/ 428517 h 3032924"/>
+              <a:gd name="connsiteX32-135" fmla="*/ 385229 w 3239999"/>
+              <a:gd name="connsiteY32-136" fmla="*/ 430441 h 3032924"/>
+              <a:gd name="connsiteX33-137" fmla="*/ 386326 w 3239999"/>
+              <a:gd name="connsiteY33-138" fmla="*/ 91100 h 3032924"/>
+              <a:gd name="connsiteX34-139" fmla="*/ 833935 w 3239999"/>
+              <a:gd name="connsiteY34-140" fmla="*/ 22 h 3032924"/>
+              <a:gd name="connsiteX0-141" fmla="*/ 1576606 w 3239999"/>
+              <a:gd name="connsiteY0-142" fmla="*/ 2778202 h 3032924"/>
+              <a:gd name="connsiteX1-143" fmla="*/ 1663394 w 3239999"/>
+              <a:gd name="connsiteY1-144" fmla="*/ 2778202 h 3032924"/>
+              <a:gd name="connsiteX2-145" fmla="*/ 1663394 w 3239999"/>
+              <a:gd name="connsiteY2-146" fmla="*/ 2776423 h 3032924"/>
+              <a:gd name="connsiteX3-147" fmla="*/ 3000856 w 3239999"/>
+              <a:gd name="connsiteY3-148" fmla="*/ 2776423 h 3032924"/>
+              <a:gd name="connsiteX4-149" fmla="*/ 3000856 w 3239999"/>
+              <a:gd name="connsiteY4-150" fmla="*/ 526981 h 3032924"/>
+              <a:gd name="connsiteX5-151" fmla="*/ 2855082 w 3239999"/>
+              <a:gd name="connsiteY5-152" fmla="*/ 526981 h 3032924"/>
+              <a:gd name="connsiteX6-153" fmla="*/ 2861369 w 3239999"/>
+              <a:gd name="connsiteY6-154" fmla="*/ 2472117 h 3032924"/>
+              <a:gd name="connsiteX7-155" fmla="*/ 1663394 w 3239999"/>
+              <a:gd name="connsiteY7-156" fmla="*/ 2765302 h 3032924"/>
+              <a:gd name="connsiteX8-157" fmla="*/ 1663394 w 3239999"/>
+              <a:gd name="connsiteY8-158" fmla="*/ 526981 h 3032924"/>
+              <a:gd name="connsiteX9-159" fmla="*/ 1663394 w 3239999"/>
+              <a:gd name="connsiteY9-160" fmla="*/ 430441 h 3032924"/>
+              <a:gd name="connsiteX10-161" fmla="*/ 1663394 w 3239999"/>
+              <a:gd name="connsiteY10-162" fmla="*/ 402054 h 3032924"/>
+              <a:gd name="connsiteX11-163" fmla="*/ 2406065 w 3239999"/>
+              <a:gd name="connsiteY11-164" fmla="*/ 22 h 3032924"/>
+              <a:gd name="connsiteX12-165" fmla="*/ 2853673 w 3239999"/>
+              <a:gd name="connsiteY12-166" fmla="*/ 91100 h 3032924"/>
+              <a:gd name="connsiteX13-167" fmla="*/ 2854770 w 3239999"/>
+              <a:gd name="connsiteY13-168" fmla="*/ 430441 h 3032924"/>
+              <a:gd name="connsiteX14-169" fmla="*/ 3120669 w 3239999"/>
+              <a:gd name="connsiteY14-170" fmla="*/ 428517 h 3032924"/>
+              <a:gd name="connsiteX15-171" fmla="*/ 3120669 w 3239999"/>
+              <a:gd name="connsiteY15-172" fmla="*/ 738345 h 3032924"/>
+              <a:gd name="connsiteX16-173" fmla="*/ 3239999 w 3239999"/>
+              <a:gd name="connsiteY16-174" fmla="*/ 738345 h 3032924"/>
+              <a:gd name="connsiteX17-175" fmla="*/ 3239999 w 3239999"/>
+              <a:gd name="connsiteY17-176" fmla="*/ 3032924 h 3032924"/>
+              <a:gd name="connsiteX18-177" fmla="*/ 0 w 3239999"/>
+              <a:gd name="connsiteY18-178" fmla="*/ 3032924 h 3032924"/>
+              <a:gd name="connsiteX19-179" fmla="*/ 0 w 3239999"/>
+              <a:gd name="connsiteY19-180" fmla="*/ 738345 h 3032924"/>
+              <a:gd name="connsiteX20-181" fmla="*/ 102477 w 3239999"/>
+              <a:gd name="connsiteY20-182" fmla="*/ 738345 h 3032924"/>
+              <a:gd name="connsiteX21-183" fmla="*/ 102477 w 3239999"/>
+              <a:gd name="connsiteY21-184" fmla="*/ 428517 h 3032924"/>
+              <a:gd name="connsiteX22-185" fmla="*/ 385229 w 3239999"/>
+              <a:gd name="connsiteY22-186" fmla="*/ 430441 h 3032924"/>
+              <a:gd name="connsiteX23-187" fmla="*/ 386326 w 3239999"/>
+              <a:gd name="connsiteY23-188" fmla="*/ 91100 h 3032924"/>
+              <a:gd name="connsiteX24-189" fmla="*/ 833935 w 3239999"/>
+              <a:gd name="connsiteY24-190" fmla="*/ 22 h 3032924"/>
+              <a:gd name="connsiteX25-191" fmla="*/ 1576606 w 3239999"/>
+              <a:gd name="connsiteY25-192" fmla="*/ 402054 h 3032924"/>
+              <a:gd name="connsiteX26-193" fmla="*/ 1576606 w 3239999"/>
+              <a:gd name="connsiteY26-194" fmla="*/ 430441 h 3032924"/>
+              <a:gd name="connsiteX27-195" fmla="*/ 1576606 w 3239999"/>
+              <a:gd name="connsiteY27-196" fmla="*/ 526981 h 3032924"/>
+              <a:gd name="connsiteX28-197" fmla="*/ 1576606 w 3239999"/>
+              <a:gd name="connsiteY28-198" fmla="*/ 2765302 h 3032924"/>
+              <a:gd name="connsiteX29-199" fmla="*/ 378630 w 3239999"/>
+              <a:gd name="connsiteY29-200" fmla="*/ 2472117 h 3032924"/>
+              <a:gd name="connsiteX30-201" fmla="*/ 384918 w 3239999"/>
+              <a:gd name="connsiteY30-202" fmla="*/ 526981 h 3032924"/>
+              <a:gd name="connsiteX31-203" fmla="*/ 239143 w 3239999"/>
+              <a:gd name="connsiteY31-204" fmla="*/ 526981 h 3032924"/>
+              <a:gd name="connsiteX32-205" fmla="*/ 239143 w 3239999"/>
+              <a:gd name="connsiteY32-206" fmla="*/ 2776423 h 3032924"/>
+              <a:gd name="connsiteX33-207" fmla="*/ 1576606 w 3239999"/>
+              <a:gd name="connsiteY33-208" fmla="*/ 2776423 h 3032924"/>
+              <a:gd name="connsiteX34-209" fmla="*/ 1668046 w 3239999"/>
+              <a:gd name="connsiteY34-210" fmla="*/ 2869642 h 3032924"/>
+              <a:gd name="connsiteX0-211" fmla="*/ 1576606 w 3239999"/>
+              <a:gd name="connsiteY0-212" fmla="*/ 2778202 h 3032924"/>
+              <a:gd name="connsiteX1-213" fmla="*/ 1663394 w 3239999"/>
+              <a:gd name="connsiteY1-214" fmla="*/ 2778202 h 3032924"/>
+              <a:gd name="connsiteX2-215" fmla="*/ 1663394 w 3239999"/>
+              <a:gd name="connsiteY2-216" fmla="*/ 2776423 h 3032924"/>
+              <a:gd name="connsiteX3-217" fmla="*/ 3000856 w 3239999"/>
+              <a:gd name="connsiteY3-218" fmla="*/ 2776423 h 3032924"/>
+              <a:gd name="connsiteX4-219" fmla="*/ 3000856 w 3239999"/>
+              <a:gd name="connsiteY4-220" fmla="*/ 526981 h 3032924"/>
+              <a:gd name="connsiteX5-221" fmla="*/ 2855082 w 3239999"/>
+              <a:gd name="connsiteY5-222" fmla="*/ 526981 h 3032924"/>
+              <a:gd name="connsiteX6-223" fmla="*/ 2861369 w 3239999"/>
+              <a:gd name="connsiteY6-224" fmla="*/ 2472117 h 3032924"/>
+              <a:gd name="connsiteX7-225" fmla="*/ 1663394 w 3239999"/>
+              <a:gd name="connsiteY7-226" fmla="*/ 2765302 h 3032924"/>
+              <a:gd name="connsiteX8-227" fmla="*/ 1663394 w 3239999"/>
+              <a:gd name="connsiteY8-228" fmla="*/ 526981 h 3032924"/>
+              <a:gd name="connsiteX9-229" fmla="*/ 1663394 w 3239999"/>
+              <a:gd name="connsiteY9-230" fmla="*/ 430441 h 3032924"/>
+              <a:gd name="connsiteX10-231" fmla="*/ 1663394 w 3239999"/>
+              <a:gd name="connsiteY10-232" fmla="*/ 402054 h 3032924"/>
+              <a:gd name="connsiteX11-233" fmla="*/ 2406065 w 3239999"/>
+              <a:gd name="connsiteY11-234" fmla="*/ 22 h 3032924"/>
+              <a:gd name="connsiteX12-235" fmla="*/ 2853673 w 3239999"/>
+              <a:gd name="connsiteY12-236" fmla="*/ 91100 h 3032924"/>
+              <a:gd name="connsiteX13-237" fmla="*/ 2854770 w 3239999"/>
+              <a:gd name="connsiteY13-238" fmla="*/ 430441 h 3032924"/>
+              <a:gd name="connsiteX14-239" fmla="*/ 3120669 w 3239999"/>
+              <a:gd name="connsiteY14-240" fmla="*/ 428517 h 3032924"/>
+              <a:gd name="connsiteX15-241" fmla="*/ 3120669 w 3239999"/>
+              <a:gd name="connsiteY15-242" fmla="*/ 738345 h 3032924"/>
+              <a:gd name="connsiteX16-243" fmla="*/ 3239999 w 3239999"/>
+              <a:gd name="connsiteY16-244" fmla="*/ 738345 h 3032924"/>
+              <a:gd name="connsiteX17-245" fmla="*/ 3239999 w 3239999"/>
+              <a:gd name="connsiteY17-246" fmla="*/ 3032924 h 3032924"/>
+              <a:gd name="connsiteX18-247" fmla="*/ 0 w 3239999"/>
+              <a:gd name="connsiteY18-248" fmla="*/ 3032924 h 3032924"/>
+              <a:gd name="connsiteX19-249" fmla="*/ 0 w 3239999"/>
+              <a:gd name="connsiteY19-250" fmla="*/ 738345 h 3032924"/>
+              <a:gd name="connsiteX20-251" fmla="*/ 102477 w 3239999"/>
+              <a:gd name="connsiteY20-252" fmla="*/ 738345 h 3032924"/>
+              <a:gd name="connsiteX21-253" fmla="*/ 102477 w 3239999"/>
+              <a:gd name="connsiteY21-254" fmla="*/ 428517 h 3032924"/>
+              <a:gd name="connsiteX22-255" fmla="*/ 385229 w 3239999"/>
+              <a:gd name="connsiteY22-256" fmla="*/ 430441 h 3032924"/>
+              <a:gd name="connsiteX23-257" fmla="*/ 386326 w 3239999"/>
+              <a:gd name="connsiteY23-258" fmla="*/ 91100 h 3032924"/>
+              <a:gd name="connsiteX24-259" fmla="*/ 833935 w 3239999"/>
+              <a:gd name="connsiteY24-260" fmla="*/ 22 h 3032924"/>
+              <a:gd name="connsiteX25-261" fmla="*/ 1576606 w 3239999"/>
+              <a:gd name="connsiteY25-262" fmla="*/ 402054 h 3032924"/>
+              <a:gd name="connsiteX26-263" fmla="*/ 1576606 w 3239999"/>
+              <a:gd name="connsiteY26-264" fmla="*/ 430441 h 3032924"/>
+              <a:gd name="connsiteX27-265" fmla="*/ 1576606 w 3239999"/>
+              <a:gd name="connsiteY27-266" fmla="*/ 526981 h 3032924"/>
+              <a:gd name="connsiteX28-267" fmla="*/ 1576606 w 3239999"/>
+              <a:gd name="connsiteY28-268" fmla="*/ 2765302 h 3032924"/>
+              <a:gd name="connsiteX29-269" fmla="*/ 378630 w 3239999"/>
+              <a:gd name="connsiteY29-270" fmla="*/ 2472117 h 3032924"/>
+              <a:gd name="connsiteX30-271" fmla="*/ 384918 w 3239999"/>
+              <a:gd name="connsiteY30-272" fmla="*/ 526981 h 3032924"/>
+              <a:gd name="connsiteX31-273" fmla="*/ 239143 w 3239999"/>
+              <a:gd name="connsiteY31-274" fmla="*/ 526981 h 3032924"/>
+              <a:gd name="connsiteX32-275" fmla="*/ 239143 w 3239999"/>
+              <a:gd name="connsiteY32-276" fmla="*/ 2776423 h 3032924"/>
+              <a:gd name="connsiteX33-277" fmla="*/ 1576606 w 3239999"/>
+              <a:gd name="connsiteY33-278" fmla="*/ 2776423 h 3032924"/>
+              <a:gd name="connsiteX34-279" fmla="*/ 1668046 w 3239999"/>
+              <a:gd name="connsiteY34-280" fmla="*/ 2869642 h 3032924"/>
+              <a:gd name="connsiteX0-281" fmla="*/ 1576606 w 3239999"/>
+              <a:gd name="connsiteY0-282" fmla="*/ 2778202 h 3032924"/>
+              <a:gd name="connsiteX1-283" fmla="*/ 1663394 w 3239999"/>
+              <a:gd name="connsiteY1-284" fmla="*/ 2778202 h 3032924"/>
+              <a:gd name="connsiteX2-285" fmla="*/ 1663394 w 3239999"/>
+              <a:gd name="connsiteY2-286" fmla="*/ 2776423 h 3032924"/>
+              <a:gd name="connsiteX3-287" fmla="*/ 3000856 w 3239999"/>
+              <a:gd name="connsiteY3-288" fmla="*/ 2776423 h 3032924"/>
+              <a:gd name="connsiteX4-289" fmla="*/ 3000856 w 3239999"/>
+              <a:gd name="connsiteY4-290" fmla="*/ 526981 h 3032924"/>
+              <a:gd name="connsiteX5-291" fmla="*/ 2855082 w 3239999"/>
+              <a:gd name="connsiteY5-292" fmla="*/ 526981 h 3032924"/>
+              <a:gd name="connsiteX6-293" fmla="*/ 2861369 w 3239999"/>
+              <a:gd name="connsiteY6-294" fmla="*/ 2472117 h 3032924"/>
+              <a:gd name="connsiteX7-295" fmla="*/ 1663394 w 3239999"/>
+              <a:gd name="connsiteY7-296" fmla="*/ 2765302 h 3032924"/>
+              <a:gd name="connsiteX8-297" fmla="*/ 1663394 w 3239999"/>
+              <a:gd name="connsiteY8-298" fmla="*/ 526981 h 3032924"/>
+              <a:gd name="connsiteX9-299" fmla="*/ 1663394 w 3239999"/>
+              <a:gd name="connsiteY9-300" fmla="*/ 430441 h 3032924"/>
+              <a:gd name="connsiteX10-301" fmla="*/ 1663394 w 3239999"/>
+              <a:gd name="connsiteY10-302" fmla="*/ 402054 h 3032924"/>
+              <a:gd name="connsiteX11-303" fmla="*/ 2406065 w 3239999"/>
+              <a:gd name="connsiteY11-304" fmla="*/ 22 h 3032924"/>
+              <a:gd name="connsiteX12-305" fmla="*/ 2853673 w 3239999"/>
+              <a:gd name="connsiteY12-306" fmla="*/ 91100 h 3032924"/>
+              <a:gd name="connsiteX13-307" fmla="*/ 2854770 w 3239999"/>
+              <a:gd name="connsiteY13-308" fmla="*/ 430441 h 3032924"/>
+              <a:gd name="connsiteX14-309" fmla="*/ 3120669 w 3239999"/>
+              <a:gd name="connsiteY14-310" fmla="*/ 428517 h 3032924"/>
+              <a:gd name="connsiteX15-311" fmla="*/ 3120669 w 3239999"/>
+              <a:gd name="connsiteY15-312" fmla="*/ 738345 h 3032924"/>
+              <a:gd name="connsiteX16-313" fmla="*/ 3239999 w 3239999"/>
+              <a:gd name="connsiteY16-314" fmla="*/ 738345 h 3032924"/>
+              <a:gd name="connsiteX17-315" fmla="*/ 3239999 w 3239999"/>
+              <a:gd name="connsiteY17-316" fmla="*/ 3032924 h 3032924"/>
+              <a:gd name="connsiteX18-317" fmla="*/ 0 w 3239999"/>
+              <a:gd name="connsiteY18-318" fmla="*/ 3032924 h 3032924"/>
+              <a:gd name="connsiteX19-319" fmla="*/ 0 w 3239999"/>
+              <a:gd name="connsiteY19-320" fmla="*/ 738345 h 3032924"/>
+              <a:gd name="connsiteX20-321" fmla="*/ 102477 w 3239999"/>
+              <a:gd name="connsiteY20-322" fmla="*/ 738345 h 3032924"/>
+              <a:gd name="connsiteX21-323" fmla="*/ 102477 w 3239999"/>
+              <a:gd name="connsiteY21-324" fmla="*/ 428517 h 3032924"/>
+              <a:gd name="connsiteX22-325" fmla="*/ 385229 w 3239999"/>
+              <a:gd name="connsiteY22-326" fmla="*/ 430441 h 3032924"/>
+              <a:gd name="connsiteX23-327" fmla="*/ 386326 w 3239999"/>
+              <a:gd name="connsiteY23-328" fmla="*/ 91100 h 3032924"/>
+              <a:gd name="connsiteX24-329" fmla="*/ 833935 w 3239999"/>
+              <a:gd name="connsiteY24-330" fmla="*/ 22 h 3032924"/>
+              <a:gd name="connsiteX25-331" fmla="*/ 1576606 w 3239999"/>
+              <a:gd name="connsiteY25-332" fmla="*/ 402054 h 3032924"/>
+              <a:gd name="connsiteX26-333" fmla="*/ 1576606 w 3239999"/>
+              <a:gd name="connsiteY26-334" fmla="*/ 430441 h 3032924"/>
+              <a:gd name="connsiteX27-335" fmla="*/ 1576606 w 3239999"/>
+              <a:gd name="connsiteY27-336" fmla="*/ 526981 h 3032924"/>
+              <a:gd name="connsiteX28-337" fmla="*/ 1576606 w 3239999"/>
+              <a:gd name="connsiteY28-338" fmla="*/ 2765302 h 3032924"/>
+              <a:gd name="connsiteX29-339" fmla="*/ 378630 w 3239999"/>
+              <a:gd name="connsiteY29-340" fmla="*/ 2472117 h 3032924"/>
+              <a:gd name="connsiteX30-341" fmla="*/ 384918 w 3239999"/>
+              <a:gd name="connsiteY30-342" fmla="*/ 526981 h 3032924"/>
+              <a:gd name="connsiteX31-343" fmla="*/ 239143 w 3239999"/>
+              <a:gd name="connsiteY31-344" fmla="*/ 526981 h 3032924"/>
+              <a:gd name="connsiteX32-345" fmla="*/ 239143 w 3239999"/>
+              <a:gd name="connsiteY32-346" fmla="*/ 2776423 h 3032924"/>
+              <a:gd name="connsiteX33-347" fmla="*/ 1576606 w 3239999"/>
+              <a:gd name="connsiteY33-348" fmla="*/ 2776423 h 3032924"/>
+              <a:gd name="connsiteX34-349" fmla="*/ 1668046 w 3239999"/>
+              <a:gd name="connsiteY34-350" fmla="*/ 2869642 h 3032924"/>
+              <a:gd name="connsiteX0-351" fmla="*/ 1576606 w 3239999"/>
+              <a:gd name="connsiteY0-352" fmla="*/ 2778202 h 3032924"/>
+              <a:gd name="connsiteX1-353" fmla="*/ 1663394 w 3239999"/>
+              <a:gd name="connsiteY1-354" fmla="*/ 2778202 h 3032924"/>
+              <a:gd name="connsiteX2-355" fmla="*/ 1663394 w 3239999"/>
+              <a:gd name="connsiteY2-356" fmla="*/ 2776423 h 3032924"/>
+              <a:gd name="connsiteX3-357" fmla="*/ 3000856 w 3239999"/>
+              <a:gd name="connsiteY3-358" fmla="*/ 2776423 h 3032924"/>
+              <a:gd name="connsiteX4-359" fmla="*/ 3000856 w 3239999"/>
+              <a:gd name="connsiteY4-360" fmla="*/ 526981 h 3032924"/>
+              <a:gd name="connsiteX5-361" fmla="*/ 2855082 w 3239999"/>
+              <a:gd name="connsiteY5-362" fmla="*/ 526981 h 3032924"/>
+              <a:gd name="connsiteX6-363" fmla="*/ 2861369 w 3239999"/>
+              <a:gd name="connsiteY6-364" fmla="*/ 2472117 h 3032924"/>
+              <a:gd name="connsiteX7-365" fmla="*/ 1663394 w 3239999"/>
+              <a:gd name="connsiteY7-366" fmla="*/ 2765302 h 3032924"/>
+              <a:gd name="connsiteX8-367" fmla="*/ 1663394 w 3239999"/>
+              <a:gd name="connsiteY8-368" fmla="*/ 526981 h 3032924"/>
+              <a:gd name="connsiteX9-369" fmla="*/ 1663394 w 3239999"/>
+              <a:gd name="connsiteY9-370" fmla="*/ 430441 h 3032924"/>
+              <a:gd name="connsiteX10-371" fmla="*/ 1663394 w 3239999"/>
+              <a:gd name="connsiteY10-372" fmla="*/ 402054 h 3032924"/>
+              <a:gd name="connsiteX11-373" fmla="*/ 2406065 w 3239999"/>
+              <a:gd name="connsiteY11-374" fmla="*/ 22 h 3032924"/>
+              <a:gd name="connsiteX12-375" fmla="*/ 2853673 w 3239999"/>
+              <a:gd name="connsiteY12-376" fmla="*/ 91100 h 3032924"/>
+              <a:gd name="connsiteX13-377" fmla="*/ 2854770 w 3239999"/>
+              <a:gd name="connsiteY13-378" fmla="*/ 430441 h 3032924"/>
+              <a:gd name="connsiteX14-379" fmla="*/ 3120669 w 3239999"/>
+              <a:gd name="connsiteY14-380" fmla="*/ 428517 h 3032924"/>
+              <a:gd name="connsiteX15-381" fmla="*/ 3120669 w 3239999"/>
+              <a:gd name="connsiteY15-382" fmla="*/ 738345 h 3032924"/>
+              <a:gd name="connsiteX16-383" fmla="*/ 3239999 w 3239999"/>
+              <a:gd name="connsiteY16-384" fmla="*/ 738345 h 3032924"/>
+              <a:gd name="connsiteX17-385" fmla="*/ 3239999 w 3239999"/>
+              <a:gd name="connsiteY17-386" fmla="*/ 3032924 h 3032924"/>
+              <a:gd name="connsiteX18-387" fmla="*/ 0 w 3239999"/>
+              <a:gd name="connsiteY18-388" fmla="*/ 3032924 h 3032924"/>
+              <a:gd name="connsiteX19-389" fmla="*/ 0 w 3239999"/>
+              <a:gd name="connsiteY19-390" fmla="*/ 738345 h 3032924"/>
+              <a:gd name="connsiteX20-391" fmla="*/ 102477 w 3239999"/>
+              <a:gd name="connsiteY20-392" fmla="*/ 738345 h 3032924"/>
+              <a:gd name="connsiteX21-393" fmla="*/ 102477 w 3239999"/>
+              <a:gd name="connsiteY21-394" fmla="*/ 428517 h 3032924"/>
+              <a:gd name="connsiteX22-395" fmla="*/ 385229 w 3239999"/>
+              <a:gd name="connsiteY22-396" fmla="*/ 430441 h 3032924"/>
+              <a:gd name="connsiteX23-397" fmla="*/ 386326 w 3239999"/>
+              <a:gd name="connsiteY23-398" fmla="*/ 91100 h 3032924"/>
+              <a:gd name="connsiteX24-399" fmla="*/ 833935 w 3239999"/>
+              <a:gd name="connsiteY24-400" fmla="*/ 22 h 3032924"/>
+              <a:gd name="connsiteX25-401" fmla="*/ 1576606 w 3239999"/>
+              <a:gd name="connsiteY25-402" fmla="*/ 402054 h 3032924"/>
+              <a:gd name="connsiteX26-403" fmla="*/ 1576606 w 3239999"/>
+              <a:gd name="connsiteY26-404" fmla="*/ 430441 h 3032924"/>
+              <a:gd name="connsiteX27-405" fmla="*/ 1576606 w 3239999"/>
+              <a:gd name="connsiteY27-406" fmla="*/ 526981 h 3032924"/>
+              <a:gd name="connsiteX28-407" fmla="*/ 1576606 w 3239999"/>
+              <a:gd name="connsiteY28-408" fmla="*/ 2765302 h 3032924"/>
+              <a:gd name="connsiteX29-409" fmla="*/ 378630 w 3239999"/>
+              <a:gd name="connsiteY29-410" fmla="*/ 2472117 h 3032924"/>
+              <a:gd name="connsiteX30-411" fmla="*/ 384918 w 3239999"/>
+              <a:gd name="connsiteY30-412" fmla="*/ 526981 h 3032924"/>
+              <a:gd name="connsiteX31-413" fmla="*/ 239143 w 3239999"/>
+              <a:gd name="connsiteY31-414" fmla="*/ 526981 h 3032924"/>
+              <a:gd name="connsiteX32-415" fmla="*/ 239143 w 3239999"/>
+              <a:gd name="connsiteY32-416" fmla="*/ 2776423 h 3032924"/>
+              <a:gd name="connsiteX33-417" fmla="*/ 1576606 w 3239999"/>
+              <a:gd name="connsiteY33-418" fmla="*/ 2776423 h 3032924"/>
+              <a:gd name="connsiteX34-419" fmla="*/ 1668046 w 3239999"/>
+              <a:gd name="connsiteY34-420" fmla="*/ 2869642 h 3032924"/>
+              <a:gd name="connsiteX0-421" fmla="*/ 1576606 w 3239999"/>
+              <a:gd name="connsiteY0-422" fmla="*/ 2778202 h 3032924"/>
+              <a:gd name="connsiteX1-423" fmla="*/ 1663394 w 3239999"/>
+              <a:gd name="connsiteY1-424" fmla="*/ 2778202 h 3032924"/>
+              <a:gd name="connsiteX2-425" fmla="*/ 1663394 w 3239999"/>
+              <a:gd name="connsiteY2-426" fmla="*/ 2776423 h 3032924"/>
+              <a:gd name="connsiteX3-427" fmla="*/ 3000856 w 3239999"/>
+              <a:gd name="connsiteY3-428" fmla="*/ 2776423 h 3032924"/>
+              <a:gd name="connsiteX4-429" fmla="*/ 3000856 w 3239999"/>
+              <a:gd name="connsiteY4-430" fmla="*/ 526981 h 3032924"/>
+              <a:gd name="connsiteX5-431" fmla="*/ 2855082 w 3239999"/>
+              <a:gd name="connsiteY5-432" fmla="*/ 526981 h 3032924"/>
+              <a:gd name="connsiteX6-433" fmla="*/ 2861369 w 3239999"/>
+              <a:gd name="connsiteY6-434" fmla="*/ 2472117 h 3032924"/>
+              <a:gd name="connsiteX7-435" fmla="*/ 1663394 w 3239999"/>
+              <a:gd name="connsiteY7-436" fmla="*/ 2765302 h 3032924"/>
+              <a:gd name="connsiteX8-437" fmla="*/ 1663394 w 3239999"/>
+              <a:gd name="connsiteY8-438" fmla="*/ 526981 h 3032924"/>
+              <a:gd name="connsiteX9-439" fmla="*/ 1663394 w 3239999"/>
+              <a:gd name="connsiteY9-440" fmla="*/ 430441 h 3032924"/>
+              <a:gd name="connsiteX10-441" fmla="*/ 1663394 w 3239999"/>
+              <a:gd name="connsiteY10-442" fmla="*/ 402054 h 3032924"/>
+              <a:gd name="connsiteX11-443" fmla="*/ 2406065 w 3239999"/>
+              <a:gd name="connsiteY11-444" fmla="*/ 22 h 3032924"/>
+              <a:gd name="connsiteX12-445" fmla="*/ 2853673 w 3239999"/>
+              <a:gd name="connsiteY12-446" fmla="*/ 91100 h 3032924"/>
+              <a:gd name="connsiteX13-447" fmla="*/ 2854770 w 3239999"/>
+              <a:gd name="connsiteY13-448" fmla="*/ 430441 h 3032924"/>
+              <a:gd name="connsiteX14-449" fmla="*/ 3120669 w 3239999"/>
+              <a:gd name="connsiteY14-450" fmla="*/ 428517 h 3032924"/>
+              <a:gd name="connsiteX15-451" fmla="*/ 3120669 w 3239999"/>
+              <a:gd name="connsiteY15-452" fmla="*/ 738345 h 3032924"/>
+              <a:gd name="connsiteX16-453" fmla="*/ 3239999 w 3239999"/>
+              <a:gd name="connsiteY16-454" fmla="*/ 738345 h 3032924"/>
+              <a:gd name="connsiteX17-455" fmla="*/ 3239999 w 3239999"/>
+              <a:gd name="connsiteY17-456" fmla="*/ 3032924 h 3032924"/>
+              <a:gd name="connsiteX18-457" fmla="*/ 0 w 3239999"/>
+              <a:gd name="connsiteY18-458" fmla="*/ 3032924 h 3032924"/>
+              <a:gd name="connsiteX19-459" fmla="*/ 0 w 3239999"/>
+              <a:gd name="connsiteY19-460" fmla="*/ 738345 h 3032924"/>
+              <a:gd name="connsiteX20-461" fmla="*/ 102477 w 3239999"/>
+              <a:gd name="connsiteY20-462" fmla="*/ 738345 h 3032924"/>
+              <a:gd name="connsiteX21-463" fmla="*/ 102477 w 3239999"/>
+              <a:gd name="connsiteY21-464" fmla="*/ 428517 h 3032924"/>
+              <a:gd name="connsiteX22-465" fmla="*/ 385229 w 3239999"/>
+              <a:gd name="connsiteY22-466" fmla="*/ 430441 h 3032924"/>
+              <a:gd name="connsiteX23-467" fmla="*/ 386326 w 3239999"/>
+              <a:gd name="connsiteY23-468" fmla="*/ 91100 h 3032924"/>
+              <a:gd name="connsiteX24-469" fmla="*/ 833935 w 3239999"/>
+              <a:gd name="connsiteY24-470" fmla="*/ 22 h 3032924"/>
+              <a:gd name="connsiteX25-471" fmla="*/ 1576606 w 3239999"/>
+              <a:gd name="connsiteY25-472" fmla="*/ 402054 h 3032924"/>
+              <a:gd name="connsiteX26-473" fmla="*/ 1576606 w 3239999"/>
+              <a:gd name="connsiteY26-474" fmla="*/ 430441 h 3032924"/>
+              <a:gd name="connsiteX27-475" fmla="*/ 1576606 w 3239999"/>
+              <a:gd name="connsiteY27-476" fmla="*/ 526981 h 3032924"/>
+              <a:gd name="connsiteX28-477" fmla="*/ 1576606 w 3239999"/>
+              <a:gd name="connsiteY28-478" fmla="*/ 2765302 h 3032924"/>
+              <a:gd name="connsiteX29-479" fmla="*/ 378630 w 3239999"/>
+              <a:gd name="connsiteY29-480" fmla="*/ 2472117 h 3032924"/>
+              <a:gd name="connsiteX30-481" fmla="*/ 384918 w 3239999"/>
+              <a:gd name="connsiteY30-482" fmla="*/ 526981 h 3032924"/>
+              <a:gd name="connsiteX31-483" fmla="*/ 239143 w 3239999"/>
+              <a:gd name="connsiteY31-484" fmla="*/ 526981 h 3032924"/>
+              <a:gd name="connsiteX32-485" fmla="*/ 239143 w 3239999"/>
+              <a:gd name="connsiteY32-486" fmla="*/ 2776423 h 3032924"/>
+              <a:gd name="connsiteX33-487" fmla="*/ 1576606 w 3239999"/>
+              <a:gd name="connsiteY33-488" fmla="*/ 2776423 h 3032924"/>
+              <a:gd name="connsiteX34-489" fmla="*/ 1668046 w 3239999"/>
+              <a:gd name="connsiteY34-490" fmla="*/ 2869642 h 3032924"/>
+              <a:gd name="connsiteX0-491" fmla="*/ 1576606 w 3239999"/>
+              <a:gd name="connsiteY0-492" fmla="*/ 2778202 h 3032924"/>
+              <a:gd name="connsiteX1-493" fmla="*/ 1663394 w 3239999"/>
+              <a:gd name="connsiteY1-494" fmla="*/ 2778202 h 3032924"/>
+              <a:gd name="connsiteX2-495" fmla="*/ 1663394 w 3239999"/>
+              <a:gd name="connsiteY2-496" fmla="*/ 2776423 h 3032924"/>
+              <a:gd name="connsiteX3-497" fmla="*/ 3000856 w 3239999"/>
+              <a:gd name="connsiteY3-498" fmla="*/ 2776423 h 3032924"/>
+              <a:gd name="connsiteX4-499" fmla="*/ 3000856 w 3239999"/>
+              <a:gd name="connsiteY4-500" fmla="*/ 526981 h 3032924"/>
+              <a:gd name="connsiteX5-501" fmla="*/ 2855082 w 3239999"/>
+              <a:gd name="connsiteY5-502" fmla="*/ 526981 h 3032924"/>
+              <a:gd name="connsiteX6-503" fmla="*/ 2861369 w 3239999"/>
+              <a:gd name="connsiteY6-504" fmla="*/ 2472117 h 3032924"/>
+              <a:gd name="connsiteX7-505" fmla="*/ 1663394 w 3239999"/>
+              <a:gd name="connsiteY7-506" fmla="*/ 2765302 h 3032924"/>
+              <a:gd name="connsiteX8-507" fmla="*/ 1663394 w 3239999"/>
+              <a:gd name="connsiteY8-508" fmla="*/ 526981 h 3032924"/>
+              <a:gd name="connsiteX9-509" fmla="*/ 1663394 w 3239999"/>
+              <a:gd name="connsiteY9-510" fmla="*/ 430441 h 3032924"/>
+              <a:gd name="connsiteX10-511" fmla="*/ 1663394 w 3239999"/>
+              <a:gd name="connsiteY10-512" fmla="*/ 402054 h 3032924"/>
+              <a:gd name="connsiteX11-513" fmla="*/ 2406065 w 3239999"/>
+              <a:gd name="connsiteY11-514" fmla="*/ 22 h 3032924"/>
+              <a:gd name="connsiteX12-515" fmla="*/ 2853673 w 3239999"/>
+              <a:gd name="connsiteY12-516" fmla="*/ 91100 h 3032924"/>
+              <a:gd name="connsiteX13-517" fmla="*/ 2854770 w 3239999"/>
+              <a:gd name="connsiteY13-518" fmla="*/ 430441 h 3032924"/>
+              <a:gd name="connsiteX14-519" fmla="*/ 3120669 w 3239999"/>
+              <a:gd name="connsiteY14-520" fmla="*/ 428517 h 3032924"/>
+              <a:gd name="connsiteX15-521" fmla="*/ 3120669 w 3239999"/>
+              <a:gd name="connsiteY15-522" fmla="*/ 738345 h 3032924"/>
+              <a:gd name="connsiteX16-523" fmla="*/ 3239999 w 3239999"/>
+              <a:gd name="connsiteY16-524" fmla="*/ 738345 h 3032924"/>
+              <a:gd name="connsiteX17-525" fmla="*/ 3239999 w 3239999"/>
+              <a:gd name="connsiteY17-526" fmla="*/ 3032924 h 3032924"/>
+              <a:gd name="connsiteX18-527" fmla="*/ 0 w 3239999"/>
+              <a:gd name="connsiteY18-528" fmla="*/ 3032924 h 3032924"/>
+              <a:gd name="connsiteX19-529" fmla="*/ 0 w 3239999"/>
+              <a:gd name="connsiteY19-530" fmla="*/ 738345 h 3032924"/>
+              <a:gd name="connsiteX20-531" fmla="*/ 102477 w 3239999"/>
+              <a:gd name="connsiteY20-532" fmla="*/ 738345 h 3032924"/>
+              <a:gd name="connsiteX21-533" fmla="*/ 102477 w 3239999"/>
+              <a:gd name="connsiteY21-534" fmla="*/ 428517 h 3032924"/>
+              <a:gd name="connsiteX22-535" fmla="*/ 385229 w 3239999"/>
+              <a:gd name="connsiteY22-536" fmla="*/ 430441 h 3032924"/>
+              <a:gd name="connsiteX23-537" fmla="*/ 386326 w 3239999"/>
+              <a:gd name="connsiteY23-538" fmla="*/ 91100 h 3032924"/>
+              <a:gd name="connsiteX24-539" fmla="*/ 833935 w 3239999"/>
+              <a:gd name="connsiteY24-540" fmla="*/ 22 h 3032924"/>
+              <a:gd name="connsiteX25-541" fmla="*/ 1576606 w 3239999"/>
+              <a:gd name="connsiteY25-542" fmla="*/ 402054 h 3032924"/>
+              <a:gd name="connsiteX26-543" fmla="*/ 1576606 w 3239999"/>
+              <a:gd name="connsiteY26-544" fmla="*/ 430441 h 3032924"/>
+              <a:gd name="connsiteX27-545" fmla="*/ 1576606 w 3239999"/>
+              <a:gd name="connsiteY27-546" fmla="*/ 526981 h 3032924"/>
+              <a:gd name="connsiteX28-547" fmla="*/ 1576606 w 3239999"/>
+              <a:gd name="connsiteY28-548" fmla="*/ 2765302 h 3032924"/>
+              <a:gd name="connsiteX29-549" fmla="*/ 378630 w 3239999"/>
+              <a:gd name="connsiteY29-550" fmla="*/ 2472117 h 3032924"/>
+              <a:gd name="connsiteX30-551" fmla="*/ 384918 w 3239999"/>
+              <a:gd name="connsiteY30-552" fmla="*/ 526981 h 3032924"/>
+              <a:gd name="connsiteX31-553" fmla="*/ 239143 w 3239999"/>
+              <a:gd name="connsiteY31-554" fmla="*/ 526981 h 3032924"/>
+              <a:gd name="connsiteX32-555" fmla="*/ 239143 w 3239999"/>
+              <a:gd name="connsiteY32-556" fmla="*/ 2776423 h 3032924"/>
+              <a:gd name="connsiteX33-557" fmla="*/ 1576606 w 3239999"/>
+              <a:gd name="connsiteY33-558" fmla="*/ 2776423 h 3032924"/>
+              <a:gd name="connsiteX34-559" fmla="*/ 1668046 w 3239999"/>
+              <a:gd name="connsiteY34-560" fmla="*/ 2869642 h 3032924"/>
+              <a:gd name="connsiteX0-561" fmla="*/ 1576606 w 3239999"/>
+              <a:gd name="connsiteY0-562" fmla="*/ 2778202 h 3032924"/>
+              <a:gd name="connsiteX1-563" fmla="*/ 1663394 w 3239999"/>
+              <a:gd name="connsiteY1-564" fmla="*/ 2778202 h 3032924"/>
+              <a:gd name="connsiteX2-565" fmla="*/ 1663394 w 3239999"/>
+              <a:gd name="connsiteY2-566" fmla="*/ 2776423 h 3032924"/>
+              <a:gd name="connsiteX3-567" fmla="*/ 3000856 w 3239999"/>
+              <a:gd name="connsiteY3-568" fmla="*/ 2776423 h 3032924"/>
+              <a:gd name="connsiteX4-569" fmla="*/ 3000856 w 3239999"/>
+              <a:gd name="connsiteY4-570" fmla="*/ 526981 h 3032924"/>
+              <a:gd name="connsiteX5-571" fmla="*/ 2855082 w 3239999"/>
+              <a:gd name="connsiteY5-572" fmla="*/ 526981 h 3032924"/>
+              <a:gd name="connsiteX6-573" fmla="*/ 2861369 w 3239999"/>
+              <a:gd name="connsiteY6-574" fmla="*/ 2472117 h 3032924"/>
+              <a:gd name="connsiteX7-575" fmla="*/ 1663394 w 3239999"/>
+              <a:gd name="connsiteY7-576" fmla="*/ 2765302 h 3032924"/>
+              <a:gd name="connsiteX8-577" fmla="*/ 1663394 w 3239999"/>
+              <a:gd name="connsiteY8-578" fmla="*/ 526981 h 3032924"/>
+              <a:gd name="connsiteX9-579" fmla="*/ 1663394 w 3239999"/>
+              <a:gd name="connsiteY9-580" fmla="*/ 430441 h 3032924"/>
+              <a:gd name="connsiteX10-581" fmla="*/ 1663394 w 3239999"/>
+              <a:gd name="connsiteY10-582" fmla="*/ 402054 h 3032924"/>
+              <a:gd name="connsiteX11-583" fmla="*/ 2406065 w 3239999"/>
+              <a:gd name="connsiteY11-584" fmla="*/ 22 h 3032924"/>
+              <a:gd name="connsiteX12-585" fmla="*/ 2853673 w 3239999"/>
+              <a:gd name="connsiteY12-586" fmla="*/ 91100 h 3032924"/>
+              <a:gd name="connsiteX13-587" fmla="*/ 2854770 w 3239999"/>
+              <a:gd name="connsiteY13-588" fmla="*/ 430441 h 3032924"/>
+              <a:gd name="connsiteX14-589" fmla="*/ 3120669 w 3239999"/>
+              <a:gd name="connsiteY14-590" fmla="*/ 428517 h 3032924"/>
+              <a:gd name="connsiteX15-591" fmla="*/ 3120669 w 3239999"/>
+              <a:gd name="connsiteY15-592" fmla="*/ 738345 h 3032924"/>
+              <a:gd name="connsiteX16-593" fmla="*/ 3239999 w 3239999"/>
+              <a:gd name="connsiteY16-594" fmla="*/ 738345 h 3032924"/>
+              <a:gd name="connsiteX17-595" fmla="*/ 3239999 w 3239999"/>
+              <a:gd name="connsiteY17-596" fmla="*/ 3032924 h 3032924"/>
+              <a:gd name="connsiteX18-597" fmla="*/ 0 w 3239999"/>
+              <a:gd name="connsiteY18-598" fmla="*/ 3032924 h 3032924"/>
+              <a:gd name="connsiteX19-599" fmla="*/ 0 w 3239999"/>
+              <a:gd name="connsiteY19-600" fmla="*/ 738345 h 3032924"/>
+              <a:gd name="connsiteX20-601" fmla="*/ 102477 w 3239999"/>
+              <a:gd name="connsiteY20-602" fmla="*/ 738345 h 3032924"/>
+              <a:gd name="connsiteX21-603" fmla="*/ 102477 w 3239999"/>
+              <a:gd name="connsiteY21-604" fmla="*/ 428517 h 3032924"/>
+              <a:gd name="connsiteX22-605" fmla="*/ 385229 w 3239999"/>
+              <a:gd name="connsiteY22-606" fmla="*/ 430441 h 3032924"/>
+              <a:gd name="connsiteX23-607" fmla="*/ 386326 w 3239999"/>
+              <a:gd name="connsiteY23-608" fmla="*/ 91100 h 3032924"/>
+              <a:gd name="connsiteX24-609" fmla="*/ 833935 w 3239999"/>
+              <a:gd name="connsiteY24-610" fmla="*/ 22 h 3032924"/>
+              <a:gd name="connsiteX25-611" fmla="*/ 1576606 w 3239999"/>
+              <a:gd name="connsiteY25-612" fmla="*/ 402054 h 3032924"/>
+              <a:gd name="connsiteX26-613" fmla="*/ 1576606 w 3239999"/>
+              <a:gd name="connsiteY26-614" fmla="*/ 430441 h 3032924"/>
+              <a:gd name="connsiteX27-615" fmla="*/ 1576606 w 3239999"/>
+              <a:gd name="connsiteY27-616" fmla="*/ 526981 h 3032924"/>
+              <a:gd name="connsiteX28-617" fmla="*/ 1576606 w 3239999"/>
+              <a:gd name="connsiteY28-618" fmla="*/ 2765302 h 3032924"/>
+              <a:gd name="connsiteX29-619" fmla="*/ 378630 w 3239999"/>
+              <a:gd name="connsiteY29-620" fmla="*/ 2472117 h 3032924"/>
+              <a:gd name="connsiteX30-621" fmla="*/ 384918 w 3239999"/>
+              <a:gd name="connsiteY30-622" fmla="*/ 526981 h 3032924"/>
+              <a:gd name="connsiteX31-623" fmla="*/ 239143 w 3239999"/>
+              <a:gd name="connsiteY31-624" fmla="*/ 526981 h 3032924"/>
+              <a:gd name="connsiteX32-625" fmla="*/ 239143 w 3239999"/>
+              <a:gd name="connsiteY32-626" fmla="*/ 2776423 h 3032924"/>
+              <a:gd name="connsiteX33-627" fmla="*/ 1576606 w 3239999"/>
+              <a:gd name="connsiteY33-628" fmla="*/ 2776423 h 3032924"/>
+              <a:gd name="connsiteX34-629" fmla="*/ 1668046 w 3239999"/>
+              <a:gd name="connsiteY34-630" fmla="*/ 2869642 h 3032924"/>
+              <a:gd name="connsiteX0-631" fmla="*/ 1576606 w 3239999"/>
+              <a:gd name="connsiteY0-632" fmla="*/ 2778202 h 3032924"/>
+              <a:gd name="connsiteX1-633" fmla="*/ 1663394 w 3239999"/>
+              <a:gd name="connsiteY1-634" fmla="*/ 2778202 h 3032924"/>
+              <a:gd name="connsiteX2-635" fmla="*/ 1663394 w 3239999"/>
+              <a:gd name="connsiteY2-636" fmla="*/ 2776423 h 3032924"/>
+              <a:gd name="connsiteX3-637" fmla="*/ 3000856 w 3239999"/>
+              <a:gd name="connsiteY3-638" fmla="*/ 2776423 h 3032924"/>
+              <a:gd name="connsiteX4-639" fmla="*/ 3000856 w 3239999"/>
+              <a:gd name="connsiteY4-640" fmla="*/ 526981 h 3032924"/>
+              <a:gd name="connsiteX5-641" fmla="*/ 2855082 w 3239999"/>
+              <a:gd name="connsiteY5-642" fmla="*/ 526981 h 3032924"/>
+              <a:gd name="connsiteX6-643" fmla="*/ 2861369 w 3239999"/>
+              <a:gd name="connsiteY6-644" fmla="*/ 2472117 h 3032924"/>
+              <a:gd name="connsiteX7-645" fmla="*/ 1663394 w 3239999"/>
+              <a:gd name="connsiteY7-646" fmla="*/ 2765302 h 3032924"/>
+              <a:gd name="connsiteX8-647" fmla="*/ 1663394 w 3239999"/>
+              <a:gd name="connsiteY8-648" fmla="*/ 526981 h 3032924"/>
+              <a:gd name="connsiteX9-649" fmla="*/ 1663394 w 3239999"/>
+              <a:gd name="connsiteY9-650" fmla="*/ 430441 h 3032924"/>
+              <a:gd name="connsiteX10-651" fmla="*/ 1663394 w 3239999"/>
+              <a:gd name="connsiteY10-652" fmla="*/ 402054 h 3032924"/>
+              <a:gd name="connsiteX11-653" fmla="*/ 2406065 w 3239999"/>
+              <a:gd name="connsiteY11-654" fmla="*/ 22 h 3032924"/>
+              <a:gd name="connsiteX12-655" fmla="*/ 2853673 w 3239999"/>
+              <a:gd name="connsiteY12-656" fmla="*/ 91100 h 3032924"/>
+              <a:gd name="connsiteX13-657" fmla="*/ 2854770 w 3239999"/>
+              <a:gd name="connsiteY13-658" fmla="*/ 430441 h 3032924"/>
+              <a:gd name="connsiteX14-659" fmla="*/ 3120669 w 3239999"/>
+              <a:gd name="connsiteY14-660" fmla="*/ 428517 h 3032924"/>
+              <a:gd name="connsiteX15-661" fmla="*/ 3120669 w 3239999"/>
+              <a:gd name="connsiteY15-662" fmla="*/ 738345 h 3032924"/>
+              <a:gd name="connsiteX16-663" fmla="*/ 3239999 w 3239999"/>
+              <a:gd name="connsiteY16-664" fmla="*/ 738345 h 3032924"/>
+              <a:gd name="connsiteX17-665" fmla="*/ 3239999 w 3239999"/>
+              <a:gd name="connsiteY17-666" fmla="*/ 3032924 h 3032924"/>
+              <a:gd name="connsiteX18-667" fmla="*/ 0 w 3239999"/>
+              <a:gd name="connsiteY18-668" fmla="*/ 3032924 h 3032924"/>
+              <a:gd name="connsiteX19-669" fmla="*/ 0 w 3239999"/>
+              <a:gd name="connsiteY19-670" fmla="*/ 738345 h 3032924"/>
+              <a:gd name="connsiteX20-671" fmla="*/ 102477 w 3239999"/>
+              <a:gd name="connsiteY20-672" fmla="*/ 738345 h 3032924"/>
+              <a:gd name="connsiteX21-673" fmla="*/ 102477 w 3239999"/>
+              <a:gd name="connsiteY21-674" fmla="*/ 428517 h 3032924"/>
+              <a:gd name="connsiteX22-675" fmla="*/ 385229 w 3239999"/>
+              <a:gd name="connsiteY22-676" fmla="*/ 430441 h 3032924"/>
+              <a:gd name="connsiteX23-677" fmla="*/ 386326 w 3239999"/>
+              <a:gd name="connsiteY23-678" fmla="*/ 91100 h 3032924"/>
+              <a:gd name="connsiteX24-679" fmla="*/ 833935 w 3239999"/>
+              <a:gd name="connsiteY24-680" fmla="*/ 22 h 3032924"/>
+              <a:gd name="connsiteX25-681" fmla="*/ 1576606 w 3239999"/>
+              <a:gd name="connsiteY25-682" fmla="*/ 402054 h 3032924"/>
+              <a:gd name="connsiteX26-683" fmla="*/ 1576606 w 3239999"/>
+              <a:gd name="connsiteY26-684" fmla="*/ 430441 h 3032924"/>
+              <a:gd name="connsiteX27-685" fmla="*/ 1576606 w 3239999"/>
+              <a:gd name="connsiteY27-686" fmla="*/ 526981 h 3032924"/>
+              <a:gd name="connsiteX28-687" fmla="*/ 1576606 w 3239999"/>
+              <a:gd name="connsiteY28-688" fmla="*/ 2765302 h 3032924"/>
+              <a:gd name="connsiteX29-689" fmla="*/ 378630 w 3239999"/>
+              <a:gd name="connsiteY29-690" fmla="*/ 2472117 h 3032924"/>
+              <a:gd name="connsiteX30-691" fmla="*/ 384918 w 3239999"/>
+              <a:gd name="connsiteY30-692" fmla="*/ 526981 h 3032924"/>
+              <a:gd name="connsiteX31-693" fmla="*/ 239143 w 3239999"/>
+              <a:gd name="connsiteY31-694" fmla="*/ 526981 h 3032924"/>
+              <a:gd name="connsiteX32-695" fmla="*/ 239143 w 3239999"/>
+              <a:gd name="connsiteY32-696" fmla="*/ 2776423 h 3032924"/>
+              <a:gd name="connsiteX33-697" fmla="*/ 1576606 w 3239999"/>
+              <a:gd name="connsiteY33-698" fmla="*/ 2776423 h 3032924"/>
+              <a:gd name="connsiteX34-699" fmla="*/ 1668046 w 3239999"/>
+              <a:gd name="connsiteY34-700" fmla="*/ 2869642 h 3032924"/>
+              <a:gd name="connsiteX0-701" fmla="*/ 1576606 w 3239999"/>
+              <a:gd name="connsiteY0-702" fmla="*/ 2778202 h 3032924"/>
+              <a:gd name="connsiteX1-703" fmla="*/ 1663394 w 3239999"/>
+              <a:gd name="connsiteY1-704" fmla="*/ 2778202 h 3032924"/>
+              <a:gd name="connsiteX2-705" fmla="*/ 1663394 w 3239999"/>
+              <a:gd name="connsiteY2-706" fmla="*/ 2776423 h 3032924"/>
+              <a:gd name="connsiteX3-707" fmla="*/ 3000856 w 3239999"/>
+              <a:gd name="connsiteY3-708" fmla="*/ 2776423 h 3032924"/>
+              <a:gd name="connsiteX4-709" fmla="*/ 3000856 w 3239999"/>
+              <a:gd name="connsiteY4-710" fmla="*/ 526981 h 3032924"/>
+              <a:gd name="connsiteX5-711" fmla="*/ 2855082 w 3239999"/>
+              <a:gd name="connsiteY5-712" fmla="*/ 526981 h 3032924"/>
+              <a:gd name="connsiteX6-713" fmla="*/ 2861369 w 3239999"/>
+              <a:gd name="connsiteY6-714" fmla="*/ 2472117 h 3032924"/>
+              <a:gd name="connsiteX7-715" fmla="*/ 1663394 w 3239999"/>
+              <a:gd name="connsiteY7-716" fmla="*/ 2765302 h 3032924"/>
+              <a:gd name="connsiteX8-717" fmla="*/ 1663394 w 3239999"/>
+              <a:gd name="connsiteY8-718" fmla="*/ 526981 h 3032924"/>
+              <a:gd name="connsiteX9-719" fmla="*/ 1663394 w 3239999"/>
+              <a:gd name="connsiteY9-720" fmla="*/ 430441 h 3032924"/>
+              <a:gd name="connsiteX10-721" fmla="*/ 1663394 w 3239999"/>
+              <a:gd name="connsiteY10-722" fmla="*/ 402054 h 3032924"/>
+              <a:gd name="connsiteX11-723" fmla="*/ 2406065 w 3239999"/>
+              <a:gd name="connsiteY11-724" fmla="*/ 22 h 3032924"/>
+              <a:gd name="connsiteX12-725" fmla="*/ 2853673 w 3239999"/>
+              <a:gd name="connsiteY12-726" fmla="*/ 91100 h 3032924"/>
+              <a:gd name="connsiteX13-727" fmla="*/ 2854770 w 3239999"/>
+              <a:gd name="connsiteY13-728" fmla="*/ 430441 h 3032924"/>
+              <a:gd name="connsiteX14-729" fmla="*/ 3120669 w 3239999"/>
+              <a:gd name="connsiteY14-730" fmla="*/ 428517 h 3032924"/>
+              <a:gd name="connsiteX15-731" fmla="*/ 3120669 w 3239999"/>
+              <a:gd name="connsiteY15-732" fmla="*/ 738345 h 3032924"/>
+              <a:gd name="connsiteX16-733" fmla="*/ 3239999 w 3239999"/>
+              <a:gd name="connsiteY16-734" fmla="*/ 738345 h 3032924"/>
+              <a:gd name="connsiteX17-735" fmla="*/ 3239999 w 3239999"/>
+              <a:gd name="connsiteY17-736" fmla="*/ 3032924 h 3032924"/>
+              <a:gd name="connsiteX18-737" fmla="*/ 0 w 3239999"/>
+              <a:gd name="connsiteY18-738" fmla="*/ 3032924 h 3032924"/>
+              <a:gd name="connsiteX19-739" fmla="*/ 0 w 3239999"/>
+              <a:gd name="connsiteY19-740" fmla="*/ 738345 h 3032924"/>
+              <a:gd name="connsiteX20-741" fmla="*/ 102477 w 3239999"/>
+              <a:gd name="connsiteY20-742" fmla="*/ 738345 h 3032924"/>
+              <a:gd name="connsiteX21-743" fmla="*/ 102477 w 3239999"/>
+              <a:gd name="connsiteY21-744" fmla="*/ 428517 h 3032924"/>
+              <a:gd name="connsiteX22-745" fmla="*/ 385229 w 3239999"/>
+              <a:gd name="connsiteY22-746" fmla="*/ 430441 h 3032924"/>
+              <a:gd name="connsiteX23-747" fmla="*/ 386326 w 3239999"/>
+              <a:gd name="connsiteY23-748" fmla="*/ 91100 h 3032924"/>
+              <a:gd name="connsiteX24-749" fmla="*/ 833935 w 3239999"/>
+              <a:gd name="connsiteY24-750" fmla="*/ 22 h 3032924"/>
+              <a:gd name="connsiteX25-751" fmla="*/ 1576606 w 3239999"/>
+              <a:gd name="connsiteY25-752" fmla="*/ 402054 h 3032924"/>
+              <a:gd name="connsiteX26-753" fmla="*/ 1576606 w 3239999"/>
+              <a:gd name="connsiteY26-754" fmla="*/ 430441 h 3032924"/>
+              <a:gd name="connsiteX27-755" fmla="*/ 1576606 w 3239999"/>
+              <a:gd name="connsiteY27-756" fmla="*/ 526981 h 3032924"/>
+              <a:gd name="connsiteX28-757" fmla="*/ 1576606 w 3239999"/>
+              <a:gd name="connsiteY28-758" fmla="*/ 2765302 h 3032924"/>
+              <a:gd name="connsiteX29-759" fmla="*/ 378630 w 3239999"/>
+              <a:gd name="connsiteY29-760" fmla="*/ 2472117 h 3032924"/>
+              <a:gd name="connsiteX30-761" fmla="*/ 384918 w 3239999"/>
+              <a:gd name="connsiteY30-762" fmla="*/ 526981 h 3032924"/>
+              <a:gd name="connsiteX31-763" fmla="*/ 239143 w 3239999"/>
+              <a:gd name="connsiteY31-764" fmla="*/ 526981 h 3032924"/>
+              <a:gd name="connsiteX32-765" fmla="*/ 239143 w 3239999"/>
+              <a:gd name="connsiteY32-766" fmla="*/ 2776423 h 3032924"/>
+              <a:gd name="connsiteX33-767" fmla="*/ 1576606 w 3239999"/>
+              <a:gd name="connsiteY33-768" fmla="*/ 2776423 h 3032924"/>
+              <a:gd name="connsiteX34-769" fmla="*/ 1668046 w 3239999"/>
+              <a:gd name="connsiteY34-770" fmla="*/ 2869642 h 3032924"/>
+              <a:gd name="connsiteX0-771" fmla="*/ 1576606 w 3239999"/>
+              <a:gd name="connsiteY0-772" fmla="*/ 2778202 h 3032924"/>
+              <a:gd name="connsiteX1-773" fmla="*/ 1663394 w 3239999"/>
+              <a:gd name="connsiteY1-774" fmla="*/ 2778202 h 3032924"/>
+              <a:gd name="connsiteX2-775" fmla="*/ 1663394 w 3239999"/>
+              <a:gd name="connsiteY2-776" fmla="*/ 2776423 h 3032924"/>
+              <a:gd name="connsiteX3-777" fmla="*/ 3000856 w 3239999"/>
+              <a:gd name="connsiteY3-778" fmla="*/ 2776423 h 3032924"/>
+              <a:gd name="connsiteX4-779" fmla="*/ 3000856 w 3239999"/>
+              <a:gd name="connsiteY4-780" fmla="*/ 526981 h 3032924"/>
+              <a:gd name="connsiteX5-781" fmla="*/ 2855082 w 3239999"/>
+              <a:gd name="connsiteY5-782" fmla="*/ 526981 h 3032924"/>
+              <a:gd name="connsiteX6-783" fmla="*/ 2861369 w 3239999"/>
+              <a:gd name="connsiteY6-784" fmla="*/ 2472117 h 3032924"/>
+              <a:gd name="connsiteX7-785" fmla="*/ 1663394 w 3239999"/>
+              <a:gd name="connsiteY7-786" fmla="*/ 2765302 h 3032924"/>
+              <a:gd name="connsiteX8-787" fmla="*/ 1663394 w 3239999"/>
+              <a:gd name="connsiteY8-788" fmla="*/ 526981 h 3032924"/>
+              <a:gd name="connsiteX9-789" fmla="*/ 1663394 w 3239999"/>
+              <a:gd name="connsiteY9-790" fmla="*/ 430441 h 3032924"/>
+              <a:gd name="connsiteX10-791" fmla="*/ 1663394 w 3239999"/>
+              <a:gd name="connsiteY10-792" fmla="*/ 402054 h 3032924"/>
+              <a:gd name="connsiteX11-793" fmla="*/ 2406065 w 3239999"/>
+              <a:gd name="connsiteY11-794" fmla="*/ 22 h 3032924"/>
+              <a:gd name="connsiteX12-795" fmla="*/ 2853673 w 3239999"/>
+              <a:gd name="connsiteY12-796" fmla="*/ 91100 h 3032924"/>
+              <a:gd name="connsiteX13-797" fmla="*/ 2854770 w 3239999"/>
+              <a:gd name="connsiteY13-798" fmla="*/ 430441 h 3032924"/>
+              <a:gd name="connsiteX14-799" fmla="*/ 3120669 w 3239999"/>
+              <a:gd name="connsiteY14-800" fmla="*/ 428517 h 3032924"/>
+              <a:gd name="connsiteX15-801" fmla="*/ 3120669 w 3239999"/>
+              <a:gd name="connsiteY15-802" fmla="*/ 738345 h 3032924"/>
+              <a:gd name="connsiteX16-803" fmla="*/ 3239999 w 3239999"/>
+              <a:gd name="connsiteY16-804" fmla="*/ 738345 h 3032924"/>
+              <a:gd name="connsiteX17-805" fmla="*/ 3239999 w 3239999"/>
+              <a:gd name="connsiteY17-806" fmla="*/ 3032924 h 3032924"/>
+              <a:gd name="connsiteX18-807" fmla="*/ 0 w 3239999"/>
+              <a:gd name="connsiteY18-808" fmla="*/ 3032924 h 3032924"/>
+              <a:gd name="connsiteX19-809" fmla="*/ 0 w 3239999"/>
+              <a:gd name="connsiteY19-810" fmla="*/ 738345 h 3032924"/>
+              <a:gd name="connsiteX20-811" fmla="*/ 102477 w 3239999"/>
+              <a:gd name="connsiteY20-812" fmla="*/ 738345 h 3032924"/>
+              <a:gd name="connsiteX21-813" fmla="*/ 102477 w 3239999"/>
+              <a:gd name="connsiteY21-814" fmla="*/ 428517 h 3032924"/>
+              <a:gd name="connsiteX22-815" fmla="*/ 385229 w 3239999"/>
+              <a:gd name="connsiteY22-816" fmla="*/ 430441 h 3032924"/>
+              <a:gd name="connsiteX23-817" fmla="*/ 386326 w 3239999"/>
+              <a:gd name="connsiteY23-818" fmla="*/ 91100 h 3032924"/>
+              <a:gd name="connsiteX24-819" fmla="*/ 833935 w 3239999"/>
+              <a:gd name="connsiteY24-820" fmla="*/ 22 h 3032924"/>
+              <a:gd name="connsiteX25-821" fmla="*/ 1576606 w 3239999"/>
+              <a:gd name="connsiteY25-822" fmla="*/ 402054 h 3032924"/>
+              <a:gd name="connsiteX26-823" fmla="*/ 1576606 w 3239999"/>
+              <a:gd name="connsiteY26-824" fmla="*/ 430441 h 3032924"/>
+              <a:gd name="connsiteX27-825" fmla="*/ 1576606 w 3239999"/>
+              <a:gd name="connsiteY27-826" fmla="*/ 526981 h 3032924"/>
+              <a:gd name="connsiteX28-827" fmla="*/ 1576606 w 3239999"/>
+              <a:gd name="connsiteY28-828" fmla="*/ 2765302 h 3032924"/>
+              <a:gd name="connsiteX29-829" fmla="*/ 378630 w 3239999"/>
+              <a:gd name="connsiteY29-830" fmla="*/ 2472117 h 3032924"/>
+              <a:gd name="connsiteX30-831" fmla="*/ 384918 w 3239999"/>
+              <a:gd name="connsiteY30-832" fmla="*/ 526981 h 3032924"/>
+              <a:gd name="connsiteX31-833" fmla="*/ 239143 w 3239999"/>
+              <a:gd name="connsiteY31-834" fmla="*/ 526981 h 3032924"/>
+              <a:gd name="connsiteX32-835" fmla="*/ 239143 w 3239999"/>
+              <a:gd name="connsiteY32-836" fmla="*/ 2776423 h 3032924"/>
+              <a:gd name="connsiteX33-837" fmla="*/ 1576606 w 3239999"/>
+              <a:gd name="connsiteY33-838" fmla="*/ 2776423 h 3032924"/>
+              <a:gd name="connsiteX34-839" fmla="*/ 1668046 w 3239999"/>
+              <a:gd name="connsiteY34-840" fmla="*/ 2869642 h 3032924"/>
+              <a:gd name="connsiteX0-841" fmla="*/ 1576606 w 3239999"/>
+              <a:gd name="connsiteY0-842" fmla="*/ 2778202 h 3032924"/>
+              <a:gd name="connsiteX1-843" fmla="*/ 1663394 w 3239999"/>
+              <a:gd name="connsiteY1-844" fmla="*/ 2778202 h 3032924"/>
+              <a:gd name="connsiteX2-845" fmla="*/ 1663394 w 3239999"/>
+              <a:gd name="connsiteY2-846" fmla="*/ 2776423 h 3032924"/>
+              <a:gd name="connsiteX3-847" fmla="*/ 3000856 w 3239999"/>
+              <a:gd name="connsiteY3-848" fmla="*/ 2776423 h 3032924"/>
+              <a:gd name="connsiteX4-849" fmla="*/ 3000856 w 3239999"/>
+              <a:gd name="connsiteY4-850" fmla="*/ 526981 h 3032924"/>
+              <a:gd name="connsiteX5-851" fmla="*/ 2855082 w 3239999"/>
+              <a:gd name="connsiteY5-852" fmla="*/ 526981 h 3032924"/>
+              <a:gd name="connsiteX6-853" fmla="*/ 2861369 w 3239999"/>
+              <a:gd name="connsiteY6-854" fmla="*/ 2472117 h 3032924"/>
+              <a:gd name="connsiteX7-855" fmla="*/ 1663394 w 3239999"/>
+              <a:gd name="connsiteY7-856" fmla="*/ 2765302 h 3032924"/>
+              <a:gd name="connsiteX8-857" fmla="*/ 1663394 w 3239999"/>
+              <a:gd name="connsiteY8-858" fmla="*/ 526981 h 3032924"/>
+              <a:gd name="connsiteX9-859" fmla="*/ 1663394 w 3239999"/>
+              <a:gd name="connsiteY9-860" fmla="*/ 430441 h 3032924"/>
+              <a:gd name="connsiteX10-861" fmla="*/ 1663394 w 3239999"/>
+              <a:gd name="connsiteY10-862" fmla="*/ 402054 h 3032924"/>
+              <a:gd name="connsiteX11-863" fmla="*/ 2406065 w 3239999"/>
+              <a:gd name="connsiteY11-864" fmla="*/ 22 h 3032924"/>
+              <a:gd name="connsiteX12-865" fmla="*/ 2853673 w 3239999"/>
+              <a:gd name="connsiteY12-866" fmla="*/ 91100 h 3032924"/>
+              <a:gd name="connsiteX13-867" fmla="*/ 2854770 w 3239999"/>
+              <a:gd name="connsiteY13-868" fmla="*/ 430441 h 3032924"/>
+              <a:gd name="connsiteX14-869" fmla="*/ 3120669 w 3239999"/>
+              <a:gd name="connsiteY14-870" fmla="*/ 428517 h 3032924"/>
+              <a:gd name="connsiteX15-871" fmla="*/ 3120669 w 3239999"/>
+              <a:gd name="connsiteY15-872" fmla="*/ 738345 h 3032924"/>
+              <a:gd name="connsiteX16-873" fmla="*/ 3239999 w 3239999"/>
+              <a:gd name="connsiteY16-874" fmla="*/ 738345 h 3032924"/>
+              <a:gd name="connsiteX17-875" fmla="*/ 3239999 w 3239999"/>
+              <a:gd name="connsiteY17-876" fmla="*/ 3032924 h 3032924"/>
+              <a:gd name="connsiteX18-877" fmla="*/ 0 w 3239999"/>
+              <a:gd name="connsiteY18-878" fmla="*/ 3032924 h 3032924"/>
+              <a:gd name="connsiteX19-879" fmla="*/ 0 w 3239999"/>
+              <a:gd name="connsiteY19-880" fmla="*/ 738345 h 3032924"/>
+              <a:gd name="connsiteX20-881" fmla="*/ 102477 w 3239999"/>
+              <a:gd name="connsiteY20-882" fmla="*/ 738345 h 3032924"/>
+              <a:gd name="connsiteX21-883" fmla="*/ 102477 w 3239999"/>
+              <a:gd name="connsiteY21-884" fmla="*/ 428517 h 3032924"/>
+              <a:gd name="connsiteX22-885" fmla="*/ 385229 w 3239999"/>
+              <a:gd name="connsiteY22-886" fmla="*/ 430441 h 3032924"/>
+              <a:gd name="connsiteX23-887" fmla="*/ 386326 w 3239999"/>
+              <a:gd name="connsiteY23-888" fmla="*/ 91100 h 3032924"/>
+              <a:gd name="connsiteX24-889" fmla="*/ 833935 w 3239999"/>
+              <a:gd name="connsiteY24-890" fmla="*/ 22 h 3032924"/>
+              <a:gd name="connsiteX25-891" fmla="*/ 1576606 w 3239999"/>
+              <a:gd name="connsiteY25-892" fmla="*/ 402054 h 3032924"/>
+              <a:gd name="connsiteX26-893" fmla="*/ 1576606 w 3239999"/>
+              <a:gd name="connsiteY26-894" fmla="*/ 430441 h 3032924"/>
+              <a:gd name="connsiteX27-895" fmla="*/ 1576606 w 3239999"/>
+              <a:gd name="connsiteY27-896" fmla="*/ 526981 h 3032924"/>
+              <a:gd name="connsiteX28-897" fmla="*/ 1576606 w 3239999"/>
+              <a:gd name="connsiteY28-898" fmla="*/ 2765302 h 3032924"/>
+              <a:gd name="connsiteX29-899" fmla="*/ 378630 w 3239999"/>
+              <a:gd name="connsiteY29-900" fmla="*/ 2472117 h 3032924"/>
+              <a:gd name="connsiteX30-901" fmla="*/ 384918 w 3239999"/>
+              <a:gd name="connsiteY30-902" fmla="*/ 526981 h 3032924"/>
+              <a:gd name="connsiteX31-903" fmla="*/ 239143 w 3239999"/>
+              <a:gd name="connsiteY31-904" fmla="*/ 526981 h 3032924"/>
+              <a:gd name="connsiteX32-905" fmla="*/ 239143 w 3239999"/>
+              <a:gd name="connsiteY32-906" fmla="*/ 2776423 h 3032924"/>
+              <a:gd name="connsiteX33-907" fmla="*/ 1576606 w 3239999"/>
+              <a:gd name="connsiteY33-908" fmla="*/ 2776423 h 3032924"/>
+              <a:gd name="connsiteX34-909" fmla="*/ 1668046 w 3239999"/>
+              <a:gd name="connsiteY34-910" fmla="*/ 2869642 h 3032924"/>
+              <a:gd name="connsiteX0-911" fmla="*/ 1576606 w 3239999"/>
+              <a:gd name="connsiteY0-912" fmla="*/ 2778202 h 3032924"/>
+              <a:gd name="connsiteX1-913" fmla="*/ 1663394 w 3239999"/>
+              <a:gd name="connsiteY1-914" fmla="*/ 2778202 h 3032924"/>
+              <a:gd name="connsiteX2-915" fmla="*/ 1663394 w 3239999"/>
+              <a:gd name="connsiteY2-916" fmla="*/ 2776423 h 3032924"/>
+              <a:gd name="connsiteX3-917" fmla="*/ 3000856 w 3239999"/>
+              <a:gd name="connsiteY3-918" fmla="*/ 2776423 h 3032924"/>
+              <a:gd name="connsiteX4-919" fmla="*/ 3000856 w 3239999"/>
+              <a:gd name="connsiteY4-920" fmla="*/ 526981 h 3032924"/>
+              <a:gd name="connsiteX5-921" fmla="*/ 2855082 w 3239999"/>
+              <a:gd name="connsiteY5-922" fmla="*/ 526981 h 3032924"/>
+              <a:gd name="connsiteX6-923" fmla="*/ 2861369 w 3239999"/>
+              <a:gd name="connsiteY6-924" fmla="*/ 2472117 h 3032924"/>
+              <a:gd name="connsiteX7-925" fmla="*/ 1663394 w 3239999"/>
+              <a:gd name="connsiteY7-926" fmla="*/ 2765302 h 3032924"/>
+              <a:gd name="connsiteX8-927" fmla="*/ 1663394 w 3239999"/>
+              <a:gd name="connsiteY8-928" fmla="*/ 526981 h 3032924"/>
+              <a:gd name="connsiteX9-929" fmla="*/ 1663394 w 3239999"/>
+              <a:gd name="connsiteY9-930" fmla="*/ 430441 h 3032924"/>
+              <a:gd name="connsiteX10-931" fmla="*/ 1663394 w 3239999"/>
+              <a:gd name="connsiteY10-932" fmla="*/ 402054 h 3032924"/>
+              <a:gd name="connsiteX11-933" fmla="*/ 2406065 w 3239999"/>
+              <a:gd name="connsiteY11-934" fmla="*/ 22 h 3032924"/>
+              <a:gd name="connsiteX12-935" fmla="*/ 2853673 w 3239999"/>
+              <a:gd name="connsiteY12-936" fmla="*/ 91100 h 3032924"/>
+              <a:gd name="connsiteX13-937" fmla="*/ 2854770 w 3239999"/>
+              <a:gd name="connsiteY13-938" fmla="*/ 430441 h 3032924"/>
+              <a:gd name="connsiteX14-939" fmla="*/ 3120669 w 3239999"/>
+              <a:gd name="connsiteY14-940" fmla="*/ 428517 h 3032924"/>
+              <a:gd name="connsiteX15-941" fmla="*/ 3120669 w 3239999"/>
+              <a:gd name="connsiteY15-942" fmla="*/ 738345 h 3032924"/>
+              <a:gd name="connsiteX16-943" fmla="*/ 3239999 w 3239999"/>
+              <a:gd name="connsiteY16-944" fmla="*/ 738345 h 3032924"/>
+              <a:gd name="connsiteX17-945" fmla="*/ 3239999 w 3239999"/>
+              <a:gd name="connsiteY17-946" fmla="*/ 3032924 h 3032924"/>
+              <a:gd name="connsiteX18-947" fmla="*/ 0 w 3239999"/>
+              <a:gd name="connsiteY18-948" fmla="*/ 3032924 h 3032924"/>
+              <a:gd name="connsiteX19-949" fmla="*/ 0 w 3239999"/>
+              <a:gd name="connsiteY19-950" fmla="*/ 738345 h 3032924"/>
+              <a:gd name="connsiteX20-951" fmla="*/ 102477 w 3239999"/>
+              <a:gd name="connsiteY20-952" fmla="*/ 738345 h 3032924"/>
+              <a:gd name="connsiteX21-953" fmla="*/ 102477 w 3239999"/>
+              <a:gd name="connsiteY21-954" fmla="*/ 428517 h 3032924"/>
+              <a:gd name="connsiteX22-955" fmla="*/ 385229 w 3239999"/>
+              <a:gd name="connsiteY22-956" fmla="*/ 430441 h 3032924"/>
+              <a:gd name="connsiteX23-957" fmla="*/ 386326 w 3239999"/>
+              <a:gd name="connsiteY23-958" fmla="*/ 91100 h 3032924"/>
+              <a:gd name="connsiteX24-959" fmla="*/ 833935 w 3239999"/>
+              <a:gd name="connsiteY24-960" fmla="*/ 22 h 3032924"/>
+              <a:gd name="connsiteX25-961" fmla="*/ 1576606 w 3239999"/>
+              <a:gd name="connsiteY25-962" fmla="*/ 402054 h 3032924"/>
+              <a:gd name="connsiteX26-963" fmla="*/ 1576606 w 3239999"/>
+              <a:gd name="connsiteY26-964" fmla="*/ 430441 h 3032924"/>
+              <a:gd name="connsiteX27-965" fmla="*/ 1576606 w 3239999"/>
+              <a:gd name="connsiteY27-966" fmla="*/ 526981 h 3032924"/>
+              <a:gd name="connsiteX28-967" fmla="*/ 1576606 w 3239999"/>
+              <a:gd name="connsiteY28-968" fmla="*/ 2765302 h 3032924"/>
+              <a:gd name="connsiteX29-969" fmla="*/ 378630 w 3239999"/>
+              <a:gd name="connsiteY29-970" fmla="*/ 2472117 h 3032924"/>
+              <a:gd name="connsiteX30-971" fmla="*/ 384918 w 3239999"/>
+              <a:gd name="connsiteY30-972" fmla="*/ 526981 h 3032924"/>
+              <a:gd name="connsiteX31-973" fmla="*/ 239143 w 3239999"/>
+              <a:gd name="connsiteY31-974" fmla="*/ 526981 h 3032924"/>
+              <a:gd name="connsiteX32-975" fmla="*/ 239143 w 3239999"/>
+              <a:gd name="connsiteY32-976" fmla="*/ 2776423 h 3032924"/>
+              <a:gd name="connsiteX33-977" fmla="*/ 1576606 w 3239999"/>
+              <a:gd name="connsiteY33-978" fmla="*/ 2776423 h 3032924"/>
+              <a:gd name="connsiteX34-979" fmla="*/ 1668046 w 3239999"/>
+              <a:gd name="connsiteY34-980" fmla="*/ 2869642 h 3032924"/>
+              <a:gd name="connsiteX0-981" fmla="*/ 1576606 w 3239999"/>
+              <a:gd name="connsiteY0-982" fmla="*/ 2778202 h 3032924"/>
+              <a:gd name="connsiteX1-983" fmla="*/ 1663394 w 3239999"/>
+              <a:gd name="connsiteY1-984" fmla="*/ 2778202 h 3032924"/>
+              <a:gd name="connsiteX2-985" fmla="*/ 1663394 w 3239999"/>
+              <a:gd name="connsiteY2-986" fmla="*/ 2776423 h 3032924"/>
+              <a:gd name="connsiteX3-987" fmla="*/ 3000856 w 3239999"/>
+              <a:gd name="connsiteY3-988" fmla="*/ 2776423 h 3032924"/>
+              <a:gd name="connsiteX4-989" fmla="*/ 3000856 w 3239999"/>
+              <a:gd name="connsiteY4-990" fmla="*/ 526981 h 3032924"/>
+              <a:gd name="connsiteX5-991" fmla="*/ 2855082 w 3239999"/>
+              <a:gd name="connsiteY5-992" fmla="*/ 526981 h 3032924"/>
+              <a:gd name="connsiteX6-993" fmla="*/ 2861369 w 3239999"/>
+              <a:gd name="connsiteY6-994" fmla="*/ 2472117 h 3032924"/>
+              <a:gd name="connsiteX7-995" fmla="*/ 1663394 w 3239999"/>
+              <a:gd name="connsiteY7-996" fmla="*/ 2765302 h 3032924"/>
+              <a:gd name="connsiteX8-997" fmla="*/ 1663394 w 3239999"/>
+              <a:gd name="connsiteY8-998" fmla="*/ 526981 h 3032924"/>
+              <a:gd name="connsiteX9-999" fmla="*/ 1663394 w 3239999"/>
+              <a:gd name="connsiteY9-1000" fmla="*/ 430441 h 3032924"/>
+              <a:gd name="connsiteX10-1001" fmla="*/ 1663394 w 3239999"/>
+              <a:gd name="connsiteY10-1002" fmla="*/ 402054 h 3032924"/>
+              <a:gd name="connsiteX11-1003" fmla="*/ 2406065 w 3239999"/>
+              <a:gd name="connsiteY11-1004" fmla="*/ 22 h 3032924"/>
+              <a:gd name="connsiteX12-1005" fmla="*/ 2853673 w 3239999"/>
+              <a:gd name="connsiteY12-1006" fmla="*/ 91100 h 3032924"/>
+              <a:gd name="connsiteX13-1007" fmla="*/ 2854770 w 3239999"/>
+              <a:gd name="connsiteY13-1008" fmla="*/ 430441 h 3032924"/>
+              <a:gd name="connsiteX14-1009" fmla="*/ 3120669 w 3239999"/>
+              <a:gd name="connsiteY14-1010" fmla="*/ 428517 h 3032924"/>
+              <a:gd name="connsiteX15-1011" fmla="*/ 3120669 w 3239999"/>
+              <a:gd name="connsiteY15-1012" fmla="*/ 738345 h 3032924"/>
+              <a:gd name="connsiteX16-1013" fmla="*/ 3239999 w 3239999"/>
+              <a:gd name="connsiteY16-1014" fmla="*/ 738345 h 3032924"/>
+              <a:gd name="connsiteX17-1015" fmla="*/ 3239999 w 3239999"/>
+              <a:gd name="connsiteY17-1016" fmla="*/ 3032924 h 3032924"/>
+              <a:gd name="connsiteX18-1017" fmla="*/ 0 w 3239999"/>
+              <a:gd name="connsiteY18-1018" fmla="*/ 3032924 h 3032924"/>
+              <a:gd name="connsiteX19-1019" fmla="*/ 0 w 3239999"/>
+              <a:gd name="connsiteY19-1020" fmla="*/ 738345 h 3032924"/>
+              <a:gd name="connsiteX20-1021" fmla="*/ 102477 w 3239999"/>
+              <a:gd name="connsiteY20-1022" fmla="*/ 738345 h 3032924"/>
+              <a:gd name="connsiteX21-1023" fmla="*/ 102477 w 3239999"/>
+              <a:gd name="connsiteY21-1024" fmla="*/ 428517 h 3032924"/>
+              <a:gd name="connsiteX22-1025" fmla="*/ 385229 w 3239999"/>
+              <a:gd name="connsiteY22-1026" fmla="*/ 430441 h 3032924"/>
+              <a:gd name="connsiteX23-1027" fmla="*/ 386326 w 3239999"/>
+              <a:gd name="connsiteY23-1028" fmla="*/ 91100 h 3032924"/>
+              <a:gd name="connsiteX24-1029" fmla="*/ 833935 w 3239999"/>
+              <a:gd name="connsiteY24-1030" fmla="*/ 22 h 3032924"/>
+              <a:gd name="connsiteX25-1031" fmla="*/ 1576606 w 3239999"/>
+              <a:gd name="connsiteY25-1032" fmla="*/ 402054 h 3032924"/>
+              <a:gd name="connsiteX26-1033" fmla="*/ 1576606 w 3239999"/>
+              <a:gd name="connsiteY26-1034" fmla="*/ 430441 h 3032924"/>
+              <a:gd name="connsiteX27-1035" fmla="*/ 1576606 w 3239999"/>
+              <a:gd name="connsiteY27-1036" fmla="*/ 526981 h 3032924"/>
+              <a:gd name="connsiteX28-1037" fmla="*/ 1576606 w 3239999"/>
+              <a:gd name="connsiteY28-1038" fmla="*/ 2765302 h 3032924"/>
+              <a:gd name="connsiteX29-1039" fmla="*/ 378630 w 3239999"/>
+              <a:gd name="connsiteY29-1040" fmla="*/ 2472117 h 3032924"/>
+              <a:gd name="connsiteX30-1041" fmla="*/ 384918 w 3239999"/>
+              <a:gd name="connsiteY30-1042" fmla="*/ 526981 h 3032924"/>
+              <a:gd name="connsiteX31-1043" fmla="*/ 239143 w 3239999"/>
+              <a:gd name="connsiteY31-1044" fmla="*/ 526981 h 3032924"/>
+              <a:gd name="connsiteX32-1045" fmla="*/ 239143 w 3239999"/>
+              <a:gd name="connsiteY32-1046" fmla="*/ 2776423 h 3032924"/>
+              <a:gd name="connsiteX33-1047" fmla="*/ 1576606 w 3239999"/>
+              <a:gd name="connsiteY33-1048" fmla="*/ 2776423 h 3032924"/>
+              <a:gd name="connsiteX34-1049" fmla="*/ 1668046 w 3239999"/>
+              <a:gd name="connsiteY34-1050" fmla="*/ 2869642 h 3032924"/>
+              <a:gd name="connsiteX0-1051" fmla="*/ 1576606 w 3239999"/>
+              <a:gd name="connsiteY0-1052" fmla="*/ 2778202 h 3032924"/>
+              <a:gd name="connsiteX1-1053" fmla="*/ 1663394 w 3239999"/>
+              <a:gd name="connsiteY1-1054" fmla="*/ 2778202 h 3032924"/>
+              <a:gd name="connsiteX2-1055" fmla="*/ 1663394 w 3239999"/>
+              <a:gd name="connsiteY2-1056" fmla="*/ 2776423 h 3032924"/>
+              <a:gd name="connsiteX3-1057" fmla="*/ 3000856 w 3239999"/>
+              <a:gd name="connsiteY3-1058" fmla="*/ 2776423 h 3032924"/>
+              <a:gd name="connsiteX4-1059" fmla="*/ 3000856 w 3239999"/>
+              <a:gd name="connsiteY4-1060" fmla="*/ 526981 h 3032924"/>
+              <a:gd name="connsiteX5-1061" fmla="*/ 2855082 w 3239999"/>
+              <a:gd name="connsiteY5-1062" fmla="*/ 526981 h 3032924"/>
+              <a:gd name="connsiteX6-1063" fmla="*/ 2861369 w 3239999"/>
+              <a:gd name="connsiteY6-1064" fmla="*/ 2472117 h 3032924"/>
+              <a:gd name="connsiteX7-1065" fmla="*/ 1663394 w 3239999"/>
+              <a:gd name="connsiteY7-1066" fmla="*/ 2765302 h 3032924"/>
+              <a:gd name="connsiteX8-1067" fmla="*/ 1663394 w 3239999"/>
+              <a:gd name="connsiteY8-1068" fmla="*/ 526981 h 3032924"/>
+              <a:gd name="connsiteX9-1069" fmla="*/ 1663394 w 3239999"/>
+              <a:gd name="connsiteY9-1070" fmla="*/ 430441 h 3032924"/>
+              <a:gd name="connsiteX10-1071" fmla="*/ 1663394 w 3239999"/>
+              <a:gd name="connsiteY10-1072" fmla="*/ 402054 h 3032924"/>
+              <a:gd name="connsiteX11-1073" fmla="*/ 2406065 w 3239999"/>
+              <a:gd name="connsiteY11-1074" fmla="*/ 22 h 3032924"/>
+              <a:gd name="connsiteX12-1075" fmla="*/ 2853673 w 3239999"/>
+              <a:gd name="connsiteY12-1076" fmla="*/ 91100 h 3032924"/>
+              <a:gd name="connsiteX13-1077" fmla="*/ 2854770 w 3239999"/>
+              <a:gd name="connsiteY13-1078" fmla="*/ 430441 h 3032924"/>
+              <a:gd name="connsiteX14-1079" fmla="*/ 3120669 w 3239999"/>
+              <a:gd name="connsiteY14-1080" fmla="*/ 428517 h 3032924"/>
+              <a:gd name="connsiteX15-1081" fmla="*/ 3120669 w 3239999"/>
+              <a:gd name="connsiteY15-1082" fmla="*/ 738345 h 3032924"/>
+              <a:gd name="connsiteX16-1083" fmla="*/ 3239999 w 3239999"/>
+              <a:gd name="connsiteY16-1084" fmla="*/ 738345 h 3032924"/>
+              <a:gd name="connsiteX17-1085" fmla="*/ 3239999 w 3239999"/>
+              <a:gd name="connsiteY17-1086" fmla="*/ 3032924 h 3032924"/>
+              <a:gd name="connsiteX18-1087" fmla="*/ 0 w 3239999"/>
+              <a:gd name="connsiteY18-1088" fmla="*/ 3032924 h 3032924"/>
+              <a:gd name="connsiteX19-1089" fmla="*/ 0 w 3239999"/>
+              <a:gd name="connsiteY19-1090" fmla="*/ 738345 h 3032924"/>
+              <a:gd name="connsiteX20-1091" fmla="*/ 102477 w 3239999"/>
+              <a:gd name="connsiteY20-1092" fmla="*/ 738345 h 3032924"/>
+              <a:gd name="connsiteX21-1093" fmla="*/ 102477 w 3239999"/>
+              <a:gd name="connsiteY21-1094" fmla="*/ 428517 h 3032924"/>
+              <a:gd name="connsiteX22-1095" fmla="*/ 385229 w 3239999"/>
+              <a:gd name="connsiteY22-1096" fmla="*/ 430441 h 3032924"/>
+              <a:gd name="connsiteX23-1097" fmla="*/ 386326 w 3239999"/>
+              <a:gd name="connsiteY23-1098" fmla="*/ 91100 h 3032924"/>
+              <a:gd name="connsiteX24-1099" fmla="*/ 833935 w 3239999"/>
+              <a:gd name="connsiteY24-1100" fmla="*/ 22 h 3032924"/>
+              <a:gd name="connsiteX25-1101" fmla="*/ 1576606 w 3239999"/>
+              <a:gd name="connsiteY25-1102" fmla="*/ 402054 h 3032924"/>
+              <a:gd name="connsiteX26-1103" fmla="*/ 1576606 w 3239999"/>
+              <a:gd name="connsiteY26-1104" fmla="*/ 430441 h 3032924"/>
+              <a:gd name="connsiteX27-1105" fmla="*/ 1576606 w 3239999"/>
+              <a:gd name="connsiteY27-1106" fmla="*/ 526981 h 3032924"/>
+              <a:gd name="connsiteX28-1107" fmla="*/ 1576606 w 3239999"/>
+              <a:gd name="connsiteY28-1108" fmla="*/ 2765302 h 3032924"/>
+              <a:gd name="connsiteX29-1109" fmla="*/ 378630 w 3239999"/>
+              <a:gd name="connsiteY29-1110" fmla="*/ 2472117 h 3032924"/>
+              <a:gd name="connsiteX30-1111" fmla="*/ 384918 w 3239999"/>
+              <a:gd name="connsiteY30-1112" fmla="*/ 526981 h 3032924"/>
+              <a:gd name="connsiteX31-1113" fmla="*/ 239143 w 3239999"/>
+              <a:gd name="connsiteY31-1114" fmla="*/ 526981 h 3032924"/>
+              <a:gd name="connsiteX32-1115" fmla="*/ 239143 w 3239999"/>
+              <a:gd name="connsiteY32-1116" fmla="*/ 2776423 h 3032924"/>
+              <a:gd name="connsiteX33-1117" fmla="*/ 1576606 w 3239999"/>
+              <a:gd name="connsiteY33-1118" fmla="*/ 2776423 h 3032924"/>
+              <a:gd name="connsiteX0-1119" fmla="*/ 1576606 w 3239999"/>
+              <a:gd name="connsiteY0-1120" fmla="*/ 2778202 h 3032924"/>
+              <a:gd name="connsiteX1-1121" fmla="*/ 1663394 w 3239999"/>
+              <a:gd name="connsiteY1-1122" fmla="*/ 2778202 h 3032924"/>
+              <a:gd name="connsiteX2-1123" fmla="*/ 1663394 w 3239999"/>
+              <a:gd name="connsiteY2-1124" fmla="*/ 2776423 h 3032924"/>
+              <a:gd name="connsiteX3-1125" fmla="*/ 3000856 w 3239999"/>
+              <a:gd name="connsiteY3-1126" fmla="*/ 2776423 h 3032924"/>
+              <a:gd name="connsiteX4-1127" fmla="*/ 3000856 w 3239999"/>
+              <a:gd name="connsiteY4-1128" fmla="*/ 526981 h 3032924"/>
+              <a:gd name="connsiteX5-1129" fmla="*/ 2855082 w 3239999"/>
+              <a:gd name="connsiteY5-1130" fmla="*/ 526981 h 3032924"/>
+              <a:gd name="connsiteX6-1131" fmla="*/ 2861369 w 3239999"/>
+              <a:gd name="connsiteY6-1132" fmla="*/ 2472117 h 3032924"/>
+              <a:gd name="connsiteX7-1133" fmla="*/ 1663394 w 3239999"/>
+              <a:gd name="connsiteY7-1134" fmla="*/ 2765302 h 3032924"/>
+              <a:gd name="connsiteX8-1135" fmla="*/ 1663394 w 3239999"/>
+              <a:gd name="connsiteY8-1136" fmla="*/ 526981 h 3032924"/>
+              <a:gd name="connsiteX9-1137" fmla="*/ 1663394 w 3239999"/>
+              <a:gd name="connsiteY9-1138" fmla="*/ 430441 h 3032924"/>
+              <a:gd name="connsiteX10-1139" fmla="*/ 1663394 w 3239999"/>
+              <a:gd name="connsiteY10-1140" fmla="*/ 402054 h 3032924"/>
+              <a:gd name="connsiteX11-1141" fmla="*/ 2406065 w 3239999"/>
+              <a:gd name="connsiteY11-1142" fmla="*/ 22 h 3032924"/>
+              <a:gd name="connsiteX12-1143" fmla="*/ 2853673 w 3239999"/>
+              <a:gd name="connsiteY12-1144" fmla="*/ 91100 h 3032924"/>
+              <a:gd name="connsiteX13-1145" fmla="*/ 2854770 w 3239999"/>
+              <a:gd name="connsiteY13-1146" fmla="*/ 430441 h 3032924"/>
+              <a:gd name="connsiteX14-1147" fmla="*/ 3120669 w 3239999"/>
+              <a:gd name="connsiteY14-1148" fmla="*/ 428517 h 3032924"/>
+              <a:gd name="connsiteX15-1149" fmla="*/ 3120669 w 3239999"/>
+              <a:gd name="connsiteY15-1150" fmla="*/ 738345 h 3032924"/>
+              <a:gd name="connsiteX16-1151" fmla="*/ 3239999 w 3239999"/>
+              <a:gd name="connsiteY16-1152" fmla="*/ 738345 h 3032924"/>
+              <a:gd name="connsiteX17-1153" fmla="*/ 3239999 w 3239999"/>
+              <a:gd name="connsiteY17-1154" fmla="*/ 3032924 h 3032924"/>
+              <a:gd name="connsiteX18-1155" fmla="*/ 0 w 3239999"/>
+              <a:gd name="connsiteY18-1156" fmla="*/ 3032924 h 3032924"/>
+              <a:gd name="connsiteX19-1157" fmla="*/ 0 w 3239999"/>
+              <a:gd name="connsiteY19-1158" fmla="*/ 738345 h 3032924"/>
+              <a:gd name="connsiteX20-1159" fmla="*/ 102477 w 3239999"/>
+              <a:gd name="connsiteY20-1160" fmla="*/ 738345 h 3032924"/>
+              <a:gd name="connsiteX21-1161" fmla="*/ 102477 w 3239999"/>
+              <a:gd name="connsiteY21-1162" fmla="*/ 428517 h 3032924"/>
+              <a:gd name="connsiteX22-1163" fmla="*/ 385229 w 3239999"/>
+              <a:gd name="connsiteY22-1164" fmla="*/ 430441 h 3032924"/>
+              <a:gd name="connsiteX23-1165" fmla="*/ 386326 w 3239999"/>
+              <a:gd name="connsiteY23-1166" fmla="*/ 91100 h 3032924"/>
+              <a:gd name="connsiteX24-1167" fmla="*/ 833935 w 3239999"/>
+              <a:gd name="connsiteY24-1168" fmla="*/ 22 h 3032924"/>
+              <a:gd name="connsiteX25-1169" fmla="*/ 1576606 w 3239999"/>
+              <a:gd name="connsiteY25-1170" fmla="*/ 402054 h 3032924"/>
+              <a:gd name="connsiteX26-1171" fmla="*/ 1576606 w 3239999"/>
+              <a:gd name="connsiteY26-1172" fmla="*/ 430441 h 3032924"/>
+              <a:gd name="connsiteX27-1173" fmla="*/ 1576606 w 3239999"/>
+              <a:gd name="connsiteY27-1174" fmla="*/ 526981 h 3032924"/>
+              <a:gd name="connsiteX28-1175" fmla="*/ 1576606 w 3239999"/>
+              <a:gd name="connsiteY28-1176" fmla="*/ 2765302 h 3032924"/>
+              <a:gd name="connsiteX29-1177" fmla="*/ 378630 w 3239999"/>
+              <a:gd name="connsiteY29-1178" fmla="*/ 2472117 h 3032924"/>
+              <a:gd name="connsiteX30-1179" fmla="*/ 384918 w 3239999"/>
+              <a:gd name="connsiteY30-1180" fmla="*/ 526981 h 3032924"/>
+              <a:gd name="connsiteX31-1181" fmla="*/ 239143 w 3239999"/>
+              <a:gd name="connsiteY31-1182" fmla="*/ 526981 h 3032924"/>
+              <a:gd name="connsiteX32-1183" fmla="*/ 239143 w 3239999"/>
+              <a:gd name="connsiteY32-1184" fmla="*/ 2776423 h 3032924"/>
+              <a:gd name="connsiteX33-1185" fmla="*/ 1576606 w 3239999"/>
+              <a:gd name="connsiteY33-1186" fmla="*/ 2776423 h 3032924"/>
+              <a:gd name="connsiteX0-1187" fmla="*/ 1576606 w 3239999"/>
+              <a:gd name="connsiteY0-1188" fmla="*/ 2778202 h 3032924"/>
+              <a:gd name="connsiteX1-1189" fmla="*/ 1663394 w 3239999"/>
+              <a:gd name="connsiteY1-1190" fmla="*/ 2778202 h 3032924"/>
+              <a:gd name="connsiteX2-1191" fmla="*/ 1663394 w 3239999"/>
+              <a:gd name="connsiteY2-1192" fmla="*/ 2776423 h 3032924"/>
+              <a:gd name="connsiteX3-1193" fmla="*/ 3000856 w 3239999"/>
+              <a:gd name="connsiteY3-1194" fmla="*/ 2776423 h 3032924"/>
+              <a:gd name="connsiteX4-1195" fmla="*/ 3000856 w 3239999"/>
+              <a:gd name="connsiteY4-1196" fmla="*/ 526981 h 3032924"/>
+              <a:gd name="connsiteX5-1197" fmla="*/ 2855082 w 3239999"/>
+              <a:gd name="connsiteY5-1198" fmla="*/ 526981 h 3032924"/>
+              <a:gd name="connsiteX6-1199" fmla="*/ 2861369 w 3239999"/>
+              <a:gd name="connsiteY6-1200" fmla="*/ 2472117 h 3032924"/>
+              <a:gd name="connsiteX7-1201" fmla="*/ 1663394 w 3239999"/>
+              <a:gd name="connsiteY7-1202" fmla="*/ 2765302 h 3032924"/>
+              <a:gd name="connsiteX8-1203" fmla="*/ 1663394 w 3239999"/>
+              <a:gd name="connsiteY8-1204" fmla="*/ 526981 h 3032924"/>
+              <a:gd name="connsiteX9-1205" fmla="*/ 1663394 w 3239999"/>
+              <a:gd name="connsiteY9-1206" fmla="*/ 430441 h 3032924"/>
+              <a:gd name="connsiteX10-1207" fmla="*/ 1663394 w 3239999"/>
+              <a:gd name="connsiteY10-1208" fmla="*/ 402054 h 3032924"/>
+              <a:gd name="connsiteX11-1209" fmla="*/ 2406065 w 3239999"/>
+              <a:gd name="connsiteY11-1210" fmla="*/ 22 h 3032924"/>
+              <a:gd name="connsiteX12-1211" fmla="*/ 2853673 w 3239999"/>
+              <a:gd name="connsiteY12-1212" fmla="*/ 91100 h 3032924"/>
+              <a:gd name="connsiteX13-1213" fmla="*/ 2854770 w 3239999"/>
+              <a:gd name="connsiteY13-1214" fmla="*/ 430441 h 3032924"/>
+              <a:gd name="connsiteX14-1215" fmla="*/ 3120669 w 3239999"/>
+              <a:gd name="connsiteY14-1216" fmla="*/ 428517 h 3032924"/>
+              <a:gd name="connsiteX15-1217" fmla="*/ 3120669 w 3239999"/>
+              <a:gd name="connsiteY15-1218" fmla="*/ 738345 h 3032924"/>
+              <a:gd name="connsiteX16-1219" fmla="*/ 3239999 w 3239999"/>
+              <a:gd name="connsiteY16-1220" fmla="*/ 738345 h 3032924"/>
+              <a:gd name="connsiteX17-1221" fmla="*/ 3239999 w 3239999"/>
+              <a:gd name="connsiteY17-1222" fmla="*/ 3032924 h 3032924"/>
+              <a:gd name="connsiteX18-1223" fmla="*/ 0 w 3239999"/>
+              <a:gd name="connsiteY18-1224" fmla="*/ 3032924 h 3032924"/>
+              <a:gd name="connsiteX19-1225" fmla="*/ 0 w 3239999"/>
+              <a:gd name="connsiteY19-1226" fmla="*/ 738345 h 3032924"/>
+              <a:gd name="connsiteX20-1227" fmla="*/ 102477 w 3239999"/>
+              <a:gd name="connsiteY20-1228" fmla="*/ 738345 h 3032924"/>
+              <a:gd name="connsiteX21-1229" fmla="*/ 102477 w 3239999"/>
+              <a:gd name="connsiteY21-1230" fmla="*/ 428517 h 3032924"/>
+              <a:gd name="connsiteX22-1231" fmla="*/ 385229 w 3239999"/>
+              <a:gd name="connsiteY22-1232" fmla="*/ 430441 h 3032924"/>
+              <a:gd name="connsiteX23-1233" fmla="*/ 386326 w 3239999"/>
+              <a:gd name="connsiteY23-1234" fmla="*/ 91100 h 3032924"/>
+              <a:gd name="connsiteX24-1235" fmla="*/ 833935 w 3239999"/>
+              <a:gd name="connsiteY24-1236" fmla="*/ 22 h 3032924"/>
+              <a:gd name="connsiteX25-1237" fmla="*/ 1576606 w 3239999"/>
+              <a:gd name="connsiteY25-1238" fmla="*/ 402054 h 3032924"/>
+              <a:gd name="connsiteX26-1239" fmla="*/ 1576606 w 3239999"/>
+              <a:gd name="connsiteY26-1240" fmla="*/ 430441 h 3032924"/>
+              <a:gd name="connsiteX27-1241" fmla="*/ 1576606 w 3239999"/>
+              <a:gd name="connsiteY27-1242" fmla="*/ 526981 h 3032924"/>
+              <a:gd name="connsiteX28-1243" fmla="*/ 1576606 w 3239999"/>
+              <a:gd name="connsiteY28-1244" fmla="*/ 2765302 h 3032924"/>
+              <a:gd name="connsiteX29-1245" fmla="*/ 378630 w 3239999"/>
+              <a:gd name="connsiteY29-1246" fmla="*/ 2472117 h 3032924"/>
+              <a:gd name="connsiteX30-1247" fmla="*/ 384918 w 3239999"/>
+              <a:gd name="connsiteY30-1248" fmla="*/ 526981 h 3032924"/>
+              <a:gd name="connsiteX31-1249" fmla="*/ 239143 w 3239999"/>
+              <a:gd name="connsiteY31-1250" fmla="*/ 526981 h 3032924"/>
+              <a:gd name="connsiteX32-1251" fmla="*/ 239143 w 3239999"/>
+              <a:gd name="connsiteY32-1252" fmla="*/ 2776423 h 3032924"/>
+              <a:gd name="connsiteX33-1253" fmla="*/ 1576606 w 3239999"/>
+              <a:gd name="connsiteY33-1254" fmla="*/ 2776423 h 3032924"/>
+              <a:gd name="connsiteX0-1255" fmla="*/ 1576606 w 3239999"/>
+              <a:gd name="connsiteY0-1256" fmla="*/ 2778202 h 3032924"/>
+              <a:gd name="connsiteX1-1257" fmla="*/ 1663394 w 3239999"/>
+              <a:gd name="connsiteY1-1258" fmla="*/ 2778202 h 3032924"/>
+              <a:gd name="connsiteX2-1259" fmla="*/ 1663394 w 3239999"/>
+              <a:gd name="connsiteY2-1260" fmla="*/ 2776423 h 3032924"/>
+              <a:gd name="connsiteX3-1261" fmla="*/ 3000856 w 3239999"/>
+              <a:gd name="connsiteY3-1262" fmla="*/ 2776423 h 3032924"/>
+              <a:gd name="connsiteX4-1263" fmla="*/ 3000856 w 3239999"/>
+              <a:gd name="connsiteY4-1264" fmla="*/ 526981 h 3032924"/>
+              <a:gd name="connsiteX5-1265" fmla="*/ 2855082 w 3239999"/>
+              <a:gd name="connsiteY5-1266" fmla="*/ 526981 h 3032924"/>
+              <a:gd name="connsiteX6-1267" fmla="*/ 2861369 w 3239999"/>
+              <a:gd name="connsiteY6-1268" fmla="*/ 2472117 h 3032924"/>
+              <a:gd name="connsiteX7-1269" fmla="*/ 1663394 w 3239999"/>
+              <a:gd name="connsiteY7-1270" fmla="*/ 2765302 h 3032924"/>
+              <a:gd name="connsiteX8-1271" fmla="*/ 1663394 w 3239999"/>
+              <a:gd name="connsiteY8-1272" fmla="*/ 526981 h 3032924"/>
+              <a:gd name="connsiteX9-1273" fmla="*/ 1663394 w 3239999"/>
+              <a:gd name="connsiteY9-1274" fmla="*/ 430441 h 3032924"/>
+              <a:gd name="connsiteX10-1275" fmla="*/ 1663394 w 3239999"/>
+              <a:gd name="connsiteY10-1276" fmla="*/ 402054 h 3032924"/>
+              <a:gd name="connsiteX11-1277" fmla="*/ 2406065 w 3239999"/>
+              <a:gd name="connsiteY11-1278" fmla="*/ 22 h 3032924"/>
+              <a:gd name="connsiteX12-1279" fmla="*/ 2853673 w 3239999"/>
+              <a:gd name="connsiteY12-1280" fmla="*/ 91100 h 3032924"/>
+              <a:gd name="connsiteX13-1281" fmla="*/ 2854770 w 3239999"/>
+              <a:gd name="connsiteY13-1282" fmla="*/ 430441 h 3032924"/>
+              <a:gd name="connsiteX14-1283" fmla="*/ 3120669 w 3239999"/>
+              <a:gd name="connsiteY14-1284" fmla="*/ 428517 h 3032924"/>
+              <a:gd name="connsiteX15-1285" fmla="*/ 3120669 w 3239999"/>
+              <a:gd name="connsiteY15-1286" fmla="*/ 738345 h 3032924"/>
+              <a:gd name="connsiteX16-1287" fmla="*/ 3239999 w 3239999"/>
+              <a:gd name="connsiteY16-1288" fmla="*/ 738345 h 3032924"/>
+              <a:gd name="connsiteX17-1289" fmla="*/ 3239999 w 3239999"/>
+              <a:gd name="connsiteY17-1290" fmla="*/ 3032924 h 3032924"/>
+              <a:gd name="connsiteX18-1291" fmla="*/ 0 w 3239999"/>
+              <a:gd name="connsiteY18-1292" fmla="*/ 3032924 h 3032924"/>
+              <a:gd name="connsiteX19-1293" fmla="*/ 0 w 3239999"/>
+              <a:gd name="connsiteY19-1294" fmla="*/ 738345 h 3032924"/>
+              <a:gd name="connsiteX20-1295" fmla="*/ 102477 w 3239999"/>
+              <a:gd name="connsiteY20-1296" fmla="*/ 738345 h 3032924"/>
+              <a:gd name="connsiteX21-1297" fmla="*/ 102477 w 3239999"/>
+              <a:gd name="connsiteY21-1298" fmla="*/ 428517 h 3032924"/>
+              <a:gd name="connsiteX22-1299" fmla="*/ 385229 w 3239999"/>
+              <a:gd name="connsiteY22-1300" fmla="*/ 430441 h 3032924"/>
+              <a:gd name="connsiteX23-1301" fmla="*/ 386326 w 3239999"/>
+              <a:gd name="connsiteY23-1302" fmla="*/ 91100 h 3032924"/>
+              <a:gd name="connsiteX24-1303" fmla="*/ 833935 w 3239999"/>
+              <a:gd name="connsiteY24-1304" fmla="*/ 22 h 3032924"/>
+              <a:gd name="connsiteX25-1305" fmla="*/ 1576606 w 3239999"/>
+              <a:gd name="connsiteY25-1306" fmla="*/ 402054 h 3032924"/>
+              <a:gd name="connsiteX26-1307" fmla="*/ 1576606 w 3239999"/>
+              <a:gd name="connsiteY26-1308" fmla="*/ 430441 h 3032924"/>
+              <a:gd name="connsiteX27-1309" fmla="*/ 1576606 w 3239999"/>
+              <a:gd name="connsiteY27-1310" fmla="*/ 526981 h 3032924"/>
+              <a:gd name="connsiteX28-1311" fmla="*/ 1576606 w 3239999"/>
+              <a:gd name="connsiteY28-1312" fmla="*/ 2765302 h 3032924"/>
+              <a:gd name="connsiteX29-1313" fmla="*/ 378630 w 3239999"/>
+              <a:gd name="connsiteY29-1314" fmla="*/ 2472117 h 3032924"/>
+              <a:gd name="connsiteX30-1315" fmla="*/ 384918 w 3239999"/>
+              <a:gd name="connsiteY30-1316" fmla="*/ 526981 h 3032924"/>
+              <a:gd name="connsiteX31-1317" fmla="*/ 239143 w 3239999"/>
+              <a:gd name="connsiteY31-1318" fmla="*/ 526981 h 3032924"/>
+              <a:gd name="connsiteX32-1319" fmla="*/ 239143 w 3239999"/>
+              <a:gd name="connsiteY32-1320" fmla="*/ 2776423 h 3032924"/>
+              <a:gd name="connsiteX33-1321" fmla="*/ 1576606 w 3239999"/>
+              <a:gd name="connsiteY33-1322" fmla="*/ 2776423 h 3032924"/>
+              <a:gd name="connsiteX0-1323" fmla="*/ 1576606 w 3239999"/>
+              <a:gd name="connsiteY0-1324" fmla="*/ 2778202 h 3032924"/>
+              <a:gd name="connsiteX1-1325" fmla="*/ 1663394 w 3239999"/>
+              <a:gd name="connsiteY1-1326" fmla="*/ 2778202 h 3032924"/>
+              <a:gd name="connsiteX2-1327" fmla="*/ 1663394 w 3239999"/>
+              <a:gd name="connsiteY2-1328" fmla="*/ 2776423 h 3032924"/>
+              <a:gd name="connsiteX3-1329" fmla="*/ 3000856 w 3239999"/>
+              <a:gd name="connsiteY3-1330" fmla="*/ 2776423 h 3032924"/>
+              <a:gd name="connsiteX4-1331" fmla="*/ 3000856 w 3239999"/>
+              <a:gd name="connsiteY4-1332" fmla="*/ 526981 h 3032924"/>
+              <a:gd name="connsiteX5-1333" fmla="*/ 2855082 w 3239999"/>
+              <a:gd name="connsiteY5-1334" fmla="*/ 526981 h 3032924"/>
+              <a:gd name="connsiteX6-1335" fmla="*/ 2861369 w 3239999"/>
+              <a:gd name="connsiteY6-1336" fmla="*/ 2472117 h 3032924"/>
+              <a:gd name="connsiteX7-1337" fmla="*/ 1663394 w 3239999"/>
+              <a:gd name="connsiteY7-1338" fmla="*/ 2765302 h 3032924"/>
+              <a:gd name="connsiteX8-1339" fmla="*/ 1663394 w 3239999"/>
+              <a:gd name="connsiteY8-1340" fmla="*/ 526981 h 3032924"/>
+              <a:gd name="connsiteX9-1341" fmla="*/ 1663394 w 3239999"/>
+              <a:gd name="connsiteY9-1342" fmla="*/ 430441 h 3032924"/>
+              <a:gd name="connsiteX10-1343" fmla="*/ 1663394 w 3239999"/>
+              <a:gd name="connsiteY10-1344" fmla="*/ 402054 h 3032924"/>
+              <a:gd name="connsiteX11-1345" fmla="*/ 2406065 w 3239999"/>
+              <a:gd name="connsiteY11-1346" fmla="*/ 22 h 3032924"/>
+              <a:gd name="connsiteX12-1347" fmla="*/ 2853673 w 3239999"/>
+              <a:gd name="connsiteY12-1348" fmla="*/ 91100 h 3032924"/>
+              <a:gd name="connsiteX13-1349" fmla="*/ 2854770 w 3239999"/>
+              <a:gd name="connsiteY13-1350" fmla="*/ 430441 h 3032924"/>
+              <a:gd name="connsiteX14-1351" fmla="*/ 3120669 w 3239999"/>
+              <a:gd name="connsiteY14-1352" fmla="*/ 428517 h 3032924"/>
+              <a:gd name="connsiteX15-1353" fmla="*/ 3120669 w 3239999"/>
+              <a:gd name="connsiteY15-1354" fmla="*/ 738345 h 3032924"/>
+              <a:gd name="connsiteX16-1355" fmla="*/ 3239999 w 3239999"/>
+              <a:gd name="connsiteY16-1356" fmla="*/ 738345 h 3032924"/>
+              <a:gd name="connsiteX17-1357" fmla="*/ 3239999 w 3239999"/>
+              <a:gd name="connsiteY17-1358" fmla="*/ 3032924 h 3032924"/>
+              <a:gd name="connsiteX18-1359" fmla="*/ 0 w 3239999"/>
+              <a:gd name="connsiteY18-1360" fmla="*/ 3032924 h 3032924"/>
+              <a:gd name="connsiteX19-1361" fmla="*/ 0 w 3239999"/>
+              <a:gd name="connsiteY19-1362" fmla="*/ 738345 h 3032924"/>
+              <a:gd name="connsiteX20-1363" fmla="*/ 102477 w 3239999"/>
+              <a:gd name="connsiteY20-1364" fmla="*/ 738345 h 3032924"/>
+              <a:gd name="connsiteX21-1365" fmla="*/ 102477 w 3239999"/>
+              <a:gd name="connsiteY21-1366" fmla="*/ 428517 h 3032924"/>
+              <a:gd name="connsiteX22-1367" fmla="*/ 385229 w 3239999"/>
+              <a:gd name="connsiteY22-1368" fmla="*/ 430441 h 3032924"/>
+              <a:gd name="connsiteX23-1369" fmla="*/ 386326 w 3239999"/>
+              <a:gd name="connsiteY23-1370" fmla="*/ 91100 h 3032924"/>
+              <a:gd name="connsiteX24-1371" fmla="*/ 833935 w 3239999"/>
+              <a:gd name="connsiteY24-1372" fmla="*/ 22 h 3032924"/>
+              <a:gd name="connsiteX25-1373" fmla="*/ 1576606 w 3239999"/>
+              <a:gd name="connsiteY25-1374" fmla="*/ 402054 h 3032924"/>
+              <a:gd name="connsiteX26-1375" fmla="*/ 1576606 w 3239999"/>
+              <a:gd name="connsiteY26-1376" fmla="*/ 430441 h 3032924"/>
+              <a:gd name="connsiteX27-1377" fmla="*/ 1576606 w 3239999"/>
+              <a:gd name="connsiteY27-1378" fmla="*/ 526981 h 3032924"/>
+              <a:gd name="connsiteX28-1379" fmla="*/ 1576606 w 3239999"/>
+              <a:gd name="connsiteY28-1380" fmla="*/ 2765302 h 3032924"/>
+              <a:gd name="connsiteX29-1381" fmla="*/ 378630 w 3239999"/>
+              <a:gd name="connsiteY29-1382" fmla="*/ 2472117 h 3032924"/>
+              <a:gd name="connsiteX30-1383" fmla="*/ 384918 w 3239999"/>
+              <a:gd name="connsiteY30-1384" fmla="*/ 526981 h 3032924"/>
+              <a:gd name="connsiteX31-1385" fmla="*/ 239143 w 3239999"/>
+              <a:gd name="connsiteY31-1386" fmla="*/ 526981 h 3032924"/>
+              <a:gd name="connsiteX32-1387" fmla="*/ 229618 w 3239999"/>
+              <a:gd name="connsiteY32-1388" fmla="*/ 2690698 h 3032924"/>
+              <a:gd name="connsiteX33-1389" fmla="*/ 1576606 w 3239999"/>
+              <a:gd name="connsiteY33-1390" fmla="*/ 2776423 h 3032924"/>
+              <a:gd name="connsiteX0-1391" fmla="*/ 1576606 w 3239999"/>
+              <a:gd name="connsiteY0-1392" fmla="*/ 2778202 h 3032924"/>
+              <a:gd name="connsiteX1-1393" fmla="*/ 1663394 w 3239999"/>
+              <a:gd name="connsiteY1-1394" fmla="*/ 2778202 h 3032924"/>
+              <a:gd name="connsiteX2-1395" fmla="*/ 1663394 w 3239999"/>
+              <a:gd name="connsiteY2-1396" fmla="*/ 2776423 h 3032924"/>
+              <a:gd name="connsiteX3-1397" fmla="*/ 2991331 w 3239999"/>
+              <a:gd name="connsiteY3-1398" fmla="*/ 2709748 h 3032924"/>
+              <a:gd name="connsiteX4-1399" fmla="*/ 3000856 w 3239999"/>
+              <a:gd name="connsiteY4-1400" fmla="*/ 526981 h 3032924"/>
+              <a:gd name="connsiteX5-1401" fmla="*/ 2855082 w 3239999"/>
+              <a:gd name="connsiteY5-1402" fmla="*/ 526981 h 3032924"/>
+              <a:gd name="connsiteX6-1403" fmla="*/ 2861369 w 3239999"/>
+              <a:gd name="connsiteY6-1404" fmla="*/ 2472117 h 3032924"/>
+              <a:gd name="connsiteX7-1405" fmla="*/ 1663394 w 3239999"/>
+              <a:gd name="connsiteY7-1406" fmla="*/ 2765302 h 3032924"/>
+              <a:gd name="connsiteX8-1407" fmla="*/ 1663394 w 3239999"/>
+              <a:gd name="connsiteY8-1408" fmla="*/ 526981 h 3032924"/>
+              <a:gd name="connsiteX9-1409" fmla="*/ 1663394 w 3239999"/>
+              <a:gd name="connsiteY9-1410" fmla="*/ 430441 h 3032924"/>
+              <a:gd name="connsiteX10-1411" fmla="*/ 1663394 w 3239999"/>
+              <a:gd name="connsiteY10-1412" fmla="*/ 402054 h 3032924"/>
+              <a:gd name="connsiteX11-1413" fmla="*/ 2406065 w 3239999"/>
+              <a:gd name="connsiteY11-1414" fmla="*/ 22 h 3032924"/>
+              <a:gd name="connsiteX12-1415" fmla="*/ 2853673 w 3239999"/>
+              <a:gd name="connsiteY12-1416" fmla="*/ 91100 h 3032924"/>
+              <a:gd name="connsiteX13-1417" fmla="*/ 2854770 w 3239999"/>
+              <a:gd name="connsiteY13-1418" fmla="*/ 430441 h 3032924"/>
+              <a:gd name="connsiteX14-1419" fmla="*/ 3120669 w 3239999"/>
+              <a:gd name="connsiteY14-1420" fmla="*/ 428517 h 3032924"/>
+              <a:gd name="connsiteX15-1421" fmla="*/ 3120669 w 3239999"/>
+              <a:gd name="connsiteY15-1422" fmla="*/ 738345 h 3032924"/>
+              <a:gd name="connsiteX16-1423" fmla="*/ 3239999 w 3239999"/>
+              <a:gd name="connsiteY16-1424" fmla="*/ 738345 h 3032924"/>
+              <a:gd name="connsiteX17-1425" fmla="*/ 3239999 w 3239999"/>
+              <a:gd name="connsiteY17-1426" fmla="*/ 3032924 h 3032924"/>
+              <a:gd name="connsiteX18-1427" fmla="*/ 0 w 3239999"/>
+              <a:gd name="connsiteY18-1428" fmla="*/ 3032924 h 3032924"/>
+              <a:gd name="connsiteX19-1429" fmla="*/ 0 w 3239999"/>
+              <a:gd name="connsiteY19-1430" fmla="*/ 738345 h 3032924"/>
+              <a:gd name="connsiteX20-1431" fmla="*/ 102477 w 3239999"/>
+              <a:gd name="connsiteY20-1432" fmla="*/ 738345 h 3032924"/>
+              <a:gd name="connsiteX21-1433" fmla="*/ 102477 w 3239999"/>
+              <a:gd name="connsiteY21-1434" fmla="*/ 428517 h 3032924"/>
+              <a:gd name="connsiteX22-1435" fmla="*/ 385229 w 3239999"/>
+              <a:gd name="connsiteY22-1436" fmla="*/ 430441 h 3032924"/>
+              <a:gd name="connsiteX23-1437" fmla="*/ 386326 w 3239999"/>
+              <a:gd name="connsiteY23-1438" fmla="*/ 91100 h 3032924"/>
+              <a:gd name="connsiteX24-1439" fmla="*/ 833935 w 3239999"/>
+              <a:gd name="connsiteY24-1440" fmla="*/ 22 h 3032924"/>
+              <a:gd name="connsiteX25-1441" fmla="*/ 1576606 w 3239999"/>
+              <a:gd name="connsiteY25-1442" fmla="*/ 402054 h 3032924"/>
+              <a:gd name="connsiteX26-1443" fmla="*/ 1576606 w 3239999"/>
+              <a:gd name="connsiteY26-1444" fmla="*/ 430441 h 3032924"/>
+              <a:gd name="connsiteX27-1445" fmla="*/ 1576606 w 3239999"/>
+              <a:gd name="connsiteY27-1446" fmla="*/ 526981 h 3032924"/>
+              <a:gd name="connsiteX28-1447" fmla="*/ 1576606 w 3239999"/>
+              <a:gd name="connsiteY28-1448" fmla="*/ 2765302 h 3032924"/>
+              <a:gd name="connsiteX29-1449" fmla="*/ 378630 w 3239999"/>
+              <a:gd name="connsiteY29-1450" fmla="*/ 2472117 h 3032924"/>
+              <a:gd name="connsiteX30-1451" fmla="*/ 384918 w 3239999"/>
+              <a:gd name="connsiteY30-1452" fmla="*/ 526981 h 3032924"/>
+              <a:gd name="connsiteX31-1453" fmla="*/ 239143 w 3239999"/>
+              <a:gd name="connsiteY31-1454" fmla="*/ 526981 h 3032924"/>
+              <a:gd name="connsiteX32-1455" fmla="*/ 229618 w 3239999"/>
+              <a:gd name="connsiteY32-1456" fmla="*/ 2690698 h 3032924"/>
+              <a:gd name="connsiteX33-1457" fmla="*/ 1576606 w 3239999"/>
+              <a:gd name="connsiteY33-1458" fmla="*/ 2776423 h 3032924"/>
+            </a:gdLst>
+            <a:ahLst/>
+            <a:cxnLst>
+              <a:cxn ang="0">
+                <a:pos x="connsiteX0-1" y="connsiteY0-2"/>
+              </a:cxn>
+              <a:cxn ang="0">
+                <a:pos x="connsiteX1-3" y="connsiteY1-4"/>
+              </a:cxn>
+              <a:cxn ang="0">
+                <a:pos x="connsiteX2-5" y="connsiteY2-6"/>
+              </a:cxn>
+              <a:cxn ang="0">
+                <a:pos x="connsiteX3-7" y="connsiteY3-8"/>
+              </a:cxn>
+              <a:cxn ang="0">
+                <a:pos x="connsiteX4-9" y="connsiteY4-10"/>
+              </a:cxn>
+              <a:cxn ang="0">
+                <a:pos x="connsiteX5-11" y="connsiteY5-12"/>
+              </a:cxn>
+              <a:cxn ang="0">
+                <a:pos x="connsiteX6-13" y="connsiteY6-14"/>
+              </a:cxn>
+              <a:cxn ang="0">
+                <a:pos x="connsiteX7-15" y="connsiteY7-16"/>
+              </a:cxn>
+              <a:cxn ang="0">
+                <a:pos x="connsiteX8-17" y="connsiteY8-18"/>
+              </a:cxn>
+              <a:cxn ang="0">
+                <a:pos x="connsiteX9-19" y="connsiteY9-20"/>
+              </a:cxn>
+              <a:cxn ang="0">
+                <a:pos x="connsiteX10-21" y="connsiteY10-22"/>
+              </a:cxn>
+              <a:cxn ang="0">
+                <a:pos x="connsiteX11-23" y="connsiteY11-24"/>
+              </a:cxn>
+              <a:cxn ang="0">
+                <a:pos x="connsiteX12-25" y="connsiteY12-26"/>
+              </a:cxn>
+              <a:cxn ang="0">
+                <a:pos x="connsiteX13-27" y="connsiteY13-28"/>
+              </a:cxn>
+              <a:cxn ang="0">
+                <a:pos x="connsiteX14-29" y="connsiteY14-30"/>
+              </a:cxn>
+              <a:cxn ang="0">
+                <a:pos x="connsiteX15-31" y="connsiteY15-32"/>
+              </a:cxn>
+              <a:cxn ang="0">
+                <a:pos x="connsiteX16-33" y="connsiteY16-34"/>
+              </a:cxn>
+              <a:cxn ang="0">
+                <a:pos x="connsiteX17-35" y="connsiteY17-36"/>
+              </a:cxn>
+              <a:cxn ang="0">
+                <a:pos x="connsiteX18-37" y="connsiteY18-38"/>
+              </a:cxn>
+              <a:cxn ang="0">
+                <a:pos x="connsiteX19-39" y="connsiteY19-40"/>
+              </a:cxn>
+              <a:cxn ang="0">
+                <a:pos x="connsiteX20-41" y="connsiteY20-42"/>
+              </a:cxn>
+              <a:cxn ang="0">
+                <a:pos x="connsiteX21-43" y="connsiteY21-44"/>
+              </a:cxn>
+              <a:cxn ang="0">
+                <a:pos x="connsiteX22-45" y="connsiteY22-46"/>
+              </a:cxn>
+              <a:cxn ang="0">
+                <a:pos x="connsiteX23-47" y="connsiteY23-48"/>
+              </a:cxn>
+              <a:cxn ang="0">
+                <a:pos x="connsiteX24-49" y="connsiteY24-50"/>
+              </a:cxn>
+              <a:cxn ang="0">
+                <a:pos x="connsiteX25-51" y="connsiteY25-52"/>
+              </a:cxn>
+              <a:cxn ang="0">
+                <a:pos x="connsiteX26-53" y="connsiteY26-54"/>
+              </a:cxn>
+              <a:cxn ang="0">
+                <a:pos x="connsiteX27-55" y="connsiteY27-56"/>
+              </a:cxn>
+              <a:cxn ang="0">
+                <a:pos x="connsiteX28-57" y="connsiteY28-58"/>
+              </a:cxn>
+              <a:cxn ang="0">
+                <a:pos x="connsiteX29-59" y="connsiteY29-60"/>
+              </a:cxn>
+              <a:cxn ang="0">
+                <a:pos x="connsiteX30-61" y="connsiteY30-62"/>
+              </a:cxn>
+              <a:cxn ang="0">
+                <a:pos x="connsiteX31-63" y="connsiteY31-64"/>
+              </a:cxn>
+              <a:cxn ang="0">
+                <a:pos x="connsiteX32-65" y="connsiteY32-66"/>
+              </a:cxn>
+              <a:cxn ang="0">
+                <a:pos x="connsiteX33-67" y="connsiteY33-68"/>
+              </a:cxn>
+            </a:cxnLst>
+            <a:rect l="l" t="t" r="r" b="b"/>
+            <a:pathLst>
+              <a:path w="3239999" h="3032924">
+                <a:moveTo>
+                  <a:pt x="1576606" y="2778202"/>
+                </a:moveTo>
+                <a:cubicBezTo>
+                  <a:pt x="1576606" y="2778795"/>
+                  <a:pt x="1663394" y="2792670"/>
+                  <a:pt x="1663394" y="2778202"/>
+                </a:cubicBezTo>
+                <a:lnTo>
+                  <a:pt x="1663394" y="2776423"/>
+                </a:lnTo>
+                <a:cubicBezTo>
+                  <a:pt x="2185083" y="2605634"/>
+                  <a:pt x="2444552" y="2500589"/>
+                  <a:pt x="2991331" y="2709748"/>
+                </a:cubicBezTo>
+                <a:lnTo>
+                  <a:pt x="3000856" y="526981"/>
+                </a:lnTo>
+                <a:lnTo>
+                  <a:pt x="2855082" y="526981"/>
+                </a:lnTo>
+                <a:cubicBezTo>
+                  <a:pt x="2857178" y="1175360"/>
+                  <a:pt x="2859273" y="1823738"/>
+                  <a:pt x="2861369" y="2472117"/>
+                </a:cubicBezTo>
+                <a:cubicBezTo>
+                  <a:pt x="2483869" y="2318121"/>
+                  <a:pt x="2052449" y="2439541"/>
+                  <a:pt x="1663394" y="2765302"/>
+                </a:cubicBezTo>
+                <a:lnTo>
+                  <a:pt x="1663394" y="526981"/>
+                </a:lnTo>
+                <a:lnTo>
+                  <a:pt x="1663394" y="430441"/>
+                </a:lnTo>
+                <a:lnTo>
+                  <a:pt x="1663394" y="402054"/>
+                </a:lnTo>
+                <a:cubicBezTo>
+                  <a:pt x="1896442" y="149589"/>
+                  <a:pt x="2115835" y="2106"/>
+                  <a:pt x="2406065" y="22"/>
+                </a:cubicBezTo>
+                <a:cubicBezTo>
+                  <a:pt x="2537987" y="-925"/>
+                  <a:pt x="2684544" y="28169"/>
+                  <a:pt x="2853673" y="91100"/>
+                </a:cubicBezTo>
+                <a:cubicBezTo>
+                  <a:pt x="2854039" y="204214"/>
+                  <a:pt x="2854404" y="317327"/>
+                  <a:pt x="2854770" y="430441"/>
+                </a:cubicBezTo>
+                <a:lnTo>
+                  <a:pt x="3120669" y="428517"/>
+                </a:lnTo>
+                <a:lnTo>
+                  <a:pt x="3120669" y="738345"/>
+                </a:lnTo>
+                <a:lnTo>
+                  <a:pt x="3239999" y="738345"/>
+                </a:lnTo>
+                <a:lnTo>
+                  <a:pt x="3239999" y="3032924"/>
+                </a:lnTo>
+                <a:lnTo>
+                  <a:pt x="0" y="3032924"/>
+                </a:lnTo>
+                <a:lnTo>
+                  <a:pt x="0" y="738345"/>
+                </a:lnTo>
+                <a:lnTo>
+                  <a:pt x="102477" y="738345"/>
+                </a:lnTo>
+                <a:lnTo>
+                  <a:pt x="102477" y="428517"/>
+                </a:lnTo>
+                <a:lnTo>
+                  <a:pt x="385229" y="430441"/>
+                </a:lnTo>
+                <a:cubicBezTo>
+                  <a:pt x="385595" y="317327"/>
+                  <a:pt x="385960" y="204214"/>
+                  <a:pt x="386326" y="91100"/>
+                </a:cubicBezTo>
+                <a:cubicBezTo>
+                  <a:pt x="555455" y="28169"/>
+                  <a:pt x="702013" y="-925"/>
+                  <a:pt x="833935" y="22"/>
+                </a:cubicBezTo>
+                <a:cubicBezTo>
+                  <a:pt x="1124164" y="2106"/>
+                  <a:pt x="1343558" y="149589"/>
+                  <a:pt x="1576606" y="402054"/>
+                </a:cubicBezTo>
+                <a:lnTo>
+                  <a:pt x="1576606" y="430441"/>
+                </a:lnTo>
+                <a:lnTo>
+                  <a:pt x="1576606" y="526981"/>
+                </a:lnTo>
+                <a:lnTo>
+                  <a:pt x="1576606" y="2765302"/>
+                </a:lnTo>
+                <a:cubicBezTo>
+                  <a:pt x="1187550" y="2439541"/>
+                  <a:pt x="756130" y="2318121"/>
+                  <a:pt x="378630" y="2472117"/>
+                </a:cubicBezTo>
+                <a:lnTo>
+                  <a:pt x="384918" y="526981"/>
+                </a:lnTo>
+                <a:lnTo>
+                  <a:pt x="239143" y="526981"/>
+                </a:lnTo>
+                <a:lnTo>
+                  <a:pt x="229618" y="2690698"/>
+                </a:lnTo>
+                <a:cubicBezTo>
+                  <a:pt x="773243" y="2466244"/>
+                  <a:pt x="1081748" y="2626096"/>
+                  <a:pt x="1576606" y="2776423"/>
+                </a:cubicBezTo>
+              </a:path>
+            </a:pathLst>
+          </a:custGeom>
+          <a:solidFill>
+            <a:schemeClr val="accent1"/>
+          </a:solidFill>
+          <a:ln>
+            <a:noFill/>
+          </a:ln>
         </p:spPr>
+        <p:style>
+          <a:lnRef idx="2">
+            <a:schemeClr val="accent1">
+              <a:shade val="50000"/>
+            </a:schemeClr>
+          </a:lnRef>
+          <a:fillRef idx="1">
+            <a:schemeClr val="accent1"/>
+          </a:fillRef>
+          <a:effectRef idx="0">
+            <a:schemeClr val="accent1"/>
+          </a:effectRef>
+          <a:fontRef idx="minor">
+            <a:schemeClr val="lt1"/>
+          </a:fontRef>
+        </p:style>
         <p:txBody>
-          <a:bodyPr/>
+          <a:bodyPr rtlCol="0" anchor="ctr"/>
           <a:lstStyle/>
           <a:p>
-            <a:r>
-              <a:rPr lang="en-US" altLang="ko-KR" dirty="0"/>
-              <a:t>Welcome!!</a:t>
-            </a:r>
-            <a:endParaRPr lang="ko-KR" altLang="en-US" dirty="0"/>
+            <a:pPr algn="ctr"/>
+            <a:endParaRPr lang="ko-KR" altLang="en-US"/>
           </a:p>
         </p:txBody>
       </p:sp>
       <p:sp>
         <p:nvSpPr>
-          <p:cNvPr id="3" name="Text Placeholder 2"/>
-          <p:cNvSpPr>
-            <a:spLocks noGrp="1"/>
-          </p:cNvSpPr>
-          <p:nvPr>
-            <p:ph type="body" sz="quarter" idx="11"/>
-          </p:nvPr>
+          <p:cNvPr id="7" name="Rectangle 16"/>
+          <p:cNvSpPr/>
+          <p:nvPr/>
         </p:nvSpPr>
         <p:spPr>
-          <a:xfrm>
-            <a:off x="0" y="699542"/>
-            <a:ext cx="9144000" cy="288032"/>
+          <a:xfrm rot="2700000">
+            <a:off x="3884578" y="2784863"/>
+            <a:ext cx="215347" cy="386076"/>
           </a:xfrm>
+          <a:custGeom>
+            <a:avLst/>
+            <a:gdLst/>
+            <a:ahLst/>
+            <a:cxnLst/>
+            <a:rect l="l" t="t" r="r" b="b"/>
+            <a:pathLst>
+              <a:path w="2232248" h="4001999">
+                <a:moveTo>
+                  <a:pt x="1116887" y="0"/>
+                </a:moveTo>
+                <a:cubicBezTo>
+                  <a:pt x="1270748" y="4762"/>
+                  <a:pt x="1433283" y="120651"/>
+                  <a:pt x="1447291" y="308459"/>
+                </a:cubicBezTo>
+                <a:cubicBezTo>
+                  <a:pt x="1483174" y="544979"/>
+                  <a:pt x="1283237" y="603082"/>
+                  <a:pt x="1339988" y="887363"/>
+                </a:cubicBezTo>
+                <a:lnTo>
+                  <a:pt x="2232248" y="887363"/>
+                </a:lnTo>
+                <a:lnTo>
+                  <a:pt x="2232248" y="1778237"/>
+                </a:lnTo>
+                <a:cubicBezTo>
+                  <a:pt x="1956566" y="1829261"/>
+                  <a:pt x="1897086" y="1634366"/>
+                  <a:pt x="1663321" y="1669832"/>
+                </a:cubicBezTo>
+                <a:cubicBezTo>
+                  <a:pt x="1475513" y="1683840"/>
+                  <a:pt x="1359624" y="1846375"/>
+                  <a:pt x="1354862" y="2000236"/>
+                </a:cubicBezTo>
+                <a:cubicBezTo>
+                  <a:pt x="1358037" y="2135389"/>
+                  <a:pt x="1477787" y="2334920"/>
+                  <a:pt x="1701420" y="2336507"/>
+                </a:cubicBezTo>
+                <a:cubicBezTo>
+                  <a:pt x="1972077" y="2308709"/>
+                  <a:pt x="1932339" y="2176007"/>
+                  <a:pt x="2232248" y="2187989"/>
+                </a:cubicBezTo>
+                <a:lnTo>
+                  <a:pt x="2232248" y="3119611"/>
+                </a:lnTo>
+                <a:lnTo>
+                  <a:pt x="1303259" y="3119611"/>
+                </a:lnTo>
+                <a:cubicBezTo>
+                  <a:pt x="1289664" y="3424971"/>
+                  <a:pt x="1423682" y="3383289"/>
+                  <a:pt x="1451633" y="3655441"/>
+                </a:cubicBezTo>
+                <a:cubicBezTo>
+                  <a:pt x="1450046" y="3879074"/>
+                  <a:pt x="1250515" y="3998824"/>
+                  <a:pt x="1115362" y="4001999"/>
+                </a:cubicBezTo>
+                <a:cubicBezTo>
+                  <a:pt x="961501" y="3997237"/>
+                  <a:pt x="798966" y="3881348"/>
+                  <a:pt x="784958" y="3693540"/>
+                </a:cubicBezTo>
+                <a:cubicBezTo>
+                  <a:pt x="749282" y="3458385"/>
+                  <a:pt x="946712" y="3399594"/>
+                  <a:pt x="892811" y="3119611"/>
+                </a:cubicBezTo>
+                <a:lnTo>
+                  <a:pt x="0" y="3119611"/>
+                </a:lnTo>
+                <a:lnTo>
+                  <a:pt x="0" y="2203607"/>
+                </a:lnTo>
+                <a:cubicBezTo>
+                  <a:pt x="285884" y="2145799"/>
+                  <a:pt x="343730" y="2346665"/>
+                  <a:pt x="580754" y="2310706"/>
+                </a:cubicBezTo>
+                <a:cubicBezTo>
+                  <a:pt x="768562" y="2296698"/>
+                  <a:pt x="884451" y="2134163"/>
+                  <a:pt x="889213" y="1980302"/>
+                </a:cubicBezTo>
+                <a:cubicBezTo>
+                  <a:pt x="886038" y="1845149"/>
+                  <a:pt x="766288" y="1645618"/>
+                  <a:pt x="542655" y="1644031"/>
+                </a:cubicBezTo>
+                <a:cubicBezTo>
+                  <a:pt x="268493" y="1672188"/>
+                  <a:pt x="312817" y="1807984"/>
+                  <a:pt x="0" y="1792208"/>
+                </a:cubicBezTo>
+                <a:lnTo>
+                  <a:pt x="0" y="887363"/>
+                </a:lnTo>
+                <a:lnTo>
+                  <a:pt x="928847" y="887363"/>
+                </a:lnTo>
+                <a:cubicBezTo>
+                  <a:pt x="944034" y="576570"/>
+                  <a:pt x="808718" y="620178"/>
+                  <a:pt x="780616" y="346558"/>
+                </a:cubicBezTo>
+                <a:cubicBezTo>
+                  <a:pt x="782203" y="122925"/>
+                  <a:pt x="981734" y="3175"/>
+                  <a:pt x="1116887" y="0"/>
+                </a:cubicBezTo>
+                <a:close/>
+              </a:path>
+            </a:pathLst>
+          </a:custGeom>
+          <a:solidFill>
+            <a:schemeClr val="accent1"/>
+          </a:solidFill>
+          <a:ln>
+            <a:noFill/>
+          </a:ln>
         </p:spPr>
+        <p:style>
+          <a:lnRef idx="2">
+            <a:schemeClr val="accent1">
+              <a:shade val="50000"/>
+            </a:schemeClr>
+          </a:lnRef>
+          <a:fillRef idx="1">
+            <a:schemeClr val="accent1"/>
+          </a:fillRef>
+          <a:effectRef idx="0">
+            <a:schemeClr val="accent1"/>
+          </a:effectRef>
+          <a:fontRef idx="minor">
+            <a:schemeClr val="lt1"/>
+          </a:fontRef>
+        </p:style>
         <p:txBody>
-          <a:bodyPr/>
+          <a:bodyPr rtlCol="0" anchor="ctr"/>
           <a:lstStyle/>
           <a:p>
-            <a:pPr lvl="0"/>
-            <a:r>
-              <a:rPr lang="en-US" altLang="ko-KR" dirty="0"/>
-              <a:t>Insert the title of your subtitle Here</a:t>
-            </a:r>
-            <a:endParaRPr lang="en-US" altLang="ko-KR" dirty="0"/>
+            <a:pPr algn="ctr"/>
+            <a:endParaRPr lang="ko-KR" altLang="en-US"/>
           </a:p>
         </p:txBody>
       </p:sp>
       <p:sp>
         <p:nvSpPr>
-          <p:cNvPr id="5" name="TextBox 4"/>
+          <p:cNvPr id="8" name="Oval 21"/>
+          <p:cNvSpPr>
+            <a:spLocks noChangeAspect="1"/>
+          </p:cNvSpPr>
+          <p:nvPr/>
+        </p:nvSpPr>
+        <p:spPr>
+          <a:xfrm>
+            <a:off x="3819820" y="1672044"/>
+            <a:ext cx="344862" cy="347742"/>
+          </a:xfrm>
+          <a:custGeom>
+            <a:avLst/>
+            <a:gdLst/>
+            <a:ahLst/>
+            <a:cxnLst/>
+            <a:rect l="l" t="t" r="r" b="b"/>
+            <a:pathLst>
+              <a:path w="1652142" h="1665940">
+                <a:moveTo>
+                  <a:pt x="898689" y="548008"/>
+                </a:moveTo>
+                <a:cubicBezTo>
+                  <a:pt x="737950" y="504938"/>
+                  <a:pt x="572731" y="600328"/>
+                  <a:pt x="529661" y="761066"/>
+                </a:cubicBezTo>
+                <a:cubicBezTo>
+                  <a:pt x="486591" y="921805"/>
+                  <a:pt x="581980" y="1087025"/>
+                  <a:pt x="742719" y="1130094"/>
+                </a:cubicBezTo>
+                <a:cubicBezTo>
+                  <a:pt x="903458" y="1173164"/>
+                  <a:pt x="1068677" y="1077775"/>
+                  <a:pt x="1111747" y="917036"/>
+                </a:cubicBezTo>
+                <a:cubicBezTo>
+                  <a:pt x="1154817" y="756297"/>
+                  <a:pt x="1059428" y="591077"/>
+                  <a:pt x="898689" y="548008"/>
+                </a:cubicBezTo>
+                <a:close/>
+                <a:moveTo>
+                  <a:pt x="952303" y="347916"/>
+                </a:moveTo>
+                <a:cubicBezTo>
+                  <a:pt x="1223549" y="420596"/>
+                  <a:pt x="1384519" y="699404"/>
+                  <a:pt x="1311839" y="970650"/>
+                </a:cubicBezTo>
+                <a:cubicBezTo>
+                  <a:pt x="1239159" y="1241896"/>
+                  <a:pt x="960351" y="1402866"/>
+                  <a:pt x="689105" y="1330186"/>
+                </a:cubicBezTo>
+                <a:cubicBezTo>
+                  <a:pt x="417859" y="1257506"/>
+                  <a:pt x="256889" y="978698"/>
+                  <a:pt x="329569" y="707451"/>
+                </a:cubicBezTo>
+                <a:cubicBezTo>
+                  <a:pt x="402249" y="436205"/>
+                  <a:pt x="681057" y="275235"/>
+                  <a:pt x="952303" y="347916"/>
+                </a:cubicBezTo>
+                <a:close/>
+                <a:moveTo>
+                  <a:pt x="971799" y="275155"/>
+                </a:moveTo>
+                <a:cubicBezTo>
+                  <a:pt x="660368" y="191707"/>
+                  <a:pt x="340256" y="376524"/>
+                  <a:pt x="256808" y="687955"/>
+                </a:cubicBezTo>
+                <a:cubicBezTo>
+                  <a:pt x="173361" y="999387"/>
+                  <a:pt x="358178" y="1319499"/>
+                  <a:pt x="669609" y="1402947"/>
+                </a:cubicBezTo>
+                <a:cubicBezTo>
+                  <a:pt x="981040" y="1486395"/>
+                  <a:pt x="1301152" y="1301577"/>
+                  <a:pt x="1384600" y="990146"/>
+                </a:cubicBezTo>
+                <a:cubicBezTo>
+                  <a:pt x="1468047" y="678715"/>
+                  <a:pt x="1283230" y="358603"/>
+                  <a:pt x="971799" y="275155"/>
+                </a:cubicBezTo>
+                <a:close/>
+                <a:moveTo>
+                  <a:pt x="1652142" y="394531"/>
+                </a:moveTo>
+                <a:lnTo>
+                  <a:pt x="1649662" y="403784"/>
+                </a:lnTo>
+                <a:lnTo>
+                  <a:pt x="1647140" y="399895"/>
+                </a:lnTo>
+                <a:close/>
+                <a:moveTo>
+                  <a:pt x="1158157" y="65026"/>
+                </a:moveTo>
+                <a:lnTo>
+                  <a:pt x="1154679" y="271718"/>
+                </a:lnTo>
+                <a:lnTo>
+                  <a:pt x="1148331" y="270017"/>
+                </a:lnTo>
+                <a:cubicBezTo>
+                  <a:pt x="1200055" y="299127"/>
+                  <a:pt x="1246804" y="334821"/>
+                  <a:pt x="1286346" y="377149"/>
+                </a:cubicBezTo>
+                <a:lnTo>
+                  <a:pt x="1470353" y="331395"/>
+                </a:lnTo>
+                <a:lnTo>
+                  <a:pt x="1588305" y="553229"/>
+                </a:lnTo>
+                <a:lnTo>
+                  <a:pt x="1457194" y="671432"/>
+                </a:lnTo>
+                <a:cubicBezTo>
+                  <a:pt x="1473630" y="731297"/>
+                  <a:pt x="1481376" y="793983"/>
+                  <a:pt x="1478595" y="857704"/>
+                </a:cubicBezTo>
+                <a:lnTo>
+                  <a:pt x="1642362" y="948616"/>
+                </a:lnTo>
+                <a:lnTo>
+                  <a:pt x="1577335" y="1191298"/>
+                </a:lnTo>
+                <a:lnTo>
+                  <a:pt x="1378614" y="1187955"/>
+                </a:lnTo>
+                <a:cubicBezTo>
+                  <a:pt x="1353489" y="1229936"/>
+                  <a:pt x="1323048" y="1267799"/>
+                  <a:pt x="1288939" y="1301599"/>
+                </a:cubicBezTo>
+                <a:lnTo>
+                  <a:pt x="1354201" y="1471932"/>
+                </a:lnTo>
+                <a:lnTo>
+                  <a:pt x="1148396" y="1616039"/>
+                </a:lnTo>
+                <a:lnTo>
+                  <a:pt x="992294" y="1480516"/>
+                </a:lnTo>
+                <a:lnTo>
+                  <a:pt x="1011291" y="1467215"/>
+                </a:lnTo>
+                <a:cubicBezTo>
+                  <a:pt x="951500" y="1486565"/>
+                  <a:pt x="888271" y="1495869"/>
+                  <a:pt x="823805" y="1495510"/>
+                </a:cubicBezTo>
+                <a:lnTo>
+                  <a:pt x="729193" y="1665940"/>
+                </a:lnTo>
+                <a:lnTo>
+                  <a:pt x="486511" y="1600914"/>
+                </a:lnTo>
+                <a:lnTo>
+                  <a:pt x="489790" y="1406012"/>
+                </a:lnTo>
+                <a:cubicBezTo>
+                  <a:pt x="438364" y="1376702"/>
+                  <a:pt x="391917" y="1340859"/>
+                  <a:pt x="352658" y="1298452"/>
+                </a:cubicBezTo>
+                <a:lnTo>
+                  <a:pt x="355803" y="1305197"/>
+                </a:lnTo>
+                <a:lnTo>
+                  <a:pt x="152856" y="1344512"/>
+                </a:lnTo>
+                <a:lnTo>
+                  <a:pt x="46675" y="1116809"/>
+                </a:lnTo>
+                <a:lnTo>
+                  <a:pt x="183929" y="1005520"/>
+                </a:lnTo>
+                <a:cubicBezTo>
+                  <a:pt x="169279" y="951824"/>
+                  <a:pt x="161626" y="895865"/>
+                  <a:pt x="161615" y="838915"/>
+                </a:cubicBezTo>
+                <a:lnTo>
+                  <a:pt x="0" y="749197"/>
+                </a:lnTo>
+                <a:lnTo>
+                  <a:pt x="65026" y="506515"/>
+                </a:lnTo>
+                <a:lnTo>
+                  <a:pt x="250227" y="509630"/>
+                </a:lnTo>
+                <a:cubicBezTo>
+                  <a:pt x="275353" y="465291"/>
+                  <a:pt x="305693" y="424864"/>
+                  <a:pt x="340015" y="388679"/>
+                </a:cubicBezTo>
+                <a:lnTo>
+                  <a:pt x="277984" y="197357"/>
+                </a:lnTo>
+                <a:lnTo>
+                  <a:pt x="491050" y="64219"/>
+                </a:lnTo>
+                <a:lnTo>
+                  <a:pt x="639843" y="207726"/>
+                </a:lnTo>
+                <a:lnTo>
+                  <a:pt x="638348" y="208660"/>
+                </a:lnTo>
+                <a:cubicBezTo>
+                  <a:pt x="696840" y="190256"/>
+                  <a:pt x="758594" y="181748"/>
+                  <a:pt x="821488" y="182440"/>
+                </a:cubicBezTo>
+                <a:lnTo>
+                  <a:pt x="815140" y="180739"/>
+                </a:lnTo>
+                <a:lnTo>
+                  <a:pt x="915476" y="0"/>
+                </a:lnTo>
+                <a:close/>
+              </a:path>
+            </a:pathLst>
+          </a:custGeom>
+          <a:solidFill>
+            <a:schemeClr val="accent1"/>
+          </a:solidFill>
+          <a:ln>
+            <a:noFill/>
+          </a:ln>
+        </p:spPr>
+        <p:style>
+          <a:lnRef idx="2">
+            <a:schemeClr val="accent1">
+              <a:shade val="50000"/>
+            </a:schemeClr>
+          </a:lnRef>
+          <a:fillRef idx="1">
+            <a:schemeClr val="accent1"/>
+          </a:fillRef>
+          <a:effectRef idx="0">
+            <a:schemeClr val="accent1"/>
+          </a:effectRef>
+          <a:fontRef idx="minor">
+            <a:schemeClr val="lt1"/>
+          </a:fontRef>
+        </p:style>
+        <p:txBody>
+          <a:bodyPr rot="0" spcFirstLastPara="0" vertOverflow="overflow" horzOverflow="overflow" vert="horz" wrap="square" lIns="91440" tIns="45720" rIns="91440" bIns="45720" numCol="1" spcCol="0" rtlCol="0" fromWordArt="0" anchor="ctr" anchorCtr="0" forceAA="0" compatLnSpc="1">
+            <a:noAutofit/>
+          </a:bodyPr>
+          <a:lstStyle/>
+          <a:p>
+            <a:pPr algn="ctr"/>
+            <a:endParaRPr lang="ko-KR" altLang="en-US"/>
+          </a:p>
+        </p:txBody>
+      </p:sp>
+      <p:sp>
+        <p:nvSpPr>
+          <p:cNvPr id="9" name="Rounded Rectangle 27"/>
+          <p:cNvSpPr/>
+          <p:nvPr/>
+        </p:nvSpPr>
+        <p:spPr>
+          <a:xfrm>
+            <a:off x="3844662" y="3936015"/>
+            <a:ext cx="295178" cy="226737"/>
+          </a:xfrm>
+          <a:custGeom>
+            <a:avLst/>
+            <a:gdLst/>
+            <a:ahLst/>
+            <a:cxnLst/>
+            <a:rect l="l" t="t" r="r" b="b"/>
+            <a:pathLst>
+              <a:path w="3186824" h="2447912">
+                <a:moveTo>
+                  <a:pt x="1917737" y="1021643"/>
+                </a:moveTo>
+                <a:cubicBezTo>
+                  <a:pt x="2188548" y="1021643"/>
+                  <a:pt x="2408083" y="1241178"/>
+                  <a:pt x="2408083" y="1511989"/>
+                </a:cubicBezTo>
+                <a:cubicBezTo>
+                  <a:pt x="2408083" y="1782800"/>
+                  <a:pt x="2188548" y="2002335"/>
+                  <a:pt x="1917737" y="2002335"/>
+                </a:cubicBezTo>
+                <a:cubicBezTo>
+                  <a:pt x="1646926" y="2002335"/>
+                  <a:pt x="1427391" y="1782800"/>
+                  <a:pt x="1427391" y="1511989"/>
+                </a:cubicBezTo>
+                <a:cubicBezTo>
+                  <a:pt x="1427391" y="1241178"/>
+                  <a:pt x="1646926" y="1021643"/>
+                  <a:pt x="1917737" y="1021643"/>
+                </a:cubicBezTo>
+                <a:close/>
+                <a:moveTo>
+                  <a:pt x="1917737" y="827913"/>
+                </a:moveTo>
+                <a:cubicBezTo>
+                  <a:pt x="1539932" y="827913"/>
+                  <a:pt x="1233661" y="1134184"/>
+                  <a:pt x="1233661" y="1511989"/>
+                </a:cubicBezTo>
+                <a:cubicBezTo>
+                  <a:pt x="1233661" y="1889794"/>
+                  <a:pt x="1539932" y="2196065"/>
+                  <a:pt x="1917737" y="2196065"/>
+                </a:cubicBezTo>
+                <a:cubicBezTo>
+                  <a:pt x="2295542" y="2196065"/>
+                  <a:pt x="2601813" y="1889794"/>
+                  <a:pt x="2601813" y="1511989"/>
+                </a:cubicBezTo>
+                <a:cubicBezTo>
+                  <a:pt x="2601813" y="1134184"/>
+                  <a:pt x="2295542" y="827913"/>
+                  <a:pt x="1917737" y="827913"/>
+                </a:cubicBezTo>
+                <a:close/>
+                <a:moveTo>
+                  <a:pt x="1112286" y="675885"/>
+                </a:moveTo>
+                <a:lnTo>
+                  <a:pt x="1112286" y="830188"/>
+                </a:lnTo>
+                <a:lnTo>
+                  <a:pt x="1328310" y="830188"/>
+                </a:lnTo>
+                <a:lnTo>
+                  <a:pt x="1328310" y="675885"/>
+                </a:lnTo>
+                <a:close/>
+                <a:moveTo>
+                  <a:pt x="2586084" y="626422"/>
+                </a:moveTo>
+                <a:lnTo>
+                  <a:pt x="2586084" y="830188"/>
+                </a:lnTo>
+                <a:lnTo>
+                  <a:pt x="3001340" y="830188"/>
+                </a:lnTo>
+                <a:lnTo>
+                  <a:pt x="3001340" y="626422"/>
+                </a:lnTo>
+                <a:close/>
+                <a:moveTo>
+                  <a:pt x="1593701" y="108218"/>
+                </a:moveTo>
+                <a:lnTo>
+                  <a:pt x="1593701" y="432905"/>
+                </a:lnTo>
+                <a:lnTo>
+                  <a:pt x="2241773" y="432905"/>
+                </a:lnTo>
+                <a:lnTo>
+                  <a:pt x="2241773" y="108218"/>
+                </a:lnTo>
+                <a:close/>
+                <a:moveTo>
+                  <a:pt x="1452512" y="0"/>
+                </a:moveTo>
+                <a:lnTo>
+                  <a:pt x="2382963" y="0"/>
+                </a:lnTo>
+                <a:cubicBezTo>
+                  <a:pt x="2433311" y="0"/>
+                  <a:pt x="2474127" y="40816"/>
+                  <a:pt x="2474127" y="91164"/>
+                </a:cubicBezTo>
+                <a:lnTo>
+                  <a:pt x="2474127" y="432905"/>
+                </a:lnTo>
+                <a:lnTo>
+                  <a:pt x="2933014" y="432905"/>
+                </a:lnTo>
+                <a:cubicBezTo>
+                  <a:pt x="3073189" y="432905"/>
+                  <a:pt x="3186824" y="546540"/>
+                  <a:pt x="3186824" y="686715"/>
+                </a:cubicBezTo>
+                <a:lnTo>
+                  <a:pt x="3186824" y="2194102"/>
+                </a:lnTo>
+                <a:cubicBezTo>
+                  <a:pt x="3186824" y="2334277"/>
+                  <a:pt x="3073189" y="2447912"/>
+                  <a:pt x="2933014" y="2447912"/>
+                </a:cubicBezTo>
+                <a:lnTo>
+                  <a:pt x="253810" y="2447912"/>
+                </a:lnTo>
+                <a:cubicBezTo>
+                  <a:pt x="113635" y="2447912"/>
+                  <a:pt x="0" y="2334277"/>
+                  <a:pt x="0" y="2194102"/>
+                </a:cubicBezTo>
+                <a:lnTo>
+                  <a:pt x="0" y="686715"/>
+                </a:lnTo>
+                <a:cubicBezTo>
+                  <a:pt x="0" y="546540"/>
+                  <a:pt x="113635" y="432905"/>
+                  <a:pt x="253810" y="432905"/>
+                </a:cubicBezTo>
+                <a:lnTo>
+                  <a:pt x="307082" y="432905"/>
+                </a:lnTo>
+                <a:lnTo>
+                  <a:pt x="307082" y="313169"/>
+                </a:lnTo>
+                <a:cubicBezTo>
+                  <a:pt x="307082" y="287995"/>
+                  <a:pt x="327490" y="267587"/>
+                  <a:pt x="352664" y="267587"/>
+                </a:cubicBezTo>
+                <a:lnTo>
+                  <a:pt x="817888" y="267587"/>
+                </a:lnTo>
+                <a:cubicBezTo>
+                  <a:pt x="843062" y="267587"/>
+                  <a:pt x="863470" y="287995"/>
+                  <a:pt x="863470" y="313169"/>
+                </a:cubicBezTo>
+                <a:lnTo>
+                  <a:pt x="863470" y="432905"/>
+                </a:lnTo>
+                <a:lnTo>
+                  <a:pt x="1361348" y="432905"/>
+                </a:lnTo>
+                <a:lnTo>
+                  <a:pt x="1361348" y="91164"/>
+                </a:lnTo>
+                <a:cubicBezTo>
+                  <a:pt x="1361348" y="40816"/>
+                  <a:pt x="1402164" y="0"/>
+                  <a:pt x="1452512" y="0"/>
+                </a:cubicBezTo>
+                <a:close/>
+              </a:path>
+            </a:pathLst>
+          </a:custGeom>
+          <a:solidFill>
+            <a:schemeClr val="accent1"/>
+          </a:solidFill>
+          <a:ln>
+            <a:noFill/>
+          </a:ln>
+        </p:spPr>
+        <p:style>
+          <a:lnRef idx="2">
+            <a:schemeClr val="accent1">
+              <a:shade val="50000"/>
+            </a:schemeClr>
+          </a:lnRef>
+          <a:fillRef idx="1">
+            <a:schemeClr val="accent1"/>
+          </a:fillRef>
+          <a:effectRef idx="0">
+            <a:schemeClr val="accent1"/>
+          </a:effectRef>
+          <a:fontRef idx="minor">
+            <a:schemeClr val="lt1"/>
+          </a:fontRef>
+        </p:style>
+        <p:txBody>
+          <a:bodyPr rot="0" spcFirstLastPara="0" vertOverflow="overflow" horzOverflow="overflow" vert="horz" wrap="square" lIns="91440" tIns="45720" rIns="91440" bIns="45720" numCol="1" spcCol="0" rtlCol="0" fromWordArt="0" anchor="ctr" anchorCtr="0" forceAA="0" compatLnSpc="1">
+            <a:noAutofit/>
+          </a:bodyPr>
+          <a:lstStyle/>
+          <a:p>
+            <a:pPr algn="ctr"/>
+            <a:endParaRPr lang="ko-KR" altLang="en-US"/>
+          </a:p>
+        </p:txBody>
+      </p:sp>
+      <p:sp>
+        <p:nvSpPr>
+          <p:cNvPr id="12" name="TextBox 11"/>
           <p:cNvSpPr txBox="1"/>
           <p:nvPr/>
         </p:nvSpPr>
         <p:spPr>
           <a:xfrm>
-            <a:off x="1475656" y="1556087"/>
-            <a:ext cx="6192688" cy="830997"/>
+            <a:off x="3260027" y="1108324"/>
+            <a:ext cx="1464448" cy="276999"/>
           </a:xfrm>
           <a:prstGeom prst="rect">
             <a:avLst/>
@@ -12269,7 +14657,7 @@
           <a:p>
             <a:pPr algn="ctr"/>
             <a:r>
-              <a:rPr lang="en-US" altLang="ko-KR" sz="1200" dirty="0">
+              <a:rPr lang="en-US" altLang="ko-KR" sz="1200" b="1" dirty="0">
                 <a:solidFill>
                   <a:schemeClr val="tx1">
                     <a:lumMod val="75000"/>
@@ -12278,9 +14666,9 @@
                 </a:solidFill>
                 <a:cs typeface="Arial" panose="020B0604020202020204" pitchFamily="34" charset="0"/>
               </a:rPr>
-              <a:t>Easy to change colors, photos and Text. Get a modern PowerPoint  Presentation that is beautifully designed. I hope and I believe that this Template will your Time, Money and Reputation. Easy to change colors, photos and Text. Easy to change colors, photos and Text. Get a modern PowerPoint  Presentation that is beautifully designed.</a:t>
+              <a:t>Your Text  Here</a:t>
             </a:r>
-            <a:endParaRPr lang="en-US" altLang="ko-KR" sz="1200" dirty="0">
+            <a:endParaRPr lang="ko-KR" altLang="en-US" sz="1200" b="1" dirty="0">
               <a:solidFill>
                 <a:schemeClr val="tx1">
                   <a:lumMod val="75000"/>
@@ -12294,14 +14682,14 @@
       </p:sp>
       <p:sp>
         <p:nvSpPr>
-          <p:cNvPr id="6" name="TextBox 5"/>
+          <p:cNvPr id="13" name="TextBox 12"/>
           <p:cNvSpPr txBox="1"/>
           <p:nvPr/>
         </p:nvSpPr>
         <p:spPr>
           <a:xfrm>
-            <a:off x="899592" y="1059582"/>
-            <a:ext cx="745399" cy="1569660"/>
+            <a:off x="3260027" y="2306507"/>
+            <a:ext cx="1464448" cy="276999"/>
           </a:xfrm>
           <a:prstGeom prst="rect">
             <a:avLst/>
@@ -12316,20 +14704,24 @@
           <a:p>
             <a:pPr algn="ctr"/>
             <a:r>
-              <a:rPr lang="en-US" altLang="ko-KR" sz="9600" b="1" dirty="0">
+              <a:rPr lang="en-US" altLang="ko-KR" sz="1200" b="1" dirty="0">
                 <a:solidFill>
-                  <a:schemeClr val="accent1"/>
+                  <a:schemeClr val="tx1">
+                    <a:lumMod val="75000"/>
+                    <a:lumOff val="25000"/>
+                  </a:schemeClr>
                 </a:solidFill>
-                <a:latin typeface="Arial" panose="020B0604020202020204" pitchFamily="34" charset="0"/>
                 <a:cs typeface="Arial" panose="020B0604020202020204" pitchFamily="34" charset="0"/>
               </a:rPr>
-              <a:t>“</a:t>
+              <a:t>Your Text  Here</a:t>
             </a:r>
-            <a:endParaRPr lang="ko-KR" altLang="en-US" sz="9600" b="1" dirty="0">
+            <a:endParaRPr lang="ko-KR" altLang="en-US" sz="1200" b="1" dirty="0">
               <a:solidFill>
-                <a:schemeClr val="accent1"/>
+                <a:schemeClr val="tx1">
+                  <a:lumMod val="75000"/>
+                  <a:lumOff val="25000"/>
+                </a:schemeClr>
               </a:solidFill>
-              <a:latin typeface="Arial" panose="020B0604020202020204" pitchFamily="34" charset="0"/>
               <a:cs typeface="Arial" panose="020B0604020202020204" pitchFamily="34" charset="0"/>
             </a:endParaRPr>
           </a:p>
@@ -12337,14 +14729,14 @@
       </p:sp>
       <p:sp>
         <p:nvSpPr>
-          <p:cNvPr id="7" name="TextBox 6"/>
+          <p:cNvPr id="14" name="TextBox 13"/>
           <p:cNvSpPr txBox="1"/>
           <p:nvPr/>
         </p:nvSpPr>
         <p:spPr>
-          <a:xfrm rot="10800000">
-            <a:off x="7452320" y="1290122"/>
-            <a:ext cx="745399" cy="1569660"/>
+          <a:xfrm>
+            <a:off x="3260027" y="3372295"/>
+            <a:ext cx="1464448" cy="276999"/>
           </a:xfrm>
           <a:prstGeom prst="rect">
             <a:avLst/>
@@ -12359,20 +14751,24 @@
           <a:p>
             <a:pPr algn="ctr"/>
             <a:r>
-              <a:rPr lang="en-US" altLang="ko-KR" sz="9600" b="1" dirty="0">
+              <a:rPr lang="en-US" altLang="ko-KR" sz="1200" b="1" dirty="0">
                 <a:solidFill>
-                  <a:schemeClr val="accent1"/>
+                  <a:schemeClr val="tx1">
+                    <a:lumMod val="75000"/>
+                    <a:lumOff val="25000"/>
+                  </a:schemeClr>
                 </a:solidFill>
-                <a:latin typeface="Arial" panose="020B0604020202020204" pitchFamily="34" charset="0"/>
                 <a:cs typeface="Arial" panose="020B0604020202020204" pitchFamily="34" charset="0"/>
               </a:rPr>
-              <a:t>“</a:t>
+              <a:t>Your Text  Here</a:t>
             </a:r>
-            <a:endParaRPr lang="ko-KR" altLang="en-US" sz="9600" b="1" dirty="0">
+            <a:endParaRPr lang="ko-KR" altLang="en-US" sz="1200" b="1" dirty="0">
               <a:solidFill>
-                <a:schemeClr val="accent1"/>
+                <a:schemeClr val="tx1">
+                  <a:lumMod val="75000"/>
+                  <a:lumOff val="25000"/>
+                </a:schemeClr>
               </a:solidFill>
-              <a:latin typeface="Arial" panose="020B0604020202020204" pitchFamily="34" charset="0"/>
               <a:cs typeface="Arial" panose="020B0604020202020204" pitchFamily="34" charset="0"/>
             </a:endParaRPr>
           </a:p>
@@ -12380,14 +14776,14 @@
       </p:sp>
       <p:sp>
         <p:nvSpPr>
-          <p:cNvPr id="8" name="TextBox 7"/>
+          <p:cNvPr id="15" name="TextBox 14"/>
           <p:cNvSpPr txBox="1"/>
           <p:nvPr/>
         </p:nvSpPr>
         <p:spPr>
           <a:xfrm>
-            <a:off x="3753433" y="4141068"/>
-            <a:ext cx="1656184" cy="307777"/>
+            <a:off x="3260027" y="4449474"/>
+            <a:ext cx="1464448" cy="276999"/>
           </a:xfrm>
           <a:prstGeom prst="rect">
             <a:avLst/>
@@ -12402,17 +14798,23 @@
           <a:p>
             <a:pPr algn="ctr"/>
             <a:r>
-              <a:rPr lang="en-US" altLang="ko-KR" sz="1400" b="1" dirty="0">
+              <a:rPr lang="en-US" altLang="ko-KR" sz="1200" b="1" dirty="0">
                 <a:solidFill>
-                  <a:schemeClr val="accent2"/>
+                  <a:schemeClr val="tx1">
+                    <a:lumMod val="75000"/>
+                    <a:lumOff val="25000"/>
+                  </a:schemeClr>
                 </a:solidFill>
                 <a:cs typeface="Arial" panose="020B0604020202020204" pitchFamily="34" charset="0"/>
               </a:rPr>
               <a:t>Your Text  Here</a:t>
             </a:r>
-            <a:endParaRPr lang="ko-KR" altLang="en-US" sz="1400" b="1" dirty="0">
+            <a:endParaRPr lang="ko-KR" altLang="en-US" sz="1200" b="1" dirty="0">
               <a:solidFill>
-                <a:schemeClr val="accent2"/>
+                <a:schemeClr val="tx1">
+                  <a:lumMod val="75000"/>
+                  <a:lumOff val="25000"/>
+                </a:schemeClr>
               </a:solidFill>
               <a:cs typeface="Arial" panose="020B0604020202020204" pitchFamily="34" charset="0"/>
             </a:endParaRPr>
@@ -12421,14 +14823,210 @@
       </p:sp>
       <p:sp>
         <p:nvSpPr>
-          <p:cNvPr id="9" name="TextBox 8"/>
+          <p:cNvPr id="16" name="Text Placeholder 1"/>
           <p:cNvSpPr txBox="1"/>
           <p:nvPr/>
         </p:nvSpPr>
         <p:spPr>
           <a:xfrm>
-            <a:off x="3753433" y="4447356"/>
-            <a:ext cx="1656184" cy="307777"/>
+            <a:off x="5171440" y="135890"/>
+            <a:ext cx="1234440" cy="523240"/>
+          </a:xfrm>
+          <a:prstGeom prst="rect">
+            <a:avLst/>
+          </a:prstGeom>
+        </p:spPr>
+        <p:txBody>
+          <a:bodyPr/>
+          <a:lstStyle>
+            <a:lvl1pPr marL="342900" indent="-342900" algn="l" defTabSz="914400" rtl="0" eaLnBrk="1" latinLnBrk="1" hangingPunct="1">
+              <a:spcBef>
+                <a:spcPct val="20000"/>
+              </a:spcBef>
+              <a:buFont typeface="Arial" panose="020B0604020202020204" pitchFamily="34" charset="0"/>
+              <a:buChar char="•"/>
+              <a:defRPr sz="3200" kern="1200">
+                <a:solidFill>
+                  <a:schemeClr val="tx1"/>
+                </a:solidFill>
+                <a:latin typeface="+mn-lt"/>
+                <a:ea typeface="+mn-ea"/>
+                <a:cs typeface="+mn-cs"/>
+              </a:defRPr>
+            </a:lvl1pPr>
+            <a:lvl2pPr marL="742950" indent="-285750" algn="l" defTabSz="914400" rtl="0" eaLnBrk="1" latinLnBrk="1" hangingPunct="1">
+              <a:spcBef>
+                <a:spcPct val="20000"/>
+              </a:spcBef>
+              <a:buFont typeface="Arial" panose="020B0604020202020204" pitchFamily="34" charset="0"/>
+              <a:buChar char="–"/>
+              <a:defRPr sz="2800" kern="1200">
+                <a:solidFill>
+                  <a:schemeClr val="tx1"/>
+                </a:solidFill>
+                <a:latin typeface="+mn-lt"/>
+                <a:ea typeface="+mn-ea"/>
+                <a:cs typeface="+mn-cs"/>
+              </a:defRPr>
+            </a:lvl2pPr>
+            <a:lvl3pPr marL="1143000" indent="-228600" algn="l" defTabSz="914400" rtl="0" eaLnBrk="1" latinLnBrk="1" hangingPunct="1">
+              <a:spcBef>
+                <a:spcPct val="20000"/>
+              </a:spcBef>
+              <a:buFont typeface="Arial" panose="020B0604020202020204" pitchFamily="34" charset="0"/>
+              <a:buChar char="•"/>
+              <a:defRPr sz="2400" kern="1200">
+                <a:solidFill>
+                  <a:schemeClr val="tx1"/>
+                </a:solidFill>
+                <a:latin typeface="+mn-lt"/>
+                <a:ea typeface="+mn-ea"/>
+                <a:cs typeface="+mn-cs"/>
+              </a:defRPr>
+            </a:lvl3pPr>
+            <a:lvl4pPr marL="1600200" indent="-228600" algn="l" defTabSz="914400" rtl="0" eaLnBrk="1" latinLnBrk="1" hangingPunct="1">
+              <a:spcBef>
+                <a:spcPct val="20000"/>
+              </a:spcBef>
+              <a:buFont typeface="Arial" panose="020B0604020202020204" pitchFamily="34" charset="0"/>
+              <a:buChar char="–"/>
+              <a:defRPr sz="2000" kern="1200">
+                <a:solidFill>
+                  <a:schemeClr val="tx1"/>
+                </a:solidFill>
+                <a:latin typeface="+mn-lt"/>
+                <a:ea typeface="+mn-ea"/>
+                <a:cs typeface="+mn-cs"/>
+              </a:defRPr>
+            </a:lvl4pPr>
+            <a:lvl5pPr marL="2057400" indent="-228600" algn="l" defTabSz="914400" rtl="0" eaLnBrk="1" latinLnBrk="1" hangingPunct="1">
+              <a:spcBef>
+                <a:spcPct val="20000"/>
+              </a:spcBef>
+              <a:buFont typeface="Arial" panose="020B0604020202020204" pitchFamily="34" charset="0"/>
+              <a:buChar char="»"/>
+              <a:defRPr sz="2000" kern="1200">
+                <a:solidFill>
+                  <a:schemeClr val="tx1"/>
+                </a:solidFill>
+                <a:latin typeface="+mn-lt"/>
+                <a:ea typeface="+mn-ea"/>
+                <a:cs typeface="+mn-cs"/>
+              </a:defRPr>
+            </a:lvl5pPr>
+            <a:lvl6pPr marL="2514600" indent="-228600" algn="l" defTabSz="914400" rtl="0" eaLnBrk="1" latinLnBrk="1" hangingPunct="1">
+              <a:spcBef>
+                <a:spcPct val="20000"/>
+              </a:spcBef>
+              <a:buFont typeface="Arial" panose="020B0604020202020204" pitchFamily="34" charset="0"/>
+              <a:buChar char="•"/>
+              <a:defRPr sz="2000" kern="1200">
+                <a:solidFill>
+                  <a:schemeClr val="tx1"/>
+                </a:solidFill>
+                <a:latin typeface="+mn-lt"/>
+                <a:ea typeface="+mn-ea"/>
+                <a:cs typeface="+mn-cs"/>
+              </a:defRPr>
+            </a:lvl6pPr>
+            <a:lvl7pPr marL="2971800" indent="-228600" algn="l" defTabSz="914400" rtl="0" eaLnBrk="1" latinLnBrk="1" hangingPunct="1">
+              <a:spcBef>
+                <a:spcPct val="20000"/>
+              </a:spcBef>
+              <a:buFont typeface="Arial" panose="020B0604020202020204" pitchFamily="34" charset="0"/>
+              <a:buChar char="•"/>
+              <a:defRPr sz="2000" kern="1200">
+                <a:solidFill>
+                  <a:schemeClr val="tx1"/>
+                </a:solidFill>
+                <a:latin typeface="+mn-lt"/>
+                <a:ea typeface="+mn-ea"/>
+                <a:cs typeface="+mn-cs"/>
+              </a:defRPr>
+            </a:lvl7pPr>
+            <a:lvl8pPr marL="3429000" indent="-228600" algn="l" defTabSz="914400" rtl="0" eaLnBrk="1" latinLnBrk="1" hangingPunct="1">
+              <a:spcBef>
+                <a:spcPct val="20000"/>
+              </a:spcBef>
+              <a:buFont typeface="Arial" panose="020B0604020202020204" pitchFamily="34" charset="0"/>
+              <a:buChar char="•"/>
+              <a:defRPr sz="2000" kern="1200">
+                <a:solidFill>
+                  <a:schemeClr val="tx1"/>
+                </a:solidFill>
+                <a:latin typeface="+mn-lt"/>
+                <a:ea typeface="+mn-ea"/>
+                <a:cs typeface="+mn-cs"/>
+              </a:defRPr>
+            </a:lvl8pPr>
+            <a:lvl9pPr marL="3886200" indent="-228600" algn="l" defTabSz="914400" rtl="0" eaLnBrk="1" latinLnBrk="1" hangingPunct="1">
+              <a:spcBef>
+                <a:spcPct val="20000"/>
+              </a:spcBef>
+              <a:buFont typeface="Arial" panose="020B0604020202020204" pitchFamily="34" charset="0"/>
+              <a:buChar char="•"/>
+              <a:defRPr sz="2000" kern="1200">
+                <a:solidFill>
+                  <a:schemeClr val="tx1"/>
+                </a:solidFill>
+                <a:latin typeface="+mn-lt"/>
+                <a:ea typeface="+mn-ea"/>
+                <a:cs typeface="+mn-cs"/>
+              </a:defRPr>
+            </a:lvl9pPr>
+          </a:lstStyle>
+          <a:p>
+            <a:pPr marL="0" indent="0">
+              <a:buNone/>
+            </a:pPr>
+            <a:r>
+              <a:rPr lang="en-GB" sz="2800" b="1" dirty="0">
+                <a:ln/>
+                <a:solidFill>
+                  <a:schemeClr val="accent1"/>
+                </a:solidFill>
+                <a:effectLst>
+                  <a:outerShdw blurRad="38100" dist="25400" dir="5400000" algn="ctr" rotWithShape="0">
+                    <a:srgbClr val="6E747A">
+                      <a:alpha val="43000"/>
+                    </a:srgbClr>
+                  </a:outerShdw>
+                </a:effectLst>
+                <a:latin typeface="Fira Code Medium" panose="020B0809050000020004" charset="0"/>
+                <a:cs typeface="Fira Code Medium" panose="020B0809050000020004" charset="0"/>
+                <a:sym typeface="+mn-ea"/>
+              </a:rPr>
+              <a:t>gRPC</a:t>
+            </a:r>
+            <a:endParaRPr lang="en-GB" altLang="en-US" sz="2800" b="1" dirty="0">
+              <a:ln/>
+              <a:solidFill>
+                <a:schemeClr val="accent1"/>
+              </a:solidFill>
+              <a:effectLst>
+                <a:outerShdw blurRad="38100" dist="25400" dir="5400000" algn="ctr" rotWithShape="0">
+                  <a:srgbClr val="6E747A">
+                    <a:alpha val="43000"/>
+                  </a:srgbClr>
+                </a:outerShdw>
+              </a:effectLst>
+              <a:latin typeface="Fira Code Medium" panose="020B0809050000020004" charset="0"/>
+              <a:cs typeface="Fira Code Medium" panose="020B0809050000020004" charset="0"/>
+              <a:sym typeface="+mn-ea"/>
+            </a:endParaRPr>
+          </a:p>
+        </p:txBody>
+      </p:sp>
+      <p:sp>
+        <p:nvSpPr>
+          <p:cNvPr id="17" name="TextBox 16"/>
+          <p:cNvSpPr txBox="1"/>
+          <p:nvPr/>
+        </p:nvSpPr>
+        <p:spPr>
+          <a:xfrm>
+            <a:off x="5171440" y="821690"/>
+            <a:ext cx="3883025" cy="829945"/>
           </a:xfrm>
           <a:prstGeom prst="rect">
             <a:avLst/>
@@ -12443,28 +15041,267 @@
           <a:p>
             <a:pPr algn="ctr"/>
             <a:r>
-              <a:rPr lang="en-US" altLang="ko-KR" sz="1400" b="1" dirty="0">
+              <a:rPr lang="en-GB" sz="1200" b="1" dirty="0">
+                <a:ln/>
                 <a:solidFill>
-                  <a:schemeClr val="bg1"/>
+                  <a:schemeClr val="tx1"/>
                 </a:solidFill>
-                <a:cs typeface="Arial" panose="020B0604020202020204" pitchFamily="34" charset="0"/>
+                <a:effectLst>
+                  <a:outerShdw blurRad="38100" dist="19050" dir="2700000" algn="tl" rotWithShape="0">
+                    <a:schemeClr val="dk1">
+                      <a:alpha val="40000"/>
+                    </a:schemeClr>
+                  </a:outerShdw>
+                </a:effectLst>
+                <a:latin typeface="Fira Code" panose="020B0809050000020004" charset="0"/>
+                <a:cs typeface="Fira Code" panose="020B0809050000020004" charset="0"/>
               </a:rPr>
-              <a:t>Contents</a:t>
+              <a:t>I</a:t>
             </a:r>
-            <a:endParaRPr lang="ko-KR" altLang="en-US" sz="1400" b="1" dirty="0">
+            <a:r>
+              <a:rPr sz="1200" b="1" dirty="0">
+                <a:ln/>
+                <a:solidFill>
+                  <a:schemeClr val="tx1"/>
+                </a:solidFill>
+                <a:effectLst>
+                  <a:outerShdw blurRad="38100" dist="19050" dir="2700000" algn="tl" rotWithShape="0">
+                    <a:schemeClr val="dk1">
+                      <a:alpha val="40000"/>
+                    </a:schemeClr>
+                  </a:outerShdw>
+                </a:effectLst>
+                <a:latin typeface="Fira Code" panose="020B0809050000020004" charset="0"/>
+                <a:cs typeface="Fira Code" panose="020B0809050000020004" charset="0"/>
+              </a:rPr>
+              <a:t>t is a language-independent, platform-independent framework for remote </a:t>
+            </a:r>
+            <a:endParaRPr sz="1200" b="1" dirty="0">
+              <a:ln/>
               <a:solidFill>
-                <a:schemeClr val="bg1"/>
+                <a:schemeClr val="tx1"/>
               </a:solidFill>
-              <a:cs typeface="Arial" panose="020B0604020202020204" pitchFamily="34" charset="0"/>
+              <a:effectLst>
+                <a:outerShdw blurRad="38100" dist="19050" dir="2700000" algn="tl" rotWithShape="0">
+                  <a:schemeClr val="dk1">
+                    <a:alpha val="40000"/>
+                  </a:schemeClr>
+                </a:outerShdw>
+              </a:effectLst>
+              <a:latin typeface="Fira Code" panose="020B0809050000020004" charset="0"/>
+              <a:cs typeface="Fira Code" panose="020B0809050000020004" charset="0"/>
+            </a:endParaRPr>
+          </a:p>
+          <a:p>
+            <a:pPr algn="ctr"/>
+            <a:r>
+              <a:rPr sz="1200" b="1" dirty="0">
+                <a:ln/>
+                <a:solidFill>
+                  <a:schemeClr val="tx1"/>
+                </a:solidFill>
+                <a:effectLst>
+                  <a:outerShdw blurRad="38100" dist="19050" dir="2700000" algn="tl" rotWithShape="0">
+                    <a:schemeClr val="dk1">
+                      <a:alpha val="40000"/>
+                    </a:schemeClr>
+                  </a:outerShdw>
+                </a:effectLst>
+                <a:latin typeface="Fira Code" panose="020B0809050000020004" charset="0"/>
+                <a:cs typeface="Fira Code" panose="020B0809050000020004" charset="0"/>
+              </a:rPr>
+              <a:t>procedure call (RPC) and a Suite of </a:t>
+            </a:r>
+            <a:endParaRPr sz="1200" b="1" dirty="0">
+              <a:ln/>
+              <a:solidFill>
+                <a:schemeClr val="tx1"/>
+              </a:solidFill>
+              <a:effectLst>
+                <a:outerShdw blurRad="38100" dist="19050" dir="2700000" algn="tl" rotWithShape="0">
+                  <a:schemeClr val="dk1">
+                    <a:alpha val="40000"/>
+                  </a:schemeClr>
+                </a:outerShdw>
+              </a:effectLst>
+              <a:latin typeface="Fira Code" panose="020B0809050000020004" charset="0"/>
+              <a:cs typeface="Fira Code" panose="020B0809050000020004" charset="0"/>
+            </a:endParaRPr>
+          </a:p>
+          <a:p>
+            <a:pPr algn="ctr"/>
+            <a:r>
+              <a:rPr sz="1200" b="1" dirty="0">
+                <a:ln/>
+                <a:solidFill>
+                  <a:schemeClr val="tx1"/>
+                </a:solidFill>
+                <a:effectLst>
+                  <a:outerShdw blurRad="38100" dist="19050" dir="2700000" algn="tl" rotWithShape="0">
+                    <a:schemeClr val="dk1">
+                      <a:alpha val="40000"/>
+                    </a:schemeClr>
+                  </a:outerShdw>
+                </a:effectLst>
+                <a:latin typeface="Fira Code" panose="020B0809050000020004" charset="0"/>
+                <a:cs typeface="Fira Code" panose="020B0809050000020004" charset="0"/>
+              </a:rPr>
+              <a:t>tools developed at Google.</a:t>
+            </a:r>
+            <a:endParaRPr sz="1200" b="1" dirty="0">
+              <a:ln/>
+              <a:solidFill>
+                <a:schemeClr val="tx1"/>
+              </a:solidFill>
+              <a:effectLst>
+                <a:outerShdw blurRad="38100" dist="19050" dir="2700000" algn="tl" rotWithShape="0">
+                  <a:schemeClr val="dk1">
+                    <a:alpha val="40000"/>
+                  </a:schemeClr>
+                </a:outerShdw>
+              </a:effectLst>
+              <a:latin typeface="Fira Code" panose="020B0809050000020004" charset="0"/>
+              <a:cs typeface="Fira Code" panose="020B0809050000020004" charset="0"/>
             </a:endParaRPr>
           </a:p>
         </p:txBody>
       </p:sp>
+      <p:pic>
+        <p:nvPicPr>
+          <p:cNvPr id="2" name="Picture 1" descr="googles-new-logo"/>
+          <p:cNvPicPr>
+            <a:picLocks noChangeAspect="1"/>
+          </p:cNvPicPr>
+          <p:nvPr/>
+        </p:nvPicPr>
+        <p:blipFill>
+          <a:blip r:embed="rId1"/>
+          <a:stretch>
+            <a:fillRect/>
+          </a:stretch>
+        </p:blipFill>
+        <p:spPr>
+          <a:xfrm>
+            <a:off x="27940" y="53340"/>
+            <a:ext cx="3405505" cy="1546225"/>
+          </a:xfrm>
+          <a:prstGeom prst="rect">
+            <a:avLst/>
+          </a:prstGeom>
+        </p:spPr>
+      </p:pic>
+      <p:pic>
+        <p:nvPicPr>
+          <p:cNvPr id="10" name="Picture 9" descr="images"/>
+          <p:cNvPicPr>
+            <a:picLocks noChangeAspect="1"/>
+          </p:cNvPicPr>
+          <p:nvPr/>
+        </p:nvPicPr>
+        <p:blipFill>
+          <a:blip r:embed="rId2"/>
+          <a:stretch>
+            <a:fillRect/>
+          </a:stretch>
+        </p:blipFill>
+        <p:spPr>
+          <a:xfrm>
+            <a:off x="230505" y="2256790"/>
+            <a:ext cx="2999740" cy="1066165"/>
+          </a:xfrm>
+          <a:prstGeom prst="rect">
+            <a:avLst/>
+          </a:prstGeom>
+        </p:spPr>
+      </p:pic>
     </p:spTree>
   </p:cSld>
   <p:clrMapOvr>
     <a:masterClrMapping/>
   </p:clrMapOvr>
+  <p:timing>
+    <p:tnLst>
+      <p:par>
+        <p:cTn id="1" dur="indefinite" restart="never" nodeType="tmRoot">
+          <p:childTnLst>
+            <p:seq concurrent="1" nextAc="seek">
+              <p:cTn id="2" dur="indefinite" nodeType="mainSeq">
+                <p:childTnLst>
+                  <p:par>
+                    <p:cTn id="3" fill="hold">
+                      <p:stCondLst>
+                        <p:cond delay="indefinite"/>
+                      </p:stCondLst>
+                      <p:childTnLst>
+                        <p:par>
+                          <p:cTn id="4" fill="hold">
+                            <p:stCondLst>
+                              <p:cond delay="0"/>
+                            </p:stCondLst>
+                            <p:childTnLst>
+                              <p:par>
+                                <p:cTn id="5" presetID="9" presetClass="entr" presetSubtype="0" fill="hold" nodeType="clickEffect">
+                                  <p:stCondLst>
+                                    <p:cond delay="0"/>
+                                  </p:stCondLst>
+                                  <p:childTnLst>
+                                    <p:set>
+                                      <p:cBhvr>
+                                        <p:cTn id="6" dur="1" fill="hold">
+                                          <p:stCondLst>
+                                            <p:cond delay="0"/>
+                                          </p:stCondLst>
+                                        </p:cTn>
+                                        <p:tgtEl>
+                                          <p:spTgt spid="2"/>
+                                        </p:tgtEl>
+                                        <p:attrNameLst>
+                                          <p:attrName>style.visibility</p:attrName>
+                                        </p:attrNameLst>
+                                      </p:cBhvr>
+                                      <p:to>
+                                        <p:strVal val="visible"/>
+                                      </p:to>
+                                    </p:set>
+                                    <p:animEffect transition="in" filter="dissolve">
+                                      <p:cBhvr>
+                                        <p:cTn id="7" dur="500"/>
+                                        <p:tgtEl>
+                                          <p:spTgt spid="2"/>
+                                        </p:tgtEl>
+                                      </p:cBhvr>
+                                    </p:animEffect>
+                                  </p:childTnLst>
+                                </p:cTn>
+                              </p:par>
+                            </p:childTnLst>
+                          </p:cTn>
+                        </p:par>
+                      </p:childTnLst>
+                    </p:cTn>
+                  </p:par>
+                </p:childTnLst>
+              </p:cTn>
+              <p:prevCondLst>
+                <p:cond evt="onPrev" delay="0">
+                  <p:tgtEl>
+                    <p:sldTgt/>
+                  </p:tgtEl>
+                </p:cond>
+              </p:prevCondLst>
+              <p:nextCondLst>
+                <p:cond evt="onNext" delay="0">
+                  <p:tgtEl>
+                    <p:sldTgt/>
+                  </p:tgtEl>
+                </p:cond>
+              </p:nextCondLst>
+            </p:seq>
+          </p:childTnLst>
+        </p:cTn>
+      </p:par>
+    </p:tnLst>
+  </p:timing>
 </p:sld>
 </file>
 
@@ -12503,7 +15340,12 @@
             <p:ph type="body" sz="quarter" idx="10"/>
           </p:nvPr>
         </p:nvSpPr>
-        <p:spPr/>
+        <p:spPr>
+          <a:xfrm>
+            <a:off x="635" y="124113"/>
+            <a:ext cx="9144000" cy="576064"/>
+          </a:xfrm>
+        </p:spPr>
         <p:txBody>
           <a:bodyPr/>
           <a:lstStyle/>
@@ -12518,37 +15360,13 @@
       </p:sp>
       <p:sp>
         <p:nvSpPr>
-          <p:cNvPr id="3" name="Text Placeholder 2"/>
-          <p:cNvSpPr>
-            <a:spLocks noGrp="1"/>
-          </p:cNvSpPr>
-          <p:nvPr>
-            <p:ph type="body" sz="quarter" idx="11"/>
-          </p:nvPr>
-        </p:nvSpPr>
-        <p:spPr/>
-        <p:txBody>
-          <a:bodyPr/>
-          <a:lstStyle/>
-          <a:p>
-            <a:pPr lvl="0"/>
-            <a:r>
-              <a:rPr lang="en-US" altLang="ko-KR" dirty="0"/>
-              <a:t>Insert the title of your subtitle Here</a:t>
-            </a:r>
-            <a:endParaRPr lang="en-US" altLang="ko-KR" dirty="0"/>
-          </a:p>
-        </p:txBody>
-      </p:sp>
-      <p:sp>
-        <p:nvSpPr>
           <p:cNvPr id="6" name="Rectangle 5"/>
           <p:cNvSpPr/>
           <p:nvPr/>
         </p:nvSpPr>
         <p:spPr>
           <a:xfrm>
-            <a:off x="50165" y="373906"/>
+            <a:off x="0" y="964456"/>
             <a:ext cx="9144000" cy="3456384"/>
           </a:xfrm>
           <a:prstGeom prst="rect">
